--- a/doc/SoftwareDesign/Simulator/SimulatorDesign.pptx
+++ b/doc/SoftwareDesign/Simulator/SimulatorDesign.pptx
@@ -5,13 +5,17 @@
     <p:sldMasterId id="2147483648" r:id="rId1"/>
   </p:sldMasterIdLst>
   <p:notesMasterIdLst>
-    <p:notesMasterId r:id="rId6"/>
+    <p:notesMasterId r:id="rId10"/>
   </p:notesMasterIdLst>
   <p:sldIdLst>
     <p:sldId id="256" r:id="rId2"/>
     <p:sldId id="257" r:id="rId3"/>
     <p:sldId id="310" r:id="rId4"/>
     <p:sldId id="258" r:id="rId5"/>
+    <p:sldId id="313" r:id="rId6"/>
+    <p:sldId id="311" r:id="rId7"/>
+    <p:sldId id="314" r:id="rId8"/>
+    <p:sldId id="315" r:id="rId9"/>
   </p:sldIdLst>
   <p:sldSz cx="12192000" cy="6858000"/>
   <p:notesSz cx="6858000" cy="9144000"/>
@@ -110,6 +114,11 @@
       </a:defRPr>
     </a:lvl9pPr>
   </p:defaultTextStyle>
+  <p:extLst>
+    <p:ext uri="{EFAFB233-063F-42B5-8137-9DF3F51BA10A}">
+      <p15:sldGuideLst xmlns:p15="http://schemas.microsoft.com/office/powerpoint/2012/main"/>
+    </p:ext>
+  </p:extLst>
 </p:presentation>
 </file>
 
@@ -195,7 +204,7 @@
           <a:p>
             <a:fld id="{F3D653B5-C80E-4E8A-A692-BF103216B5CE}" type="datetimeFigureOut">
               <a:rPr lang="zh-CN" altLang="en-US" smtClean="0"/>
-              <a:t>2020/9/14</a:t>
+              <a:t>2020/11/27</a:t>
             </a:fld>
             <a:endParaRPr lang="zh-CN" altLang="en-US"/>
           </a:p>
@@ -693,7 +702,7 @@
           <a:p>
             <a:fld id="{82174B9A-9B7F-455A-9A85-18BD6752911C}" type="datetimeFigureOut">
               <a:rPr lang="zh-CN" altLang="en-US" smtClean="0"/>
-              <a:t>2020/9/14</a:t>
+              <a:t>2020/11/27</a:t>
             </a:fld>
             <a:endParaRPr lang="zh-CN" altLang="en-US"/>
           </a:p>
@@ -891,7 +900,7 @@
           <a:p>
             <a:fld id="{82174B9A-9B7F-455A-9A85-18BD6752911C}" type="datetimeFigureOut">
               <a:rPr lang="zh-CN" altLang="en-US" smtClean="0"/>
-              <a:t>2020/9/14</a:t>
+              <a:t>2020/11/27</a:t>
             </a:fld>
             <a:endParaRPr lang="zh-CN" altLang="en-US"/>
           </a:p>
@@ -1099,7 +1108,7 @@
           <a:p>
             <a:fld id="{82174B9A-9B7F-455A-9A85-18BD6752911C}" type="datetimeFigureOut">
               <a:rPr lang="zh-CN" altLang="en-US" smtClean="0"/>
-              <a:t>2020/9/14</a:t>
+              <a:t>2020/11/27</a:t>
             </a:fld>
             <a:endParaRPr lang="zh-CN" altLang="en-US"/>
           </a:p>
@@ -1297,7 +1306,7 @@
           <a:p>
             <a:fld id="{82174B9A-9B7F-455A-9A85-18BD6752911C}" type="datetimeFigureOut">
               <a:rPr lang="zh-CN" altLang="en-US" smtClean="0"/>
-              <a:t>2020/9/14</a:t>
+              <a:t>2020/11/27</a:t>
             </a:fld>
             <a:endParaRPr lang="zh-CN" altLang="en-US"/>
           </a:p>
@@ -1572,7 +1581,7 @@
           <a:p>
             <a:fld id="{82174B9A-9B7F-455A-9A85-18BD6752911C}" type="datetimeFigureOut">
               <a:rPr lang="zh-CN" altLang="en-US" smtClean="0"/>
-              <a:t>2020/9/14</a:t>
+              <a:t>2020/11/27</a:t>
             </a:fld>
             <a:endParaRPr lang="zh-CN" altLang="en-US"/>
           </a:p>
@@ -1837,7 +1846,7 @@
           <a:p>
             <a:fld id="{82174B9A-9B7F-455A-9A85-18BD6752911C}" type="datetimeFigureOut">
               <a:rPr lang="zh-CN" altLang="en-US" smtClean="0"/>
-              <a:t>2020/9/14</a:t>
+              <a:t>2020/11/27</a:t>
             </a:fld>
             <a:endParaRPr lang="zh-CN" altLang="en-US"/>
           </a:p>
@@ -2249,7 +2258,7 @@
           <a:p>
             <a:fld id="{82174B9A-9B7F-455A-9A85-18BD6752911C}" type="datetimeFigureOut">
               <a:rPr lang="zh-CN" altLang="en-US" smtClean="0"/>
-              <a:t>2020/9/14</a:t>
+              <a:t>2020/11/27</a:t>
             </a:fld>
             <a:endParaRPr lang="zh-CN" altLang="en-US"/>
           </a:p>
@@ -2390,7 +2399,7 @@
           <a:p>
             <a:fld id="{82174B9A-9B7F-455A-9A85-18BD6752911C}" type="datetimeFigureOut">
               <a:rPr lang="zh-CN" altLang="en-US" smtClean="0"/>
-              <a:t>2020/9/14</a:t>
+              <a:t>2020/11/27</a:t>
             </a:fld>
             <a:endParaRPr lang="zh-CN" altLang="en-US"/>
           </a:p>
@@ -2503,7 +2512,7 @@
           <a:p>
             <a:fld id="{82174B9A-9B7F-455A-9A85-18BD6752911C}" type="datetimeFigureOut">
               <a:rPr lang="zh-CN" altLang="en-US" smtClean="0"/>
-              <a:t>2020/9/14</a:t>
+              <a:t>2020/11/27</a:t>
             </a:fld>
             <a:endParaRPr lang="zh-CN" altLang="en-US"/>
           </a:p>
@@ -2814,7 +2823,7 @@
           <a:p>
             <a:fld id="{82174B9A-9B7F-455A-9A85-18BD6752911C}" type="datetimeFigureOut">
               <a:rPr lang="zh-CN" altLang="en-US" smtClean="0"/>
-              <a:t>2020/9/14</a:t>
+              <a:t>2020/11/27</a:t>
             </a:fld>
             <a:endParaRPr lang="zh-CN" altLang="en-US"/>
           </a:p>
@@ -3102,7 +3111,7 @@
           <a:p>
             <a:fld id="{82174B9A-9B7F-455A-9A85-18BD6752911C}" type="datetimeFigureOut">
               <a:rPr lang="zh-CN" altLang="en-US" smtClean="0"/>
-              <a:t>2020/9/14</a:t>
+              <a:t>2020/11/27</a:t>
             </a:fld>
             <a:endParaRPr lang="zh-CN" altLang="en-US"/>
           </a:p>
@@ -3343,7 +3352,7 @@
           <a:p>
             <a:fld id="{82174B9A-9B7F-455A-9A85-18BD6752911C}" type="datetimeFigureOut">
               <a:rPr lang="zh-CN" altLang="en-US" smtClean="0"/>
-              <a:t>2020/9/14</a:t>
+              <a:t>2020/11/27</a:t>
             </a:fld>
             <a:endParaRPr lang="zh-CN" altLang="en-US"/>
           </a:p>
@@ -4131,8 +4140,8 @@
         </p:nvCxnSpPr>
         <p:spPr>
           <a:xfrm flipV="1">
-            <a:off x="3313412" y="3955729"/>
-            <a:ext cx="2795442" cy="537783"/>
+            <a:off x="3454817" y="3955729"/>
+            <a:ext cx="2654037" cy="537783"/>
           </a:xfrm>
           <a:prstGeom prst="straightConnector1">
             <a:avLst/>
@@ -4511,7 +4520,7 @@
             </p:nvSpPr>
             <p:spPr>
               <a:xfrm>
-                <a:off x="1341550" y="4758579"/>
+                <a:off x="1482955" y="4758579"/>
                 <a:ext cx="1298023" cy="471686"/>
               </a:xfrm>
               <a:prstGeom prst="rect">
@@ -6296,8 +6305,8 @@
         </p:nvCxnSpPr>
         <p:spPr>
           <a:xfrm>
-            <a:off x="3313412" y="4965198"/>
-            <a:ext cx="225660" cy="957710"/>
+            <a:off x="3454817" y="4965198"/>
+            <a:ext cx="84255" cy="957710"/>
           </a:xfrm>
           <a:prstGeom prst="line">
             <a:avLst/>
@@ -6336,8 +6345,8 @@
         </p:nvCxnSpPr>
         <p:spPr>
           <a:xfrm>
-            <a:off x="3313412" y="4965198"/>
-            <a:ext cx="966642" cy="275622"/>
+            <a:off x="3454817" y="4965198"/>
+            <a:ext cx="825237" cy="275622"/>
           </a:xfrm>
           <a:prstGeom prst="line">
             <a:avLst/>
@@ -6376,8 +6385,8 @@
         </p:nvCxnSpPr>
         <p:spPr>
           <a:xfrm>
-            <a:off x="3313412" y="4965198"/>
-            <a:ext cx="1104509" cy="1247087"/>
+            <a:off x="3454817" y="4965198"/>
+            <a:ext cx="963104" cy="1247087"/>
           </a:xfrm>
           <a:prstGeom prst="line">
             <a:avLst/>
@@ -6727,7 +6736,12 @@
             <p:ph type="title"/>
           </p:nvPr>
         </p:nvSpPr>
-        <p:spPr/>
+        <p:spPr>
+          <a:xfrm>
+            <a:off x="838200" y="299137"/>
+            <a:ext cx="10515600" cy="1325563"/>
+          </a:xfrm>
+        </p:spPr>
         <p:txBody>
           <a:bodyPr/>
           <a:lstStyle/>
@@ -6753,7 +6767,7 @@
         </p:nvGrpSpPr>
         <p:grpSpPr>
           <a:xfrm>
-            <a:off x="3962627" y="2217117"/>
+            <a:off x="2447511" y="2151129"/>
             <a:ext cx="5961638" cy="673192"/>
             <a:chOff x="6085926" y="4341438"/>
             <a:chExt cx="5961638" cy="673192"/>
@@ -7048,7 +7062,7 @@
         </p:nvSpPr>
         <p:spPr>
           <a:xfrm>
-            <a:off x="2353316" y="2297066"/>
+            <a:off x="1007886" y="2231078"/>
             <a:ext cx="1298023" cy="471686"/>
           </a:xfrm>
           <a:prstGeom prst="rect">
@@ -7098,7 +7112,7 @@
         </p:nvSpPr>
         <p:spPr>
           <a:xfrm>
-            <a:off x="2646793" y="4022705"/>
+            <a:off x="1131677" y="3956717"/>
             <a:ext cx="2782318" cy="1132766"/>
           </a:xfrm>
           <a:prstGeom prst="cloud">
@@ -7142,7 +7156,7 @@
         </p:nvSpPr>
         <p:spPr>
           <a:xfrm>
-            <a:off x="5821976" y="4680748"/>
+            <a:off x="4306860" y="4614760"/>
             <a:ext cx="858537" cy="517645"/>
           </a:xfrm>
           <a:prstGeom prst="rect">
@@ -7192,7 +7206,7 @@
         </p:nvSpPr>
         <p:spPr>
           <a:xfrm>
-            <a:off x="7302934" y="4680334"/>
+            <a:off x="5787818" y="4614346"/>
             <a:ext cx="858537" cy="517645"/>
           </a:xfrm>
           <a:prstGeom prst="rect">
@@ -7242,7 +7256,7 @@
         </p:nvSpPr>
         <p:spPr>
           <a:xfrm>
-            <a:off x="3390532" y="3967692"/>
+            <a:off x="1875416" y="3901704"/>
             <a:ext cx="1175727" cy="593889"/>
           </a:xfrm>
           <a:prstGeom prst="ellipse">
@@ -7292,7 +7306,7 @@
         </p:nvSpPr>
         <p:spPr>
           <a:xfrm>
-            <a:off x="4116263" y="4642212"/>
+            <a:off x="2601147" y="4576224"/>
             <a:ext cx="1147623" cy="593889"/>
           </a:xfrm>
           <a:prstGeom prst="ellipse">
@@ -7342,7 +7356,7 @@
         </p:nvSpPr>
         <p:spPr>
           <a:xfrm>
-            <a:off x="2663602" y="4649780"/>
+            <a:off x="1148486" y="4583792"/>
             <a:ext cx="1147623" cy="593889"/>
           </a:xfrm>
           <a:prstGeom prst="ellipse">
@@ -7396,7 +7410,7 @@
         </p:nvCxnSpPr>
         <p:spPr>
           <a:xfrm>
-            <a:off x="6233658" y="2785843"/>
+            <a:off x="4718542" y="2719855"/>
             <a:ext cx="1498545" cy="1894491"/>
           </a:xfrm>
           <a:prstGeom prst="line">
@@ -7436,7 +7450,7 @@
         </p:nvCxnSpPr>
         <p:spPr>
           <a:xfrm>
-            <a:off x="6233658" y="2785843"/>
+            <a:off x="4718542" y="2719855"/>
             <a:ext cx="17587" cy="1894905"/>
           </a:xfrm>
           <a:prstGeom prst="line">
@@ -7476,7 +7490,7 @@
         </p:nvCxnSpPr>
         <p:spPr>
           <a:xfrm>
-            <a:off x="7722777" y="2784042"/>
+            <a:off x="6207661" y="2718054"/>
             <a:ext cx="9426" cy="1896292"/>
           </a:xfrm>
           <a:prstGeom prst="line">
@@ -7516,7 +7530,7 @@
         </p:nvCxnSpPr>
         <p:spPr>
           <a:xfrm flipH="1">
-            <a:off x="7732203" y="2775650"/>
+            <a:off x="6217087" y="2709662"/>
             <a:ext cx="1469741" cy="1904684"/>
           </a:xfrm>
           <a:prstGeom prst="line">
@@ -7556,7 +7570,7 @@
         </p:nvCxnSpPr>
         <p:spPr>
           <a:xfrm flipH="1">
-            <a:off x="6251245" y="2775650"/>
+            <a:off x="4736129" y="2709662"/>
             <a:ext cx="2950699" cy="1905098"/>
           </a:xfrm>
           <a:prstGeom prst="line">
@@ -7596,7 +7610,7 @@
         </p:nvCxnSpPr>
         <p:spPr>
           <a:xfrm flipH="1">
-            <a:off x="6251245" y="2784042"/>
+            <a:off x="4736129" y="2718054"/>
             <a:ext cx="1471532" cy="1896706"/>
           </a:xfrm>
           <a:prstGeom prst="line">
@@ -7636,7 +7650,7 @@
         </p:nvCxnSpPr>
         <p:spPr>
           <a:xfrm>
-            <a:off x="4774387" y="2779743"/>
+            <a:off x="3259271" y="2713755"/>
             <a:ext cx="1476858" cy="1901005"/>
           </a:xfrm>
           <a:prstGeom prst="line">
@@ -7676,7 +7690,7 @@
         </p:nvCxnSpPr>
         <p:spPr>
           <a:xfrm>
-            <a:off x="4774387" y="2779743"/>
+            <a:off x="3259271" y="2713755"/>
             <a:ext cx="2957816" cy="1900591"/>
           </a:xfrm>
           <a:prstGeom prst="line">
@@ -7716,8 +7730,8 @@
         </p:nvCxnSpPr>
         <p:spPr>
           <a:xfrm>
-            <a:off x="3002328" y="2768752"/>
-            <a:ext cx="235086" cy="1881028"/>
+            <a:off x="1656898" y="2702764"/>
+            <a:ext cx="65400" cy="1881028"/>
           </a:xfrm>
           <a:prstGeom prst="line">
             <a:avLst/>
@@ -7756,8 +7770,8 @@
         </p:nvCxnSpPr>
         <p:spPr>
           <a:xfrm>
-            <a:off x="3002328" y="2768752"/>
-            <a:ext cx="976068" cy="1198940"/>
+            <a:off x="1656898" y="2702764"/>
+            <a:ext cx="806382" cy="1198940"/>
           </a:xfrm>
           <a:prstGeom prst="line">
             <a:avLst/>
@@ -7796,8 +7810,8 @@
         </p:nvCxnSpPr>
         <p:spPr>
           <a:xfrm>
-            <a:off x="3002328" y="2768752"/>
-            <a:ext cx="1113935" cy="2170405"/>
+            <a:off x="1656898" y="2702764"/>
+            <a:ext cx="944249" cy="2170405"/>
           </a:xfrm>
           <a:prstGeom prst="line">
             <a:avLst/>
@@ -7835,7 +7849,7 @@
         </p:nvCxnSpPr>
         <p:spPr>
           <a:xfrm>
-            <a:off x="5263886" y="4939157"/>
+            <a:off x="3748770" y="4873169"/>
             <a:ext cx="558090" cy="414"/>
           </a:xfrm>
           <a:prstGeom prst="line">
@@ -7871,7 +7885,7 @@
         </p:nvSpPr>
         <p:spPr>
           <a:xfrm>
-            <a:off x="2353316" y="3798130"/>
+            <a:off x="772211" y="3732142"/>
             <a:ext cx="7733364" cy="1699559"/>
           </a:xfrm>
           <a:prstGeom prst="rect">
@@ -7917,7 +7931,7 @@
         </p:nvSpPr>
         <p:spPr>
           <a:xfrm>
-            <a:off x="2267735" y="2045616"/>
+            <a:off x="752619" y="1979628"/>
             <a:ext cx="7733364" cy="987516"/>
           </a:xfrm>
           <a:prstGeom prst="rect">
@@ -7949,10 +7963,1250 @@
           </a:p>
         </p:txBody>
       </p:sp>
+      <p:sp>
+        <p:nvSpPr>
+          <p:cNvPr id="3" name="文本框 2">
+            <a:extLst>
+              <a:ext uri="{FF2B5EF4-FFF2-40B4-BE49-F238E27FC236}">
+                <a16:creationId xmlns:a16="http://schemas.microsoft.com/office/drawing/2014/main" id="{EA87F80E-4869-4B55-88FD-D100D984FC6B}"/>
+              </a:ext>
+            </a:extLst>
+          </p:cNvPr>
+          <p:cNvSpPr txBox="1"/>
+          <p:nvPr/>
+        </p:nvSpPr>
+        <p:spPr>
+          <a:xfrm>
+            <a:off x="8720438" y="2257695"/>
+            <a:ext cx="1912998" cy="369332"/>
+          </a:xfrm>
+          <a:prstGeom prst="rect">
+            <a:avLst/>
+          </a:prstGeom>
+          <a:noFill/>
+        </p:spPr>
+        <p:txBody>
+          <a:bodyPr wrap="square" rtlCol="0">
+            <a:spAutoFit/>
+          </a:bodyPr>
+          <a:lstStyle/>
+          <a:p>
+            <a:r>
+              <a:rPr lang="en-US" altLang="zh-CN" b="1" dirty="0"/>
+              <a:t>Controller</a:t>
+            </a:r>
+            <a:r>
+              <a:rPr lang="zh-CN" altLang="en-US" b="1" dirty="0"/>
+              <a:t> </a:t>
+            </a:r>
+            <a:r>
+              <a:rPr lang="en-US" altLang="zh-CN" b="1" dirty="0"/>
+              <a:t>Stub</a:t>
+            </a:r>
+          </a:p>
+        </p:txBody>
+      </p:sp>
     </p:spTree>
     <p:extLst>
       <p:ext uri="{BB962C8B-B14F-4D97-AF65-F5344CB8AC3E}">
         <p14:creationId xmlns:p14="http://schemas.microsoft.com/office/powerpoint/2010/main" val="1919997260"/>
+      </p:ext>
+    </p:extLst>
+  </p:cSld>
+  <p:clrMapOvr>
+    <a:masterClrMapping/>
+  </p:clrMapOvr>
+</p:sld>
+</file>
+
+<file path=ppt/slides/slide5.xml><?xml version="1.0" encoding="utf-8"?>
+<p:sld xmlns:a="http://schemas.openxmlformats.org/drawingml/2006/main" xmlns:r="http://schemas.openxmlformats.org/officeDocument/2006/relationships" xmlns:p="http://schemas.openxmlformats.org/presentationml/2006/main">
+  <p:cSld>
+    <p:spTree>
+      <p:nvGrpSpPr>
+        <p:cNvPr id="1" name=""/>
+        <p:cNvGrpSpPr/>
+        <p:nvPr/>
+      </p:nvGrpSpPr>
+      <p:grpSpPr>
+        <a:xfrm>
+          <a:off x="0" y="0"/>
+          <a:ext cx="0" cy="0"/>
+          <a:chOff x="0" y="0"/>
+          <a:chExt cx="0" cy="0"/>
+        </a:xfrm>
+      </p:grpSpPr>
+      <p:sp>
+        <p:nvSpPr>
+          <p:cNvPr id="2" name="标题 1">
+            <a:extLst>
+              <a:ext uri="{FF2B5EF4-FFF2-40B4-BE49-F238E27FC236}">
+                <a16:creationId xmlns:a16="http://schemas.microsoft.com/office/drawing/2014/main" id="{5C1DA6A9-3BE8-49B1-B60F-440D5A6F4C9F}"/>
+              </a:ext>
+            </a:extLst>
+          </p:cNvPr>
+          <p:cNvSpPr>
+            <a:spLocks noGrp="1"/>
+          </p:cNvSpPr>
+          <p:nvPr>
+            <p:ph type="title"/>
+          </p:nvPr>
+        </p:nvSpPr>
+        <p:spPr>
+          <a:xfrm>
+            <a:off x="838200" y="233149"/>
+            <a:ext cx="10515600" cy="1325563"/>
+          </a:xfrm>
+        </p:spPr>
+        <p:txBody>
+          <a:bodyPr/>
+          <a:lstStyle/>
+          <a:p>
+            <a:r>
+              <a:rPr lang="zh-CN" altLang="en-US" dirty="0"/>
+              <a:t>模拟器结构</a:t>
+            </a:r>
+          </a:p>
+        </p:txBody>
+      </p:sp>
+      <p:sp>
+        <p:nvSpPr>
+          <p:cNvPr id="15" name="云形 14">
+            <a:extLst>
+              <a:ext uri="{FF2B5EF4-FFF2-40B4-BE49-F238E27FC236}">
+                <a16:creationId xmlns:a16="http://schemas.microsoft.com/office/drawing/2014/main" id="{42C74518-12EC-40D2-916D-44DFFCADC7B6}"/>
+              </a:ext>
+            </a:extLst>
+          </p:cNvPr>
+          <p:cNvSpPr/>
+          <p:nvPr/>
+        </p:nvSpPr>
+        <p:spPr>
+          <a:xfrm>
+            <a:off x="1131677" y="3956717"/>
+            <a:ext cx="2782318" cy="1132766"/>
+          </a:xfrm>
+          <a:prstGeom prst="cloud">
+            <a:avLst/>
+          </a:prstGeom>
+        </p:spPr>
+        <p:style>
+          <a:lnRef idx="2">
+            <a:schemeClr val="dk1"/>
+          </a:lnRef>
+          <a:fillRef idx="1">
+            <a:schemeClr val="lt1"/>
+          </a:fillRef>
+          <a:effectRef idx="0">
+            <a:schemeClr val="dk1"/>
+          </a:effectRef>
+          <a:fontRef idx="minor">
+            <a:schemeClr val="dk1"/>
+          </a:fontRef>
+        </p:style>
+        <p:txBody>
+          <a:bodyPr rtlCol="0" anchor="ctr"/>
+          <a:lstStyle/>
+          <a:p>
+            <a:pPr algn="ctr"/>
+            <a:endParaRPr lang="zh-CN" altLang="en-US"/>
+          </a:p>
+        </p:txBody>
+      </p:sp>
+      <p:sp>
+        <p:nvSpPr>
+          <p:cNvPr id="16" name="矩形 15">
+            <a:extLst>
+              <a:ext uri="{FF2B5EF4-FFF2-40B4-BE49-F238E27FC236}">
+                <a16:creationId xmlns:a16="http://schemas.microsoft.com/office/drawing/2014/main" id="{3D58024B-8758-43E7-ACD5-B01ECEBFEFF9}"/>
+              </a:ext>
+            </a:extLst>
+          </p:cNvPr>
+          <p:cNvSpPr/>
+          <p:nvPr/>
+        </p:nvSpPr>
+        <p:spPr>
+          <a:xfrm>
+            <a:off x="4306860" y="4614760"/>
+            <a:ext cx="858537" cy="517645"/>
+          </a:xfrm>
+          <a:prstGeom prst="rect">
+            <a:avLst/>
+          </a:prstGeom>
+        </p:spPr>
+        <p:style>
+          <a:lnRef idx="2">
+            <a:schemeClr val="accent1">
+              <a:shade val="50000"/>
+            </a:schemeClr>
+          </a:lnRef>
+          <a:fillRef idx="1">
+            <a:schemeClr val="accent1"/>
+          </a:fillRef>
+          <a:effectRef idx="0">
+            <a:schemeClr val="accent1"/>
+          </a:effectRef>
+          <a:fontRef idx="minor">
+            <a:schemeClr val="lt1"/>
+          </a:fontRef>
+        </p:style>
+        <p:txBody>
+          <a:bodyPr rtlCol="0" anchor="ctr"/>
+          <a:lstStyle/>
+          <a:p>
+            <a:pPr algn="ctr"/>
+            <a:r>
+              <a:rPr lang="en-US" altLang="zh-CN" dirty="0"/>
+              <a:t>Server</a:t>
+            </a:r>
+            <a:endParaRPr lang="zh-CN" altLang="en-US" dirty="0"/>
+          </a:p>
+        </p:txBody>
+      </p:sp>
+      <p:sp>
+        <p:nvSpPr>
+          <p:cNvPr id="17" name="矩形 16">
+            <a:extLst>
+              <a:ext uri="{FF2B5EF4-FFF2-40B4-BE49-F238E27FC236}">
+                <a16:creationId xmlns:a16="http://schemas.microsoft.com/office/drawing/2014/main" id="{7D1518EF-2408-4617-A04A-71C23FF3AD0E}"/>
+              </a:ext>
+            </a:extLst>
+          </p:cNvPr>
+          <p:cNvSpPr/>
+          <p:nvPr/>
+        </p:nvSpPr>
+        <p:spPr>
+          <a:xfrm>
+            <a:off x="5787818" y="4614346"/>
+            <a:ext cx="858537" cy="517645"/>
+          </a:xfrm>
+          <a:prstGeom prst="rect">
+            <a:avLst/>
+          </a:prstGeom>
+        </p:spPr>
+        <p:style>
+          <a:lnRef idx="2">
+            <a:schemeClr val="accent1">
+              <a:shade val="50000"/>
+            </a:schemeClr>
+          </a:lnRef>
+          <a:fillRef idx="1">
+            <a:schemeClr val="accent1"/>
+          </a:fillRef>
+          <a:effectRef idx="0">
+            <a:schemeClr val="accent1"/>
+          </a:effectRef>
+          <a:fontRef idx="minor">
+            <a:schemeClr val="lt1"/>
+          </a:fontRef>
+        </p:style>
+        <p:txBody>
+          <a:bodyPr rtlCol="0" anchor="ctr"/>
+          <a:lstStyle/>
+          <a:p>
+            <a:pPr algn="ctr"/>
+            <a:r>
+              <a:rPr lang="en-US" altLang="zh-CN" dirty="0"/>
+              <a:t>Server</a:t>
+            </a:r>
+            <a:endParaRPr lang="zh-CN" altLang="en-US" dirty="0"/>
+          </a:p>
+        </p:txBody>
+      </p:sp>
+      <p:sp>
+        <p:nvSpPr>
+          <p:cNvPr id="18" name="椭圆 17">
+            <a:extLst>
+              <a:ext uri="{FF2B5EF4-FFF2-40B4-BE49-F238E27FC236}">
+                <a16:creationId xmlns:a16="http://schemas.microsoft.com/office/drawing/2014/main" id="{3FE2C352-6B46-4A39-9F98-B57D7656C0E3}"/>
+              </a:ext>
+            </a:extLst>
+          </p:cNvPr>
+          <p:cNvSpPr/>
+          <p:nvPr/>
+        </p:nvSpPr>
+        <p:spPr>
+          <a:xfrm>
+            <a:off x="1875416" y="3901704"/>
+            <a:ext cx="1175727" cy="593889"/>
+          </a:xfrm>
+          <a:prstGeom prst="ellipse">
+            <a:avLst/>
+          </a:prstGeom>
+        </p:spPr>
+        <p:style>
+          <a:lnRef idx="2">
+            <a:schemeClr val="accent1">
+              <a:shade val="50000"/>
+            </a:schemeClr>
+          </a:lnRef>
+          <a:fillRef idx="1">
+            <a:schemeClr val="accent1"/>
+          </a:fillRef>
+          <a:effectRef idx="0">
+            <a:schemeClr val="accent1"/>
+          </a:effectRef>
+          <a:fontRef idx="minor">
+            <a:schemeClr val="lt1"/>
+          </a:fontRef>
+        </p:style>
+        <p:txBody>
+          <a:bodyPr rtlCol="0" anchor="ctr"/>
+          <a:lstStyle/>
+          <a:p>
+            <a:pPr algn="ctr"/>
+            <a:r>
+              <a:rPr lang="en-US" altLang="zh-CN" dirty="0"/>
+              <a:t>P4 switch</a:t>
+            </a:r>
+            <a:endParaRPr lang="zh-CN" altLang="en-US" dirty="0"/>
+          </a:p>
+        </p:txBody>
+      </p:sp>
+      <p:sp>
+        <p:nvSpPr>
+          <p:cNvPr id="19" name="椭圆 18">
+            <a:extLst>
+              <a:ext uri="{FF2B5EF4-FFF2-40B4-BE49-F238E27FC236}">
+                <a16:creationId xmlns:a16="http://schemas.microsoft.com/office/drawing/2014/main" id="{F43114ED-2AC2-4F70-88C3-96D0D51A17D7}"/>
+              </a:ext>
+            </a:extLst>
+          </p:cNvPr>
+          <p:cNvSpPr/>
+          <p:nvPr/>
+        </p:nvSpPr>
+        <p:spPr>
+          <a:xfrm>
+            <a:off x="2601147" y="4576224"/>
+            <a:ext cx="1147623" cy="593889"/>
+          </a:xfrm>
+          <a:prstGeom prst="ellipse">
+            <a:avLst/>
+          </a:prstGeom>
+        </p:spPr>
+        <p:style>
+          <a:lnRef idx="2">
+            <a:schemeClr val="accent1">
+              <a:shade val="50000"/>
+            </a:schemeClr>
+          </a:lnRef>
+          <a:fillRef idx="1">
+            <a:schemeClr val="accent1"/>
+          </a:fillRef>
+          <a:effectRef idx="0">
+            <a:schemeClr val="accent1"/>
+          </a:effectRef>
+          <a:fontRef idx="minor">
+            <a:schemeClr val="lt1"/>
+          </a:fontRef>
+        </p:style>
+        <p:txBody>
+          <a:bodyPr rtlCol="0" anchor="ctr"/>
+          <a:lstStyle/>
+          <a:p>
+            <a:pPr algn="ctr"/>
+            <a:r>
+              <a:rPr lang="en-US" altLang="zh-CN" dirty="0"/>
+              <a:t>P4 switch</a:t>
+            </a:r>
+            <a:endParaRPr lang="zh-CN" altLang="en-US" dirty="0"/>
+          </a:p>
+        </p:txBody>
+      </p:sp>
+      <p:sp>
+        <p:nvSpPr>
+          <p:cNvPr id="20" name="椭圆 19">
+            <a:extLst>
+              <a:ext uri="{FF2B5EF4-FFF2-40B4-BE49-F238E27FC236}">
+                <a16:creationId xmlns:a16="http://schemas.microsoft.com/office/drawing/2014/main" id="{B7E86C8A-4C1D-43E1-A19D-5B64370640B2}"/>
+              </a:ext>
+            </a:extLst>
+          </p:cNvPr>
+          <p:cNvSpPr/>
+          <p:nvPr/>
+        </p:nvSpPr>
+        <p:spPr>
+          <a:xfrm>
+            <a:off x="1148486" y="4583792"/>
+            <a:ext cx="1147623" cy="593889"/>
+          </a:xfrm>
+          <a:prstGeom prst="ellipse">
+            <a:avLst/>
+          </a:prstGeom>
+        </p:spPr>
+        <p:style>
+          <a:lnRef idx="2">
+            <a:schemeClr val="accent1">
+              <a:shade val="50000"/>
+            </a:schemeClr>
+          </a:lnRef>
+          <a:fillRef idx="1">
+            <a:schemeClr val="accent1"/>
+          </a:fillRef>
+          <a:effectRef idx="0">
+            <a:schemeClr val="accent1"/>
+          </a:effectRef>
+          <a:fontRef idx="minor">
+            <a:schemeClr val="lt1"/>
+          </a:fontRef>
+        </p:style>
+        <p:txBody>
+          <a:bodyPr rtlCol="0" anchor="ctr"/>
+          <a:lstStyle/>
+          <a:p>
+            <a:pPr algn="ctr"/>
+            <a:r>
+              <a:rPr lang="en-US" altLang="zh-CN" dirty="0"/>
+              <a:t>P4 switch</a:t>
+            </a:r>
+            <a:endParaRPr lang="zh-CN" altLang="en-US" dirty="0"/>
+          </a:p>
+        </p:txBody>
+      </p:sp>
+      <p:cxnSp>
+        <p:nvCxnSpPr>
+          <p:cNvPr id="32" name="直接连接符 31">
+            <a:extLst>
+              <a:ext uri="{FF2B5EF4-FFF2-40B4-BE49-F238E27FC236}">
+                <a16:creationId xmlns:a16="http://schemas.microsoft.com/office/drawing/2014/main" id="{4ED428C2-5D0A-4862-91AA-7139BE86D7CB}"/>
+              </a:ext>
+            </a:extLst>
+          </p:cNvPr>
+          <p:cNvCxnSpPr>
+            <a:stCxn id="19" idx="6"/>
+            <a:endCxn id="16" idx="1"/>
+          </p:cNvCxnSpPr>
+          <p:nvPr/>
+        </p:nvCxnSpPr>
+        <p:spPr>
+          <a:xfrm>
+            <a:off x="3748770" y="4873169"/>
+            <a:ext cx="558090" cy="414"/>
+          </a:xfrm>
+          <a:prstGeom prst="line">
+            <a:avLst/>
+          </a:prstGeom>
+        </p:spPr>
+        <p:style>
+          <a:lnRef idx="1">
+            <a:schemeClr val="accent1"/>
+          </a:lnRef>
+          <a:fillRef idx="0">
+            <a:schemeClr val="accent1"/>
+          </a:fillRef>
+          <a:effectRef idx="0">
+            <a:schemeClr val="accent1"/>
+          </a:effectRef>
+          <a:fontRef idx="minor">
+            <a:schemeClr val="tx1"/>
+          </a:fontRef>
+        </p:style>
+      </p:cxnSp>
+      <p:sp>
+        <p:nvSpPr>
+          <p:cNvPr id="44" name="矩形 43">
+            <a:extLst>
+              <a:ext uri="{FF2B5EF4-FFF2-40B4-BE49-F238E27FC236}">
+                <a16:creationId xmlns:a16="http://schemas.microsoft.com/office/drawing/2014/main" id="{7429C4EE-8883-4E6C-B2FE-FF189E2E7125}"/>
+              </a:ext>
+            </a:extLst>
+          </p:cNvPr>
+          <p:cNvSpPr/>
+          <p:nvPr/>
+        </p:nvSpPr>
+        <p:spPr>
+          <a:xfrm>
+            <a:off x="772211" y="3732142"/>
+            <a:ext cx="7733364" cy="1699559"/>
+          </a:xfrm>
+          <a:prstGeom prst="rect">
+            <a:avLst/>
+          </a:prstGeom>
+          <a:noFill/>
+          <a:ln w="76200"/>
+        </p:spPr>
+        <p:style>
+          <a:lnRef idx="2">
+            <a:schemeClr val="accent3"/>
+          </a:lnRef>
+          <a:fillRef idx="1">
+            <a:schemeClr val="lt1"/>
+          </a:fillRef>
+          <a:effectRef idx="0">
+            <a:schemeClr val="accent3"/>
+          </a:effectRef>
+          <a:fontRef idx="minor">
+            <a:schemeClr val="dk1"/>
+          </a:fontRef>
+        </p:style>
+        <p:txBody>
+          <a:bodyPr rtlCol="0" anchor="ctr"/>
+          <a:lstStyle/>
+          <a:p>
+            <a:pPr algn="ctr"/>
+            <a:endParaRPr lang="zh-CN" altLang="en-US" dirty="0"/>
+          </a:p>
+        </p:txBody>
+      </p:sp>
+      <p:sp>
+        <p:nvSpPr>
+          <p:cNvPr id="33" name="矩形 32">
+            <a:extLst>
+              <a:ext uri="{FF2B5EF4-FFF2-40B4-BE49-F238E27FC236}">
+                <a16:creationId xmlns:a16="http://schemas.microsoft.com/office/drawing/2014/main" id="{2BF5BDC4-7A73-4607-92A3-6CA5AC84D3E6}"/>
+              </a:ext>
+            </a:extLst>
+          </p:cNvPr>
+          <p:cNvSpPr/>
+          <p:nvPr/>
+        </p:nvSpPr>
+        <p:spPr>
+          <a:xfrm>
+            <a:off x="3989881" y="2253342"/>
+            <a:ext cx="1298023" cy="471686"/>
+          </a:xfrm>
+          <a:prstGeom prst="rect">
+            <a:avLst/>
+          </a:prstGeom>
+        </p:spPr>
+        <p:style>
+          <a:lnRef idx="2">
+            <a:schemeClr val="accent6">
+              <a:shade val="50000"/>
+            </a:schemeClr>
+          </a:lnRef>
+          <a:fillRef idx="1">
+            <a:schemeClr val="accent6"/>
+          </a:fillRef>
+          <a:effectRef idx="0">
+            <a:schemeClr val="accent6"/>
+          </a:effectRef>
+          <a:fontRef idx="minor">
+            <a:schemeClr val="lt1"/>
+          </a:fontRef>
+        </p:style>
+        <p:txBody>
+          <a:bodyPr rtlCol="0" anchor="ctr"/>
+          <a:lstStyle/>
+          <a:p>
+            <a:pPr algn="ctr"/>
+            <a:r>
+              <a:rPr lang="en-US" altLang="zh-CN" dirty="0"/>
+              <a:t>Simulator Controller</a:t>
+            </a:r>
+            <a:endParaRPr lang="zh-CN" altLang="en-US" dirty="0"/>
+          </a:p>
+        </p:txBody>
+      </p:sp>
+      <p:cxnSp>
+        <p:nvCxnSpPr>
+          <p:cNvPr id="34" name="直接连接符 33">
+            <a:extLst>
+              <a:ext uri="{FF2B5EF4-FFF2-40B4-BE49-F238E27FC236}">
+                <a16:creationId xmlns:a16="http://schemas.microsoft.com/office/drawing/2014/main" id="{F8EE1E51-DCCC-4945-BC20-5126F78ABB4D}"/>
+              </a:ext>
+            </a:extLst>
+          </p:cNvPr>
+          <p:cNvCxnSpPr>
+            <a:cxnSpLocks/>
+            <a:stCxn id="46" idx="2"/>
+            <a:endCxn id="44" idx="0"/>
+          </p:cNvCxnSpPr>
+          <p:nvPr/>
+        </p:nvCxnSpPr>
+        <p:spPr>
+          <a:xfrm>
+            <a:off x="4619301" y="2967144"/>
+            <a:ext cx="19592" cy="764998"/>
+          </a:xfrm>
+          <a:prstGeom prst="line">
+            <a:avLst/>
+          </a:prstGeom>
+          <a:ln w="38100"/>
+        </p:spPr>
+        <p:style>
+          <a:lnRef idx="1">
+            <a:schemeClr val="accent1"/>
+          </a:lnRef>
+          <a:fillRef idx="0">
+            <a:schemeClr val="accent1"/>
+          </a:fillRef>
+          <a:effectRef idx="0">
+            <a:schemeClr val="accent1"/>
+          </a:effectRef>
+          <a:fontRef idx="minor">
+            <a:schemeClr val="tx1"/>
+          </a:fontRef>
+        </p:style>
+      </p:cxnSp>
+      <p:sp>
+        <p:nvSpPr>
+          <p:cNvPr id="40" name="矩形 39">
+            <a:extLst>
+              <a:ext uri="{FF2B5EF4-FFF2-40B4-BE49-F238E27FC236}">
+                <a16:creationId xmlns:a16="http://schemas.microsoft.com/office/drawing/2014/main" id="{C2021D09-F249-47FE-87EE-ADED5720AE42}"/>
+              </a:ext>
+            </a:extLst>
+          </p:cNvPr>
+          <p:cNvSpPr/>
+          <p:nvPr/>
+        </p:nvSpPr>
+        <p:spPr>
+          <a:xfrm>
+            <a:off x="9325018" y="4317401"/>
+            <a:ext cx="858537" cy="517645"/>
+          </a:xfrm>
+          <a:prstGeom prst="rect">
+            <a:avLst/>
+          </a:prstGeom>
+          <a:noFill/>
+          <a:ln w="76200"/>
+        </p:spPr>
+        <p:style>
+          <a:lnRef idx="2">
+            <a:schemeClr val="accent3"/>
+          </a:lnRef>
+          <a:fillRef idx="1">
+            <a:schemeClr val="lt1"/>
+          </a:fillRef>
+          <a:effectRef idx="0">
+            <a:schemeClr val="accent3"/>
+          </a:effectRef>
+          <a:fontRef idx="minor">
+            <a:schemeClr val="dk1"/>
+          </a:fontRef>
+        </p:style>
+        <p:txBody>
+          <a:bodyPr rtlCol="0" anchor="ctr"/>
+          <a:lstStyle/>
+          <a:p>
+            <a:pPr algn="ctr"/>
+            <a:r>
+              <a:rPr lang="en-US" altLang="zh-CN" dirty="0">
+                <a:solidFill>
+                  <a:schemeClr val="dk1"/>
+                </a:solidFill>
+              </a:rPr>
+              <a:t>CLI</a:t>
+            </a:r>
+            <a:endParaRPr lang="zh-CN" altLang="en-US" dirty="0">
+              <a:solidFill>
+                <a:schemeClr val="dk1"/>
+              </a:solidFill>
+            </a:endParaRPr>
+          </a:p>
+        </p:txBody>
+      </p:sp>
+      <p:cxnSp>
+        <p:nvCxnSpPr>
+          <p:cNvPr id="42" name="直接连接符 41">
+            <a:extLst>
+              <a:ext uri="{FF2B5EF4-FFF2-40B4-BE49-F238E27FC236}">
+                <a16:creationId xmlns:a16="http://schemas.microsoft.com/office/drawing/2014/main" id="{35B52D52-3CE9-46E0-912E-3827E2455111}"/>
+              </a:ext>
+            </a:extLst>
+          </p:cNvPr>
+          <p:cNvCxnSpPr>
+            <a:cxnSpLocks/>
+            <a:stCxn id="40" idx="1"/>
+            <a:endCxn id="44" idx="3"/>
+          </p:cNvCxnSpPr>
+          <p:nvPr/>
+        </p:nvCxnSpPr>
+        <p:spPr>
+          <a:xfrm flipH="1">
+            <a:off x="8505575" y="4576224"/>
+            <a:ext cx="819443" cy="5698"/>
+          </a:xfrm>
+          <a:prstGeom prst="line">
+            <a:avLst/>
+          </a:prstGeom>
+          <a:ln w="38100"/>
+        </p:spPr>
+        <p:style>
+          <a:lnRef idx="1">
+            <a:schemeClr val="accent1"/>
+          </a:lnRef>
+          <a:fillRef idx="0">
+            <a:schemeClr val="accent1"/>
+          </a:fillRef>
+          <a:effectRef idx="0">
+            <a:schemeClr val="accent1"/>
+          </a:effectRef>
+          <a:fontRef idx="minor">
+            <a:schemeClr val="tx1"/>
+          </a:fontRef>
+        </p:style>
+      </p:cxnSp>
+      <p:sp>
+        <p:nvSpPr>
+          <p:cNvPr id="46" name="矩形 45">
+            <a:extLst>
+              <a:ext uri="{FF2B5EF4-FFF2-40B4-BE49-F238E27FC236}">
+                <a16:creationId xmlns:a16="http://schemas.microsoft.com/office/drawing/2014/main" id="{CFD5129E-2B11-4504-B4F0-8673853EBDF1}"/>
+              </a:ext>
+            </a:extLst>
+          </p:cNvPr>
+          <p:cNvSpPr/>
+          <p:nvPr/>
+        </p:nvSpPr>
+        <p:spPr>
+          <a:xfrm>
+            <a:off x="752619" y="1979628"/>
+            <a:ext cx="7733364" cy="987516"/>
+          </a:xfrm>
+          <a:prstGeom prst="rect">
+            <a:avLst/>
+          </a:prstGeom>
+          <a:noFill/>
+          <a:ln w="76200"/>
+        </p:spPr>
+        <p:style>
+          <a:lnRef idx="2">
+            <a:schemeClr val="accent3"/>
+          </a:lnRef>
+          <a:fillRef idx="1">
+            <a:schemeClr val="lt1"/>
+          </a:fillRef>
+          <a:effectRef idx="0">
+            <a:schemeClr val="accent3"/>
+          </a:effectRef>
+          <a:fontRef idx="minor">
+            <a:schemeClr val="dk1"/>
+          </a:fontRef>
+        </p:style>
+        <p:txBody>
+          <a:bodyPr rtlCol="0" anchor="ctr"/>
+          <a:lstStyle/>
+          <a:p>
+            <a:pPr algn="ctr"/>
+            <a:endParaRPr lang="zh-CN" altLang="en-US" dirty="0"/>
+          </a:p>
+        </p:txBody>
+      </p:sp>
+      <p:sp>
+        <p:nvSpPr>
+          <p:cNvPr id="53" name="文本框 52">
+            <a:extLst>
+              <a:ext uri="{FF2B5EF4-FFF2-40B4-BE49-F238E27FC236}">
+                <a16:creationId xmlns:a16="http://schemas.microsoft.com/office/drawing/2014/main" id="{64533566-AF5B-4AD6-849E-29248992141D}"/>
+              </a:ext>
+            </a:extLst>
+          </p:cNvPr>
+          <p:cNvSpPr txBox="1"/>
+          <p:nvPr/>
+        </p:nvSpPr>
+        <p:spPr>
+          <a:xfrm>
+            <a:off x="8720438" y="2257695"/>
+            <a:ext cx="1912998" cy="369332"/>
+          </a:xfrm>
+          <a:prstGeom prst="rect">
+            <a:avLst/>
+          </a:prstGeom>
+          <a:noFill/>
+        </p:spPr>
+        <p:txBody>
+          <a:bodyPr wrap="square" rtlCol="0">
+            <a:spAutoFit/>
+          </a:bodyPr>
+          <a:lstStyle/>
+          <a:p>
+            <a:r>
+              <a:rPr lang="en-US" altLang="zh-CN" b="1" dirty="0"/>
+              <a:t>Controller</a:t>
+            </a:r>
+            <a:r>
+              <a:rPr lang="zh-CN" altLang="en-US" b="1" dirty="0"/>
+              <a:t> </a:t>
+            </a:r>
+            <a:r>
+              <a:rPr lang="en-US" altLang="zh-CN" b="1" dirty="0"/>
+              <a:t>Stub</a:t>
+            </a:r>
+          </a:p>
+        </p:txBody>
+      </p:sp>
+    </p:spTree>
+    <p:extLst>
+      <p:ext uri="{BB962C8B-B14F-4D97-AF65-F5344CB8AC3E}">
+        <p14:creationId xmlns:p14="http://schemas.microsoft.com/office/powerpoint/2010/main" val="107737809"/>
+      </p:ext>
+    </p:extLst>
+  </p:cSld>
+  <p:clrMapOvr>
+    <a:masterClrMapping/>
+  </p:clrMapOvr>
+</p:sld>
+</file>
+
+<file path=ppt/slides/slide6.xml><?xml version="1.0" encoding="utf-8"?>
+<p:sld xmlns:a="http://schemas.openxmlformats.org/drawingml/2006/main" xmlns:r="http://schemas.openxmlformats.org/officeDocument/2006/relationships" xmlns:p="http://schemas.openxmlformats.org/presentationml/2006/main">
+  <p:cSld>
+    <p:spTree>
+      <p:nvGrpSpPr>
+        <p:cNvPr id="1" name=""/>
+        <p:cNvGrpSpPr/>
+        <p:nvPr/>
+      </p:nvGrpSpPr>
+      <p:grpSpPr>
+        <a:xfrm>
+          <a:off x="0" y="0"/>
+          <a:ext cx="0" cy="0"/>
+          <a:chOff x="0" y="0"/>
+          <a:chExt cx="0" cy="0"/>
+        </a:xfrm>
+      </p:grpSpPr>
+      <p:sp>
+        <p:nvSpPr>
+          <p:cNvPr id="2" name="标题 1">
+            <a:extLst>
+              <a:ext uri="{FF2B5EF4-FFF2-40B4-BE49-F238E27FC236}">
+                <a16:creationId xmlns:a16="http://schemas.microsoft.com/office/drawing/2014/main" id="{6E740AF9-6402-4D89-9336-859629ABC5B2}"/>
+              </a:ext>
+            </a:extLst>
+          </p:cNvPr>
+          <p:cNvSpPr>
+            <a:spLocks noGrp="1"/>
+          </p:cNvSpPr>
+          <p:nvPr>
+            <p:ph type="title"/>
+          </p:nvPr>
+        </p:nvSpPr>
+        <p:spPr/>
+        <p:txBody>
+          <a:bodyPr/>
+          <a:lstStyle/>
+          <a:p>
+            <a:r>
+              <a:rPr lang="zh-CN" altLang="en-US" dirty="0"/>
+              <a:t>功能</a:t>
+            </a:r>
+          </a:p>
+        </p:txBody>
+      </p:sp>
+      <p:sp>
+        <p:nvSpPr>
+          <p:cNvPr id="3" name="内容占位符 2">
+            <a:extLst>
+              <a:ext uri="{FF2B5EF4-FFF2-40B4-BE49-F238E27FC236}">
+                <a16:creationId xmlns:a16="http://schemas.microsoft.com/office/drawing/2014/main" id="{CCC05A77-7AB0-445C-9093-006B6BE87E81}"/>
+              </a:ext>
+            </a:extLst>
+          </p:cNvPr>
+          <p:cNvSpPr>
+            <a:spLocks noGrp="1"/>
+          </p:cNvSpPr>
+          <p:nvPr>
+            <p:ph idx="1"/>
+          </p:nvPr>
+        </p:nvSpPr>
+        <p:spPr/>
+        <p:txBody>
+          <a:bodyPr/>
+          <a:lstStyle/>
+          <a:p>
+            <a:r>
+              <a:rPr lang="zh-CN" altLang="en-US" dirty="0"/>
+              <a:t>模拟数据中心网络</a:t>
+            </a:r>
+            <a:endParaRPr lang="en-US" altLang="zh-CN" dirty="0"/>
+          </a:p>
+          <a:p>
+            <a:r>
+              <a:rPr lang="zh-CN" altLang="en-US" dirty="0"/>
+              <a:t>模拟流量变化，模拟故障</a:t>
+            </a:r>
+            <a:endParaRPr lang="en-US" altLang="zh-CN" dirty="0"/>
+          </a:p>
+          <a:p>
+            <a:r>
+              <a:rPr lang="en-US" altLang="zh-CN" dirty="0" err="1"/>
+              <a:t>networkx</a:t>
+            </a:r>
+            <a:endParaRPr lang="zh-CN" altLang="en-US" dirty="0"/>
+          </a:p>
+        </p:txBody>
+      </p:sp>
+    </p:spTree>
+    <p:extLst>
+      <p:ext uri="{BB962C8B-B14F-4D97-AF65-F5344CB8AC3E}">
+        <p14:creationId xmlns:p14="http://schemas.microsoft.com/office/powerpoint/2010/main" val="1313675749"/>
+      </p:ext>
+    </p:extLst>
+  </p:cSld>
+  <p:clrMapOvr>
+    <a:masterClrMapping/>
+  </p:clrMapOvr>
+</p:sld>
+</file>
+
+<file path=ppt/slides/slide7.xml><?xml version="1.0" encoding="utf-8"?>
+<p:sld xmlns:a="http://schemas.openxmlformats.org/drawingml/2006/main" xmlns:r="http://schemas.openxmlformats.org/officeDocument/2006/relationships" xmlns:p="http://schemas.openxmlformats.org/presentationml/2006/main">
+  <p:cSld>
+    <p:spTree>
+      <p:nvGrpSpPr>
+        <p:cNvPr id="1" name=""/>
+        <p:cNvGrpSpPr/>
+        <p:nvPr/>
+      </p:nvGrpSpPr>
+      <p:grpSpPr>
+        <a:xfrm>
+          <a:off x="0" y="0"/>
+          <a:ext cx="0" cy="0"/>
+          <a:chOff x="0" y="0"/>
+          <a:chExt cx="0" cy="0"/>
+        </a:xfrm>
+      </p:grpSpPr>
+      <p:sp>
+        <p:nvSpPr>
+          <p:cNvPr id="2" name="标题 1">
+            <a:extLst>
+              <a:ext uri="{FF2B5EF4-FFF2-40B4-BE49-F238E27FC236}">
+                <a16:creationId xmlns:a16="http://schemas.microsoft.com/office/drawing/2014/main" id="{3B40BD9A-C055-48E6-9E48-FAD222DBD202}"/>
+              </a:ext>
+            </a:extLst>
+          </p:cNvPr>
+          <p:cNvSpPr>
+            <a:spLocks noGrp="1"/>
+          </p:cNvSpPr>
+          <p:nvPr>
+            <p:ph type="title"/>
+          </p:nvPr>
+        </p:nvSpPr>
+        <p:spPr/>
+        <p:txBody>
+          <a:bodyPr/>
+          <a:lstStyle/>
+          <a:p>
+            <a:r>
+              <a:rPr lang="en-US" altLang="zh-CN" b="1" dirty="0"/>
+              <a:t>CLI Interface</a:t>
+            </a:r>
+          </a:p>
+        </p:txBody>
+      </p:sp>
+      <p:sp>
+        <p:nvSpPr>
+          <p:cNvPr id="3" name="内容占位符 2">
+            <a:extLst>
+              <a:ext uri="{FF2B5EF4-FFF2-40B4-BE49-F238E27FC236}">
+                <a16:creationId xmlns:a16="http://schemas.microsoft.com/office/drawing/2014/main" id="{7E1388CC-5B62-4E58-A428-0293D8B7ED8A}"/>
+              </a:ext>
+            </a:extLst>
+          </p:cNvPr>
+          <p:cNvSpPr>
+            <a:spLocks noGrp="1"/>
+          </p:cNvSpPr>
+          <p:nvPr>
+            <p:ph idx="1"/>
+          </p:nvPr>
+        </p:nvSpPr>
+        <p:spPr/>
+        <p:txBody>
+          <a:bodyPr/>
+          <a:lstStyle/>
+          <a:p>
+            <a:r>
+              <a:rPr lang="zh-CN" altLang="en-US" dirty="0"/>
+              <a:t>登录</a:t>
+            </a:r>
+            <a:r>
+              <a:rPr lang="en-US" altLang="zh-CN" dirty="0" err="1"/>
+              <a:t>sam</a:t>
+            </a:r>
+            <a:r>
+              <a:rPr lang="en-US" altLang="zh-CN" dirty="0"/>
+              <a:t> simulator</a:t>
+            </a:r>
+          </a:p>
+          <a:p>
+            <a:pPr lvl="1"/>
+            <a:r>
+              <a:rPr lang="en-US" altLang="zh-CN" dirty="0"/>
+              <a:t>python </a:t>
+            </a:r>
+            <a:r>
+              <a:rPr lang="en-US" altLang="zh-CN" dirty="0" err="1"/>
+              <a:t>samSim</a:t>
+            </a:r>
+            <a:endParaRPr lang="en-US" altLang="zh-CN" dirty="0"/>
+          </a:p>
+          <a:p>
+            <a:r>
+              <a:rPr lang="zh-CN" altLang="en-US" dirty="0"/>
+              <a:t>设置模拟数据中心参数</a:t>
+            </a:r>
+            <a:endParaRPr lang="en-US" altLang="zh-CN" dirty="0"/>
+          </a:p>
+          <a:p>
+            <a:pPr lvl="1"/>
+            <a:r>
+              <a:rPr lang="en-US" altLang="zh-CN" dirty="0"/>
+              <a:t>&gt; add/del -switch n1 </a:t>
+            </a:r>
+          </a:p>
+          <a:p>
+            <a:pPr lvl="1"/>
+            <a:r>
+              <a:rPr lang="en-US" altLang="zh-CN" dirty="0"/>
+              <a:t>&gt; add/del -server s1</a:t>
+            </a:r>
+          </a:p>
+          <a:p>
+            <a:pPr lvl="1"/>
+            <a:r>
+              <a:rPr lang="en-US" altLang="zh-CN" dirty="0"/>
+              <a:t>&gt; add/del -link n1 s1</a:t>
+            </a:r>
+          </a:p>
+          <a:p>
+            <a:r>
+              <a:rPr lang="zh-CN" altLang="en-US" dirty="0"/>
+              <a:t>部署</a:t>
+            </a:r>
+            <a:r>
+              <a:rPr lang="en-US" altLang="zh-CN" dirty="0"/>
+              <a:t>flow</a:t>
+            </a:r>
+          </a:p>
+          <a:p>
+            <a:pPr lvl="1"/>
+            <a:r>
+              <a:rPr lang="en-US" altLang="zh-CN" dirty="0"/>
+              <a:t>&gt; add/del -flow f1 -route s1 n1 n2 n3 s2 –</a:t>
+            </a:r>
+            <a:r>
+              <a:rPr lang="en-US" altLang="zh-CN" dirty="0" err="1"/>
+              <a:t>trafficRate</a:t>
+            </a:r>
+            <a:r>
+              <a:rPr lang="en-US" altLang="zh-CN" dirty="0"/>
+              <a:t> 10	# 10Mbps</a:t>
+            </a:r>
+          </a:p>
+          <a:p>
+            <a:pPr lvl="1"/>
+            <a:r>
+              <a:rPr lang="en-US" altLang="zh-CN" dirty="0"/>
+              <a:t>&gt; add/del –</a:t>
+            </a:r>
+            <a:r>
+              <a:rPr lang="en-US" altLang="zh-CN" dirty="0" err="1"/>
+              <a:t>sfciFlow</a:t>
+            </a:r>
+            <a:r>
+              <a:rPr lang="en-US" altLang="zh-CN" dirty="0"/>
+              <a:t> sf1 –route s1 n1 n2 n3 s2 n4 n5 s3 –</a:t>
+            </a:r>
+            <a:r>
+              <a:rPr lang="en-US" altLang="zh-CN" dirty="0" err="1"/>
+              <a:t>trafficRate</a:t>
+            </a:r>
+            <a:r>
+              <a:rPr lang="en-US" altLang="zh-CN" dirty="0"/>
+              <a:t> 10</a:t>
+            </a:r>
+          </a:p>
+        </p:txBody>
+      </p:sp>
+    </p:spTree>
+    <p:extLst>
+      <p:ext uri="{BB962C8B-B14F-4D97-AF65-F5344CB8AC3E}">
+        <p14:creationId xmlns:p14="http://schemas.microsoft.com/office/powerpoint/2010/main" val="746324582"/>
+      </p:ext>
+    </p:extLst>
+  </p:cSld>
+  <p:clrMapOvr>
+    <a:masterClrMapping/>
+  </p:clrMapOvr>
+</p:sld>
+</file>
+
+<file path=ppt/slides/slide8.xml><?xml version="1.0" encoding="utf-8"?>
+<p:sld xmlns:a="http://schemas.openxmlformats.org/drawingml/2006/main" xmlns:r="http://schemas.openxmlformats.org/officeDocument/2006/relationships" xmlns:p="http://schemas.openxmlformats.org/presentationml/2006/main">
+  <p:cSld>
+    <p:spTree>
+      <p:nvGrpSpPr>
+        <p:cNvPr id="1" name=""/>
+        <p:cNvGrpSpPr/>
+        <p:nvPr/>
+      </p:nvGrpSpPr>
+      <p:grpSpPr>
+        <a:xfrm>
+          <a:off x="0" y="0"/>
+          <a:ext cx="0" cy="0"/>
+          <a:chOff x="0" y="0"/>
+          <a:chExt cx="0" cy="0"/>
+        </a:xfrm>
+      </p:grpSpPr>
+      <p:sp>
+        <p:nvSpPr>
+          <p:cNvPr id="2" name="标题 1">
+            <a:extLst>
+              <a:ext uri="{FF2B5EF4-FFF2-40B4-BE49-F238E27FC236}">
+                <a16:creationId xmlns:a16="http://schemas.microsoft.com/office/drawing/2014/main" id="{3B40BD9A-C055-48E6-9E48-FAD222DBD202}"/>
+              </a:ext>
+            </a:extLst>
+          </p:cNvPr>
+          <p:cNvSpPr>
+            <a:spLocks noGrp="1"/>
+          </p:cNvSpPr>
+          <p:nvPr>
+            <p:ph type="title"/>
+          </p:nvPr>
+        </p:nvSpPr>
+        <p:spPr/>
+        <p:txBody>
+          <a:bodyPr/>
+          <a:lstStyle/>
+          <a:p>
+            <a:r>
+              <a:rPr lang="en-US" altLang="zh-CN" b="1" dirty="0"/>
+              <a:t>CLI Interface</a:t>
+            </a:r>
+          </a:p>
+        </p:txBody>
+      </p:sp>
+      <p:sp>
+        <p:nvSpPr>
+          <p:cNvPr id="3" name="内容占位符 2">
+            <a:extLst>
+              <a:ext uri="{FF2B5EF4-FFF2-40B4-BE49-F238E27FC236}">
+                <a16:creationId xmlns:a16="http://schemas.microsoft.com/office/drawing/2014/main" id="{7E1388CC-5B62-4E58-A428-0293D8B7ED8A}"/>
+              </a:ext>
+            </a:extLst>
+          </p:cNvPr>
+          <p:cNvSpPr>
+            <a:spLocks noGrp="1"/>
+          </p:cNvSpPr>
+          <p:nvPr>
+            <p:ph idx="1"/>
+          </p:nvPr>
+        </p:nvSpPr>
+        <p:spPr/>
+        <p:txBody>
+          <a:bodyPr/>
+          <a:lstStyle/>
+          <a:p>
+            <a:r>
+              <a:rPr lang="zh-CN" altLang="en-US" dirty="0"/>
+              <a:t>模拟故障</a:t>
+            </a:r>
+            <a:endParaRPr lang="en-US" altLang="zh-CN" dirty="0"/>
+          </a:p>
+          <a:p>
+            <a:pPr lvl="1"/>
+            <a:r>
+              <a:rPr lang="en-US" altLang="zh-CN" dirty="0"/>
+              <a:t>&gt; switch n1 down</a:t>
+            </a:r>
+          </a:p>
+          <a:p>
+            <a:pPr lvl="1"/>
+            <a:r>
+              <a:rPr lang="en-US" altLang="zh-CN" dirty="0"/>
+              <a:t>&gt; server s1 down</a:t>
+            </a:r>
+          </a:p>
+          <a:p>
+            <a:pPr lvl="1"/>
+            <a:r>
+              <a:rPr lang="en-US" altLang="zh-CN" dirty="0"/>
+              <a:t>&gt; link n1 s1 down</a:t>
+            </a:r>
+          </a:p>
+          <a:p>
+            <a:r>
+              <a:rPr lang="zh-CN" altLang="en-US" dirty="0"/>
+              <a:t>模拟流量变化</a:t>
+            </a:r>
+            <a:endParaRPr lang="en-US" altLang="zh-CN" dirty="0"/>
+          </a:p>
+          <a:p>
+            <a:pPr lvl="1"/>
+            <a:r>
+              <a:rPr lang="en-US" altLang="zh-CN" dirty="0"/>
+              <a:t>&gt; f1 –</a:t>
+            </a:r>
+            <a:r>
+              <a:rPr lang="en-US" altLang="zh-CN" dirty="0" err="1"/>
+              <a:t>trafficPattern</a:t>
+            </a:r>
+            <a:r>
+              <a:rPr lang="en-US" altLang="zh-CN" dirty="0"/>
+              <a:t> constant –value 100.0 # </a:t>
+            </a:r>
+            <a:r>
+              <a:rPr lang="zh-CN" altLang="en-US" dirty="0"/>
+              <a:t>将</a:t>
+            </a:r>
+            <a:r>
+              <a:rPr lang="en-US" altLang="zh-CN" dirty="0"/>
+              <a:t>flow f1</a:t>
+            </a:r>
+            <a:r>
+              <a:rPr lang="zh-CN" altLang="en-US" dirty="0"/>
+              <a:t>的</a:t>
+            </a:r>
+            <a:r>
+              <a:rPr lang="en-US" altLang="zh-CN" dirty="0"/>
+              <a:t>traffic</a:t>
+            </a:r>
+            <a:r>
+              <a:rPr lang="zh-CN" altLang="en-US" dirty="0"/>
+              <a:t>设置为常数</a:t>
+            </a:r>
+            <a:r>
+              <a:rPr lang="en-US" altLang="zh-CN" dirty="0"/>
+              <a:t>100Mbps</a:t>
+            </a:r>
+          </a:p>
+          <a:p>
+            <a:pPr lvl="1"/>
+            <a:r>
+              <a:rPr lang="en-US" altLang="zh-CN" dirty="0"/>
+              <a:t>&gt; f1 –</a:t>
+            </a:r>
+            <a:r>
+              <a:rPr lang="en-US" altLang="zh-CN" dirty="0" err="1"/>
+              <a:t>trafficPattern</a:t>
+            </a:r>
+            <a:r>
+              <a:rPr lang="en-US" altLang="zh-CN" dirty="0"/>
+              <a:t> uniform –min 10 –max 100 # </a:t>
+            </a:r>
+            <a:r>
+              <a:rPr lang="zh-CN" altLang="en-US" dirty="0"/>
+              <a:t>将</a:t>
+            </a:r>
+            <a:r>
+              <a:rPr lang="en-US" altLang="zh-CN" dirty="0"/>
+              <a:t>flow f1</a:t>
+            </a:r>
+            <a:r>
+              <a:rPr lang="zh-CN" altLang="en-US" dirty="0"/>
+              <a:t>的</a:t>
+            </a:r>
+            <a:r>
+              <a:rPr lang="en-US" altLang="zh-CN" dirty="0"/>
+              <a:t>traffic rate</a:t>
+            </a:r>
+            <a:r>
+              <a:rPr lang="zh-CN" altLang="en-US" dirty="0"/>
+              <a:t>设置为一个符合均匀分布的随机变量</a:t>
+            </a:r>
+            <a:r>
+              <a:rPr lang="en-US" altLang="zh-CN" dirty="0"/>
+              <a:t>U(10, 100)</a:t>
+            </a:r>
+          </a:p>
+        </p:txBody>
+      </p:sp>
+    </p:spTree>
+    <p:extLst>
+      <p:ext uri="{BB962C8B-B14F-4D97-AF65-F5344CB8AC3E}">
+        <p14:creationId xmlns:p14="http://schemas.microsoft.com/office/powerpoint/2010/main" val="4042980045"/>
       </p:ext>
     </p:extLst>
   </p:cSld>

--- a/doc/SoftwareDesign/Simulator/SimulatorDesign.pptx
+++ b/doc/SoftwareDesign/Simulator/SimulatorDesign.pptx
@@ -5,17 +5,18 @@
     <p:sldMasterId id="2147483648" r:id="rId1"/>
   </p:sldMasterIdLst>
   <p:notesMasterIdLst>
-    <p:notesMasterId r:id="rId10"/>
+    <p:notesMasterId r:id="rId11"/>
   </p:notesMasterIdLst>
   <p:sldIdLst>
     <p:sldId id="256" r:id="rId2"/>
     <p:sldId id="257" r:id="rId3"/>
     <p:sldId id="310" r:id="rId4"/>
-    <p:sldId id="258" r:id="rId5"/>
-    <p:sldId id="313" r:id="rId6"/>
-    <p:sldId id="311" r:id="rId7"/>
-    <p:sldId id="314" r:id="rId8"/>
-    <p:sldId id="315" r:id="rId9"/>
+    <p:sldId id="313" r:id="rId5"/>
+    <p:sldId id="311" r:id="rId6"/>
+    <p:sldId id="314" r:id="rId7"/>
+    <p:sldId id="318" r:id="rId8"/>
+    <p:sldId id="316" r:id="rId9"/>
+    <p:sldId id="319" r:id="rId10"/>
   </p:sldIdLst>
   <p:sldSz cx="12192000" cy="6858000"/>
   <p:notesSz cx="6858000" cy="9144000"/>
@@ -204,7 +205,7 @@
           <a:p>
             <a:fld id="{F3D653B5-C80E-4E8A-A692-BF103216B5CE}" type="datetimeFigureOut">
               <a:rPr lang="zh-CN" altLang="en-US" smtClean="0"/>
-              <a:t>2020/11/27</a:t>
+              <a:t>2021/03/02</a:t>
             </a:fld>
             <a:endParaRPr lang="zh-CN" altLang="en-US"/>
           </a:p>
@@ -702,7 +703,7 @@
           <a:p>
             <a:fld id="{82174B9A-9B7F-455A-9A85-18BD6752911C}" type="datetimeFigureOut">
               <a:rPr lang="zh-CN" altLang="en-US" smtClean="0"/>
-              <a:t>2020/11/27</a:t>
+              <a:t>2021/03/02</a:t>
             </a:fld>
             <a:endParaRPr lang="zh-CN" altLang="en-US"/>
           </a:p>
@@ -900,7 +901,7 @@
           <a:p>
             <a:fld id="{82174B9A-9B7F-455A-9A85-18BD6752911C}" type="datetimeFigureOut">
               <a:rPr lang="zh-CN" altLang="en-US" smtClean="0"/>
-              <a:t>2020/11/27</a:t>
+              <a:t>2021/03/02</a:t>
             </a:fld>
             <a:endParaRPr lang="zh-CN" altLang="en-US"/>
           </a:p>
@@ -1108,7 +1109,7 @@
           <a:p>
             <a:fld id="{82174B9A-9B7F-455A-9A85-18BD6752911C}" type="datetimeFigureOut">
               <a:rPr lang="zh-CN" altLang="en-US" smtClean="0"/>
-              <a:t>2020/11/27</a:t>
+              <a:t>2021/03/02</a:t>
             </a:fld>
             <a:endParaRPr lang="zh-CN" altLang="en-US"/>
           </a:p>
@@ -1306,7 +1307,7 @@
           <a:p>
             <a:fld id="{82174B9A-9B7F-455A-9A85-18BD6752911C}" type="datetimeFigureOut">
               <a:rPr lang="zh-CN" altLang="en-US" smtClean="0"/>
-              <a:t>2020/11/27</a:t>
+              <a:t>2021/03/02</a:t>
             </a:fld>
             <a:endParaRPr lang="zh-CN" altLang="en-US"/>
           </a:p>
@@ -1581,7 +1582,7 @@
           <a:p>
             <a:fld id="{82174B9A-9B7F-455A-9A85-18BD6752911C}" type="datetimeFigureOut">
               <a:rPr lang="zh-CN" altLang="en-US" smtClean="0"/>
-              <a:t>2020/11/27</a:t>
+              <a:t>2021/03/02</a:t>
             </a:fld>
             <a:endParaRPr lang="zh-CN" altLang="en-US"/>
           </a:p>
@@ -1846,7 +1847,7 @@
           <a:p>
             <a:fld id="{82174B9A-9B7F-455A-9A85-18BD6752911C}" type="datetimeFigureOut">
               <a:rPr lang="zh-CN" altLang="en-US" smtClean="0"/>
-              <a:t>2020/11/27</a:t>
+              <a:t>2021/03/02</a:t>
             </a:fld>
             <a:endParaRPr lang="zh-CN" altLang="en-US"/>
           </a:p>
@@ -2258,7 +2259,7 @@
           <a:p>
             <a:fld id="{82174B9A-9B7F-455A-9A85-18BD6752911C}" type="datetimeFigureOut">
               <a:rPr lang="zh-CN" altLang="en-US" smtClean="0"/>
-              <a:t>2020/11/27</a:t>
+              <a:t>2021/03/02</a:t>
             </a:fld>
             <a:endParaRPr lang="zh-CN" altLang="en-US"/>
           </a:p>
@@ -2399,7 +2400,7 @@
           <a:p>
             <a:fld id="{82174B9A-9B7F-455A-9A85-18BD6752911C}" type="datetimeFigureOut">
               <a:rPr lang="zh-CN" altLang="en-US" smtClean="0"/>
-              <a:t>2020/11/27</a:t>
+              <a:t>2021/03/02</a:t>
             </a:fld>
             <a:endParaRPr lang="zh-CN" altLang="en-US"/>
           </a:p>
@@ -2512,7 +2513,7 @@
           <a:p>
             <a:fld id="{82174B9A-9B7F-455A-9A85-18BD6752911C}" type="datetimeFigureOut">
               <a:rPr lang="zh-CN" altLang="en-US" smtClean="0"/>
-              <a:t>2020/11/27</a:t>
+              <a:t>2021/03/02</a:t>
             </a:fld>
             <a:endParaRPr lang="zh-CN" altLang="en-US"/>
           </a:p>
@@ -2823,7 +2824,7 @@
           <a:p>
             <a:fld id="{82174B9A-9B7F-455A-9A85-18BD6752911C}" type="datetimeFigureOut">
               <a:rPr lang="zh-CN" altLang="en-US" smtClean="0"/>
-              <a:t>2020/11/27</a:t>
+              <a:t>2021/03/02</a:t>
             </a:fld>
             <a:endParaRPr lang="zh-CN" altLang="en-US"/>
           </a:p>
@@ -3111,7 +3112,7 @@
           <a:p>
             <a:fld id="{82174B9A-9B7F-455A-9A85-18BD6752911C}" type="datetimeFigureOut">
               <a:rPr lang="zh-CN" altLang="en-US" smtClean="0"/>
-              <a:t>2020/11/27</a:t>
+              <a:t>2021/03/02</a:t>
             </a:fld>
             <a:endParaRPr lang="zh-CN" altLang="en-US"/>
           </a:p>
@@ -3352,7 +3353,7 @@
           <a:p>
             <a:fld id="{82174B9A-9B7F-455A-9A85-18BD6752911C}" type="datetimeFigureOut">
               <a:rPr lang="zh-CN" altLang="en-US" smtClean="0"/>
-              <a:t>2020/11/27</a:t>
+              <a:t>2021/03/02</a:t>
             </a:fld>
             <a:endParaRPr lang="zh-CN" altLang="en-US"/>
           </a:p>
@@ -3948,7 +3949,48 @@
           <a:p>
             <a:r>
               <a:rPr lang="zh-CN" altLang="en-US" dirty="0"/>
-              <a:t>模拟网络控制器和服务器控制器功能</a:t>
+              <a:t>模拟器控制器功能</a:t>
+            </a:r>
+            <a:endParaRPr lang="en-US" altLang="zh-CN" dirty="0"/>
+          </a:p>
+          <a:p>
+            <a:r>
+              <a:rPr lang="zh-CN" altLang="en-US" dirty="0"/>
+              <a:t>模拟</a:t>
+            </a:r>
+            <a:r>
+              <a:rPr lang="en-US" altLang="zh-CN" dirty="0"/>
+              <a:t>VNF</a:t>
+            </a:r>
+            <a:r>
+              <a:rPr lang="zh-CN" altLang="en-US" dirty="0"/>
+              <a:t>部署到</a:t>
+            </a:r>
+            <a:r>
+              <a:rPr lang="en-US" altLang="zh-CN" dirty="0"/>
+              <a:t>server</a:t>
+            </a:r>
+            <a:r>
+              <a:rPr lang="zh-CN" altLang="en-US" dirty="0"/>
+              <a:t>和</a:t>
+            </a:r>
+            <a:r>
+              <a:rPr lang="en-US" altLang="zh-CN" dirty="0"/>
+              <a:t>P4 switch</a:t>
+            </a:r>
+          </a:p>
+          <a:p>
+            <a:r>
+              <a:rPr lang="zh-CN" altLang="en-US" dirty="0"/>
+              <a:t>支持</a:t>
+            </a:r>
+            <a:r>
+              <a:rPr lang="en-US" altLang="zh-CN" dirty="0"/>
+              <a:t>SLOMO</a:t>
+            </a:r>
+            <a:r>
+              <a:rPr lang="zh-CN" altLang="en-US" dirty="0"/>
+              <a:t>性能干扰模型</a:t>
             </a:r>
             <a:endParaRPr lang="en-US" altLang="zh-CN" dirty="0"/>
           </a:p>
@@ -6593,7 +6635,7 @@
         <p:spPr>
           <a:xfrm>
             <a:off x="4897366" y="2873941"/>
-            <a:ext cx="1628972" cy="646331"/>
+            <a:ext cx="1628972" cy="830997"/>
           </a:xfrm>
           <a:prstGeom prst="rect">
             <a:avLst/>
@@ -6605,6 +6647,15 @@
             <a:spAutoFit/>
           </a:bodyPr>
           <a:lstStyle/>
+          <a:p>
+            <a:r>
+              <a:rPr lang="en-US" altLang="zh-CN" sz="1200" b="1" dirty="0">
+                <a:effectLst/>
+                <a:latin typeface="Consolas" panose="020B0609020204030204" pitchFamily="49" charset="0"/>
+              </a:rPr>
+              <a:t>CMD_TYPE_ADD_SFC</a:t>
+            </a:r>
+          </a:p>
           <a:p>
             <a:r>
               <a:rPr lang="en-US" altLang="zh-CN" sz="1200" b="1" dirty="0">
@@ -6649,7 +6700,7 @@
         <p:spPr>
           <a:xfrm>
             <a:off x="6855090" y="2873941"/>
-            <a:ext cx="2138727" cy="646331"/>
+            <a:ext cx="2138727" cy="830997"/>
           </a:xfrm>
           <a:prstGeom prst="rect">
             <a:avLst/>
@@ -6687,6 +6738,18 @@
               </a:rPr>
               <a:t>CMD_TYPE_GET_SFCI_STATE</a:t>
             </a:r>
+          </a:p>
+          <a:p>
+            <a:r>
+              <a:rPr lang="en-US" altLang="zh-CN" sz="1200" b="1" dirty="0">
+                <a:latin typeface="Consolas" panose="020B0609020204030204" pitchFamily="49" charset="0"/>
+              </a:rPr>
+              <a:t>CMD_TYPE_GET_FLOW</a:t>
+            </a:r>
+            <a:endParaRPr lang="en-US" altLang="zh-CN" sz="1200" b="1" dirty="0">
+              <a:effectLst/>
+              <a:latin typeface="Consolas" panose="020B0609020204030204" pitchFamily="49" charset="0"/>
+            </a:endParaRPr>
           </a:p>
         </p:txBody>
       </p:sp>
@@ -6738,7 +6801,7 @@
         </p:nvSpPr>
         <p:spPr>
           <a:xfrm>
-            <a:off x="838200" y="299137"/>
+            <a:off x="838200" y="233149"/>
             <a:ext cx="10515600" cy="1325563"/>
           </a:xfrm>
         </p:spPr>
@@ -6753,307 +6816,12 @@
           </a:p>
         </p:txBody>
       </p:sp>
-      <p:grpSp>
-        <p:nvGrpSpPr>
-          <p:cNvPr id="7" name="组合 6">
-            <a:extLst>
-              <a:ext uri="{FF2B5EF4-FFF2-40B4-BE49-F238E27FC236}">
-                <a16:creationId xmlns:a16="http://schemas.microsoft.com/office/drawing/2014/main" id="{763C018D-5565-42D0-88DD-0D04EADFBB3A}"/>
-              </a:ext>
-            </a:extLst>
-          </p:cNvPr>
-          <p:cNvGrpSpPr/>
-          <p:nvPr/>
-        </p:nvGrpSpPr>
-        <p:grpSpPr>
-          <a:xfrm>
-            <a:off x="2447511" y="2151129"/>
-            <a:ext cx="5961638" cy="673192"/>
-            <a:chOff x="6085926" y="4341438"/>
-            <a:chExt cx="5961638" cy="673192"/>
-          </a:xfrm>
-        </p:grpSpPr>
-        <p:sp>
-          <p:nvSpPr>
-            <p:cNvPr id="10" name="矩形 9">
-              <a:extLst>
-                <a:ext uri="{FF2B5EF4-FFF2-40B4-BE49-F238E27FC236}">
-                  <a16:creationId xmlns:a16="http://schemas.microsoft.com/office/drawing/2014/main" id="{E2F51C13-6383-4A92-9AB9-409D3629F98D}"/>
-                </a:ext>
-              </a:extLst>
-            </p:cNvPr>
-            <p:cNvSpPr/>
-            <p:nvPr/>
-          </p:nvSpPr>
-          <p:spPr>
-            <a:xfrm>
-              <a:off x="7703655" y="4438478"/>
-              <a:ext cx="1306604" cy="471686"/>
-            </a:xfrm>
-            <a:prstGeom prst="rect">
-              <a:avLst/>
-            </a:prstGeom>
-          </p:spPr>
-          <p:style>
-            <a:lnRef idx="2">
-              <a:schemeClr val="accent6">
-                <a:shade val="50000"/>
-              </a:schemeClr>
-            </a:lnRef>
-            <a:fillRef idx="1">
-              <a:schemeClr val="accent6"/>
-            </a:fillRef>
-            <a:effectRef idx="0">
-              <a:schemeClr val="accent6"/>
-            </a:effectRef>
-            <a:fontRef idx="minor">
-              <a:schemeClr val="lt1"/>
-            </a:fontRef>
-          </p:style>
-          <p:txBody>
-            <a:bodyPr rtlCol="0" anchor="ctr"/>
-            <a:lstStyle/>
-            <a:p>
-              <a:pPr algn="ctr"/>
-              <a:r>
-                <a:rPr lang="en-US" altLang="zh-CN" dirty="0"/>
-                <a:t>SFF</a:t>
-              </a:r>
-            </a:p>
-            <a:p>
-              <a:pPr algn="ctr"/>
-              <a:r>
-                <a:rPr lang="en-US" altLang="zh-CN" dirty="0"/>
-                <a:t>Controller</a:t>
-              </a:r>
-              <a:endParaRPr lang="zh-CN" altLang="en-US" dirty="0"/>
-            </a:p>
-          </p:txBody>
-        </p:sp>
-        <p:sp>
-          <p:nvSpPr>
-            <p:cNvPr id="11" name="矩形 10">
-              <a:extLst>
-                <a:ext uri="{FF2B5EF4-FFF2-40B4-BE49-F238E27FC236}">
-                  <a16:creationId xmlns:a16="http://schemas.microsoft.com/office/drawing/2014/main" id="{E307D06C-C559-40EA-B867-494EEF4F0004}"/>
-                </a:ext>
-              </a:extLst>
-            </p:cNvPr>
-            <p:cNvSpPr/>
-            <p:nvPr/>
-          </p:nvSpPr>
-          <p:spPr>
-            <a:xfrm>
-              <a:off x="9206559" y="4436677"/>
-              <a:ext cx="1279033" cy="471686"/>
-            </a:xfrm>
-            <a:prstGeom prst="rect">
-              <a:avLst/>
-            </a:prstGeom>
-          </p:spPr>
-          <p:style>
-            <a:lnRef idx="2">
-              <a:schemeClr val="accent6">
-                <a:shade val="50000"/>
-              </a:schemeClr>
-            </a:lnRef>
-            <a:fillRef idx="1">
-              <a:schemeClr val="accent6"/>
-            </a:fillRef>
-            <a:effectRef idx="0">
-              <a:schemeClr val="accent6"/>
-            </a:effectRef>
-            <a:fontRef idx="minor">
-              <a:schemeClr val="lt1"/>
-            </a:fontRef>
-          </p:style>
-          <p:txBody>
-            <a:bodyPr rtlCol="0" anchor="ctr"/>
-            <a:lstStyle/>
-            <a:p>
-              <a:pPr algn="ctr"/>
-              <a:r>
-                <a:rPr lang="en-US" altLang="zh-CN" dirty="0"/>
-                <a:t>VNF</a:t>
-              </a:r>
-            </a:p>
-            <a:p>
-              <a:pPr algn="ctr"/>
-              <a:r>
-                <a:rPr lang="en-US" altLang="zh-CN" dirty="0"/>
-                <a:t>Controller</a:t>
-              </a:r>
-              <a:endParaRPr lang="zh-CN" altLang="en-US" dirty="0"/>
-            </a:p>
-          </p:txBody>
-        </p:sp>
-        <p:sp>
-          <p:nvSpPr>
-            <p:cNvPr id="12" name="矩形 11">
-              <a:extLst>
-                <a:ext uri="{FF2B5EF4-FFF2-40B4-BE49-F238E27FC236}">
-                  <a16:creationId xmlns:a16="http://schemas.microsoft.com/office/drawing/2014/main" id="{E9F48C8B-6826-4A1E-A378-5771A2A2B8E4}"/>
-                </a:ext>
-              </a:extLst>
-            </p:cNvPr>
-            <p:cNvSpPr/>
-            <p:nvPr/>
-          </p:nvSpPr>
-          <p:spPr>
-            <a:xfrm>
-              <a:off x="6085926" y="4341438"/>
-              <a:ext cx="5961638" cy="673192"/>
-            </a:xfrm>
-            <a:prstGeom prst="rect">
-              <a:avLst/>
-            </a:prstGeom>
-            <a:noFill/>
-            <a:ln w="57150"/>
-          </p:spPr>
-          <p:style>
-            <a:lnRef idx="2">
-              <a:schemeClr val="accent6"/>
-            </a:lnRef>
-            <a:fillRef idx="1">
-              <a:schemeClr val="lt1"/>
-            </a:fillRef>
-            <a:effectRef idx="0">
-              <a:schemeClr val="accent6"/>
-            </a:effectRef>
-            <a:fontRef idx="minor">
-              <a:schemeClr val="dk1"/>
-            </a:fontRef>
-          </p:style>
-          <p:txBody>
-            <a:bodyPr rtlCol="0" anchor="ctr"/>
-            <a:lstStyle/>
-            <a:p>
-              <a:pPr algn="r"/>
-              <a:endParaRPr lang="zh-CN" altLang="en-US" dirty="0"/>
-            </a:p>
-          </p:txBody>
-        </p:sp>
-        <p:sp>
-          <p:nvSpPr>
-            <p:cNvPr id="13" name="矩形 12">
-              <a:extLst>
-                <a:ext uri="{FF2B5EF4-FFF2-40B4-BE49-F238E27FC236}">
-                  <a16:creationId xmlns:a16="http://schemas.microsoft.com/office/drawing/2014/main" id="{894290CF-E7B1-4B1C-873E-AAA6D15E12B4}"/>
-                </a:ext>
-              </a:extLst>
-            </p:cNvPr>
-            <p:cNvSpPr/>
-            <p:nvPr/>
-          </p:nvSpPr>
-          <p:spPr>
-            <a:xfrm>
-              <a:off x="10685726" y="4428285"/>
-              <a:ext cx="1279033" cy="471686"/>
-            </a:xfrm>
-            <a:prstGeom prst="rect">
-              <a:avLst/>
-            </a:prstGeom>
-          </p:spPr>
-          <p:style>
-            <a:lnRef idx="2">
-              <a:schemeClr val="accent6">
-                <a:shade val="50000"/>
-              </a:schemeClr>
-            </a:lnRef>
-            <a:fillRef idx="1">
-              <a:schemeClr val="accent6"/>
-            </a:fillRef>
-            <a:effectRef idx="0">
-              <a:schemeClr val="accent6"/>
-            </a:effectRef>
-            <a:fontRef idx="minor">
-              <a:schemeClr val="lt1"/>
-            </a:fontRef>
-          </p:style>
-          <p:txBody>
-            <a:bodyPr rtlCol="0" anchor="ctr"/>
-            <a:lstStyle/>
-            <a:p>
-              <a:pPr algn="ctr"/>
-              <a:r>
-                <a:rPr lang="en-US" altLang="zh-CN" dirty="0"/>
-                <a:t>Server </a:t>
-              </a:r>
-            </a:p>
-            <a:p>
-              <a:pPr algn="ctr"/>
-              <a:r>
-                <a:rPr lang="en-US" altLang="zh-CN" dirty="0"/>
-                <a:t>Manager</a:t>
-              </a:r>
-              <a:endParaRPr lang="zh-CN" altLang="en-US" dirty="0"/>
-            </a:p>
-          </p:txBody>
-        </p:sp>
-        <p:sp>
-          <p:nvSpPr>
-            <p:cNvPr id="14" name="矩形 13">
-              <a:extLst>
-                <a:ext uri="{FF2B5EF4-FFF2-40B4-BE49-F238E27FC236}">
-                  <a16:creationId xmlns:a16="http://schemas.microsoft.com/office/drawing/2014/main" id="{29722121-83E9-40DA-B578-029C786FFE9F}"/>
-                </a:ext>
-              </a:extLst>
-            </p:cNvPr>
-            <p:cNvSpPr/>
-            <p:nvPr/>
-          </p:nvSpPr>
-          <p:spPr>
-            <a:xfrm>
-              <a:off x="6258169" y="4432378"/>
-              <a:ext cx="1279033" cy="471686"/>
-            </a:xfrm>
-            <a:prstGeom prst="rect">
-              <a:avLst/>
-            </a:prstGeom>
-          </p:spPr>
-          <p:style>
-            <a:lnRef idx="2">
-              <a:schemeClr val="accent6">
-                <a:shade val="50000"/>
-              </a:schemeClr>
-            </a:lnRef>
-            <a:fillRef idx="1">
-              <a:schemeClr val="accent6"/>
-            </a:fillRef>
-            <a:effectRef idx="0">
-              <a:schemeClr val="accent6"/>
-            </a:effectRef>
-            <a:fontRef idx="minor">
-              <a:schemeClr val="lt1"/>
-            </a:fontRef>
-          </p:style>
-          <p:txBody>
-            <a:bodyPr rtlCol="0" anchor="ctr"/>
-            <a:lstStyle/>
-            <a:p>
-              <a:pPr algn="ctr"/>
-              <a:r>
-                <a:rPr lang="en-US" altLang="zh-CN" dirty="0"/>
-                <a:t>Classifier</a:t>
-              </a:r>
-            </a:p>
-            <a:p>
-              <a:pPr algn="ctr"/>
-              <a:r>
-                <a:rPr lang="en-US" altLang="zh-CN" dirty="0"/>
-                <a:t>Controller</a:t>
-              </a:r>
-              <a:endParaRPr lang="zh-CN" altLang="en-US" dirty="0"/>
-            </a:p>
-          </p:txBody>
-        </p:sp>
-      </p:grpSp>
-      <p:sp>
-        <p:nvSpPr>
-          <p:cNvPr id="8" name="矩形 7">
-            <a:extLst>
-              <a:ext uri="{FF2B5EF4-FFF2-40B4-BE49-F238E27FC236}">
-                <a16:creationId xmlns:a16="http://schemas.microsoft.com/office/drawing/2014/main" id="{46E4A7E9-33A7-4DD5-88F7-7CFF50016CB1}"/>
+      <p:sp>
+        <p:nvSpPr>
+          <p:cNvPr id="15" name="云形 14">
+            <a:extLst>
+              <a:ext uri="{FF2B5EF4-FFF2-40B4-BE49-F238E27FC236}">
+                <a16:creationId xmlns:a16="http://schemas.microsoft.com/office/drawing/2014/main" id="{42C74518-12EC-40D2-916D-44DFFCADC7B6}"/>
               </a:ext>
             </a:extLst>
           </p:cNvPr>
@@ -7062,7 +6830,386 @@
         </p:nvSpPr>
         <p:spPr>
           <a:xfrm>
-            <a:off x="1007886" y="2231078"/>
+            <a:off x="1131677" y="3956717"/>
+            <a:ext cx="2782318" cy="1132766"/>
+          </a:xfrm>
+          <a:prstGeom prst="cloud">
+            <a:avLst/>
+          </a:prstGeom>
+        </p:spPr>
+        <p:style>
+          <a:lnRef idx="2">
+            <a:schemeClr val="dk1"/>
+          </a:lnRef>
+          <a:fillRef idx="1">
+            <a:schemeClr val="lt1"/>
+          </a:fillRef>
+          <a:effectRef idx="0">
+            <a:schemeClr val="dk1"/>
+          </a:effectRef>
+          <a:fontRef idx="minor">
+            <a:schemeClr val="dk1"/>
+          </a:fontRef>
+        </p:style>
+        <p:txBody>
+          <a:bodyPr rtlCol="0" anchor="ctr"/>
+          <a:lstStyle/>
+          <a:p>
+            <a:pPr algn="ctr"/>
+            <a:endParaRPr lang="zh-CN" altLang="en-US"/>
+          </a:p>
+        </p:txBody>
+      </p:sp>
+      <p:sp>
+        <p:nvSpPr>
+          <p:cNvPr id="16" name="矩形 15">
+            <a:extLst>
+              <a:ext uri="{FF2B5EF4-FFF2-40B4-BE49-F238E27FC236}">
+                <a16:creationId xmlns:a16="http://schemas.microsoft.com/office/drawing/2014/main" id="{3D58024B-8758-43E7-ACD5-B01ECEBFEFF9}"/>
+              </a:ext>
+            </a:extLst>
+          </p:cNvPr>
+          <p:cNvSpPr/>
+          <p:nvPr/>
+        </p:nvSpPr>
+        <p:spPr>
+          <a:xfrm>
+            <a:off x="4306860" y="4614760"/>
+            <a:ext cx="858537" cy="517645"/>
+          </a:xfrm>
+          <a:prstGeom prst="rect">
+            <a:avLst/>
+          </a:prstGeom>
+        </p:spPr>
+        <p:style>
+          <a:lnRef idx="2">
+            <a:schemeClr val="accent1">
+              <a:shade val="50000"/>
+            </a:schemeClr>
+          </a:lnRef>
+          <a:fillRef idx="1">
+            <a:schemeClr val="accent1"/>
+          </a:fillRef>
+          <a:effectRef idx="0">
+            <a:schemeClr val="accent1"/>
+          </a:effectRef>
+          <a:fontRef idx="minor">
+            <a:schemeClr val="lt1"/>
+          </a:fontRef>
+        </p:style>
+        <p:txBody>
+          <a:bodyPr rtlCol="0" anchor="ctr"/>
+          <a:lstStyle/>
+          <a:p>
+            <a:pPr algn="ctr"/>
+            <a:r>
+              <a:rPr lang="en-US" altLang="zh-CN" dirty="0"/>
+              <a:t>Server</a:t>
+            </a:r>
+            <a:endParaRPr lang="zh-CN" altLang="en-US" dirty="0"/>
+          </a:p>
+        </p:txBody>
+      </p:sp>
+      <p:sp>
+        <p:nvSpPr>
+          <p:cNvPr id="17" name="矩形 16">
+            <a:extLst>
+              <a:ext uri="{FF2B5EF4-FFF2-40B4-BE49-F238E27FC236}">
+                <a16:creationId xmlns:a16="http://schemas.microsoft.com/office/drawing/2014/main" id="{7D1518EF-2408-4617-A04A-71C23FF3AD0E}"/>
+              </a:ext>
+            </a:extLst>
+          </p:cNvPr>
+          <p:cNvSpPr/>
+          <p:nvPr/>
+        </p:nvSpPr>
+        <p:spPr>
+          <a:xfrm>
+            <a:off x="5787818" y="4614346"/>
+            <a:ext cx="858537" cy="517645"/>
+          </a:xfrm>
+          <a:prstGeom prst="rect">
+            <a:avLst/>
+          </a:prstGeom>
+        </p:spPr>
+        <p:style>
+          <a:lnRef idx="2">
+            <a:schemeClr val="accent1">
+              <a:shade val="50000"/>
+            </a:schemeClr>
+          </a:lnRef>
+          <a:fillRef idx="1">
+            <a:schemeClr val="accent1"/>
+          </a:fillRef>
+          <a:effectRef idx="0">
+            <a:schemeClr val="accent1"/>
+          </a:effectRef>
+          <a:fontRef idx="minor">
+            <a:schemeClr val="lt1"/>
+          </a:fontRef>
+        </p:style>
+        <p:txBody>
+          <a:bodyPr rtlCol="0" anchor="ctr"/>
+          <a:lstStyle/>
+          <a:p>
+            <a:pPr algn="ctr"/>
+            <a:r>
+              <a:rPr lang="en-US" altLang="zh-CN" dirty="0"/>
+              <a:t>Server</a:t>
+            </a:r>
+            <a:endParaRPr lang="zh-CN" altLang="en-US" dirty="0"/>
+          </a:p>
+        </p:txBody>
+      </p:sp>
+      <p:sp>
+        <p:nvSpPr>
+          <p:cNvPr id="18" name="椭圆 17">
+            <a:extLst>
+              <a:ext uri="{FF2B5EF4-FFF2-40B4-BE49-F238E27FC236}">
+                <a16:creationId xmlns:a16="http://schemas.microsoft.com/office/drawing/2014/main" id="{3FE2C352-6B46-4A39-9F98-B57D7656C0E3}"/>
+              </a:ext>
+            </a:extLst>
+          </p:cNvPr>
+          <p:cNvSpPr/>
+          <p:nvPr/>
+        </p:nvSpPr>
+        <p:spPr>
+          <a:xfrm>
+            <a:off x="1875416" y="3901704"/>
+            <a:ext cx="1175727" cy="593889"/>
+          </a:xfrm>
+          <a:prstGeom prst="ellipse">
+            <a:avLst/>
+          </a:prstGeom>
+        </p:spPr>
+        <p:style>
+          <a:lnRef idx="2">
+            <a:schemeClr val="accent1">
+              <a:shade val="50000"/>
+            </a:schemeClr>
+          </a:lnRef>
+          <a:fillRef idx="1">
+            <a:schemeClr val="accent1"/>
+          </a:fillRef>
+          <a:effectRef idx="0">
+            <a:schemeClr val="accent1"/>
+          </a:effectRef>
+          <a:fontRef idx="minor">
+            <a:schemeClr val="lt1"/>
+          </a:fontRef>
+        </p:style>
+        <p:txBody>
+          <a:bodyPr rtlCol="0" anchor="ctr"/>
+          <a:lstStyle/>
+          <a:p>
+            <a:pPr algn="ctr"/>
+            <a:r>
+              <a:rPr lang="en-US" altLang="zh-CN" dirty="0"/>
+              <a:t>P4 switch</a:t>
+            </a:r>
+            <a:endParaRPr lang="zh-CN" altLang="en-US" dirty="0"/>
+          </a:p>
+        </p:txBody>
+      </p:sp>
+      <p:sp>
+        <p:nvSpPr>
+          <p:cNvPr id="19" name="椭圆 18">
+            <a:extLst>
+              <a:ext uri="{FF2B5EF4-FFF2-40B4-BE49-F238E27FC236}">
+                <a16:creationId xmlns:a16="http://schemas.microsoft.com/office/drawing/2014/main" id="{F43114ED-2AC2-4F70-88C3-96D0D51A17D7}"/>
+              </a:ext>
+            </a:extLst>
+          </p:cNvPr>
+          <p:cNvSpPr/>
+          <p:nvPr/>
+        </p:nvSpPr>
+        <p:spPr>
+          <a:xfrm>
+            <a:off x="2601147" y="4576224"/>
+            <a:ext cx="1147623" cy="593889"/>
+          </a:xfrm>
+          <a:prstGeom prst="ellipse">
+            <a:avLst/>
+          </a:prstGeom>
+        </p:spPr>
+        <p:style>
+          <a:lnRef idx="2">
+            <a:schemeClr val="accent1">
+              <a:shade val="50000"/>
+            </a:schemeClr>
+          </a:lnRef>
+          <a:fillRef idx="1">
+            <a:schemeClr val="accent1"/>
+          </a:fillRef>
+          <a:effectRef idx="0">
+            <a:schemeClr val="accent1"/>
+          </a:effectRef>
+          <a:fontRef idx="minor">
+            <a:schemeClr val="lt1"/>
+          </a:fontRef>
+        </p:style>
+        <p:txBody>
+          <a:bodyPr rtlCol="0" anchor="ctr"/>
+          <a:lstStyle/>
+          <a:p>
+            <a:pPr algn="ctr"/>
+            <a:r>
+              <a:rPr lang="en-US" altLang="zh-CN" dirty="0"/>
+              <a:t>P4 switch</a:t>
+            </a:r>
+            <a:endParaRPr lang="zh-CN" altLang="en-US" dirty="0"/>
+          </a:p>
+        </p:txBody>
+      </p:sp>
+      <p:sp>
+        <p:nvSpPr>
+          <p:cNvPr id="20" name="椭圆 19">
+            <a:extLst>
+              <a:ext uri="{FF2B5EF4-FFF2-40B4-BE49-F238E27FC236}">
+                <a16:creationId xmlns:a16="http://schemas.microsoft.com/office/drawing/2014/main" id="{B7E86C8A-4C1D-43E1-A19D-5B64370640B2}"/>
+              </a:ext>
+            </a:extLst>
+          </p:cNvPr>
+          <p:cNvSpPr/>
+          <p:nvPr/>
+        </p:nvSpPr>
+        <p:spPr>
+          <a:xfrm>
+            <a:off x="1148486" y="4583792"/>
+            <a:ext cx="1147623" cy="593889"/>
+          </a:xfrm>
+          <a:prstGeom prst="ellipse">
+            <a:avLst/>
+          </a:prstGeom>
+        </p:spPr>
+        <p:style>
+          <a:lnRef idx="2">
+            <a:schemeClr val="accent1">
+              <a:shade val="50000"/>
+            </a:schemeClr>
+          </a:lnRef>
+          <a:fillRef idx="1">
+            <a:schemeClr val="accent1"/>
+          </a:fillRef>
+          <a:effectRef idx="0">
+            <a:schemeClr val="accent1"/>
+          </a:effectRef>
+          <a:fontRef idx="minor">
+            <a:schemeClr val="lt1"/>
+          </a:fontRef>
+        </p:style>
+        <p:txBody>
+          <a:bodyPr rtlCol="0" anchor="ctr"/>
+          <a:lstStyle/>
+          <a:p>
+            <a:pPr algn="ctr"/>
+            <a:r>
+              <a:rPr lang="en-US" altLang="zh-CN" dirty="0"/>
+              <a:t>P4 switch</a:t>
+            </a:r>
+            <a:endParaRPr lang="zh-CN" altLang="en-US" dirty="0"/>
+          </a:p>
+        </p:txBody>
+      </p:sp>
+      <p:cxnSp>
+        <p:nvCxnSpPr>
+          <p:cNvPr id="32" name="直接连接符 31">
+            <a:extLst>
+              <a:ext uri="{FF2B5EF4-FFF2-40B4-BE49-F238E27FC236}">
+                <a16:creationId xmlns:a16="http://schemas.microsoft.com/office/drawing/2014/main" id="{4ED428C2-5D0A-4862-91AA-7139BE86D7CB}"/>
+              </a:ext>
+            </a:extLst>
+          </p:cNvPr>
+          <p:cNvCxnSpPr>
+            <a:stCxn id="19" idx="6"/>
+            <a:endCxn id="16" idx="1"/>
+          </p:cNvCxnSpPr>
+          <p:nvPr/>
+        </p:nvCxnSpPr>
+        <p:spPr>
+          <a:xfrm>
+            <a:off x="3748770" y="4873169"/>
+            <a:ext cx="558090" cy="414"/>
+          </a:xfrm>
+          <a:prstGeom prst="line">
+            <a:avLst/>
+          </a:prstGeom>
+        </p:spPr>
+        <p:style>
+          <a:lnRef idx="1">
+            <a:schemeClr val="accent1"/>
+          </a:lnRef>
+          <a:fillRef idx="0">
+            <a:schemeClr val="accent1"/>
+          </a:fillRef>
+          <a:effectRef idx="0">
+            <a:schemeClr val="accent1"/>
+          </a:effectRef>
+          <a:fontRef idx="minor">
+            <a:schemeClr val="tx1"/>
+          </a:fontRef>
+        </p:style>
+      </p:cxnSp>
+      <p:sp>
+        <p:nvSpPr>
+          <p:cNvPr id="44" name="矩形 43">
+            <a:extLst>
+              <a:ext uri="{FF2B5EF4-FFF2-40B4-BE49-F238E27FC236}">
+                <a16:creationId xmlns:a16="http://schemas.microsoft.com/office/drawing/2014/main" id="{7429C4EE-8883-4E6C-B2FE-FF189E2E7125}"/>
+              </a:ext>
+            </a:extLst>
+          </p:cNvPr>
+          <p:cNvSpPr/>
+          <p:nvPr/>
+        </p:nvSpPr>
+        <p:spPr>
+          <a:xfrm>
+            <a:off x="772211" y="3732142"/>
+            <a:ext cx="7733364" cy="1699559"/>
+          </a:xfrm>
+          <a:prstGeom prst="rect">
+            <a:avLst/>
+          </a:prstGeom>
+          <a:noFill/>
+          <a:ln w="76200"/>
+        </p:spPr>
+        <p:style>
+          <a:lnRef idx="2">
+            <a:schemeClr val="accent3"/>
+          </a:lnRef>
+          <a:fillRef idx="1">
+            <a:schemeClr val="lt1"/>
+          </a:fillRef>
+          <a:effectRef idx="0">
+            <a:schemeClr val="accent3"/>
+          </a:effectRef>
+          <a:fontRef idx="minor">
+            <a:schemeClr val="dk1"/>
+          </a:fontRef>
+        </p:style>
+        <p:txBody>
+          <a:bodyPr rtlCol="0" anchor="ctr"/>
+          <a:lstStyle/>
+          <a:p>
+            <a:pPr algn="ctr"/>
+            <a:endParaRPr lang="zh-CN" altLang="en-US" dirty="0"/>
+          </a:p>
+        </p:txBody>
+      </p:sp>
+      <p:sp>
+        <p:nvSpPr>
+          <p:cNvPr id="33" name="矩形 32">
+            <a:extLst>
+              <a:ext uri="{FF2B5EF4-FFF2-40B4-BE49-F238E27FC236}">
+                <a16:creationId xmlns:a16="http://schemas.microsoft.com/office/drawing/2014/main" id="{2BF5BDC4-7A73-4607-92A3-6CA5AC84D3E6}"/>
+              </a:ext>
+            </a:extLst>
+          </p:cNvPr>
+          <p:cNvSpPr/>
+          <p:nvPr/>
+        </p:nvSpPr>
+        <p:spPr>
+          <a:xfrm>
+            <a:off x="4027815" y="2273075"/>
             <a:ext cx="1298023" cy="471686"/>
           </a:xfrm>
           <a:prstGeom prst="rect">
@@ -7092,301 +7239,7 @@
             <a:pPr algn="ctr"/>
             <a:r>
               <a:rPr lang="en-US" altLang="zh-CN" dirty="0"/>
-              <a:t>P4 Controller</a:t>
-            </a:r>
-            <a:endParaRPr lang="zh-CN" altLang="en-US" dirty="0"/>
-          </a:p>
-        </p:txBody>
-      </p:sp>
-      <p:sp>
-        <p:nvSpPr>
-          <p:cNvPr id="15" name="云形 14">
-            <a:extLst>
-              <a:ext uri="{FF2B5EF4-FFF2-40B4-BE49-F238E27FC236}">
-                <a16:creationId xmlns:a16="http://schemas.microsoft.com/office/drawing/2014/main" id="{42C74518-12EC-40D2-916D-44DFFCADC7B6}"/>
-              </a:ext>
-            </a:extLst>
-          </p:cNvPr>
-          <p:cNvSpPr/>
-          <p:nvPr/>
-        </p:nvSpPr>
-        <p:spPr>
-          <a:xfrm>
-            <a:off x="1131677" y="3956717"/>
-            <a:ext cx="2782318" cy="1132766"/>
-          </a:xfrm>
-          <a:prstGeom prst="cloud">
-            <a:avLst/>
-          </a:prstGeom>
-        </p:spPr>
-        <p:style>
-          <a:lnRef idx="2">
-            <a:schemeClr val="dk1"/>
-          </a:lnRef>
-          <a:fillRef idx="1">
-            <a:schemeClr val="lt1"/>
-          </a:fillRef>
-          <a:effectRef idx="0">
-            <a:schemeClr val="dk1"/>
-          </a:effectRef>
-          <a:fontRef idx="minor">
-            <a:schemeClr val="dk1"/>
-          </a:fontRef>
-        </p:style>
-        <p:txBody>
-          <a:bodyPr rtlCol="0" anchor="ctr"/>
-          <a:lstStyle/>
-          <a:p>
-            <a:pPr algn="ctr"/>
-            <a:endParaRPr lang="zh-CN" altLang="en-US"/>
-          </a:p>
-        </p:txBody>
-      </p:sp>
-      <p:sp>
-        <p:nvSpPr>
-          <p:cNvPr id="16" name="矩形 15">
-            <a:extLst>
-              <a:ext uri="{FF2B5EF4-FFF2-40B4-BE49-F238E27FC236}">
-                <a16:creationId xmlns:a16="http://schemas.microsoft.com/office/drawing/2014/main" id="{3D58024B-8758-43E7-ACD5-B01ECEBFEFF9}"/>
-              </a:ext>
-            </a:extLst>
-          </p:cNvPr>
-          <p:cNvSpPr/>
-          <p:nvPr/>
-        </p:nvSpPr>
-        <p:spPr>
-          <a:xfrm>
-            <a:off x="4306860" y="4614760"/>
-            <a:ext cx="858537" cy="517645"/>
-          </a:xfrm>
-          <a:prstGeom prst="rect">
-            <a:avLst/>
-          </a:prstGeom>
-        </p:spPr>
-        <p:style>
-          <a:lnRef idx="2">
-            <a:schemeClr val="accent1">
-              <a:shade val="50000"/>
-            </a:schemeClr>
-          </a:lnRef>
-          <a:fillRef idx="1">
-            <a:schemeClr val="accent1"/>
-          </a:fillRef>
-          <a:effectRef idx="0">
-            <a:schemeClr val="accent1"/>
-          </a:effectRef>
-          <a:fontRef idx="minor">
-            <a:schemeClr val="lt1"/>
-          </a:fontRef>
-        </p:style>
-        <p:txBody>
-          <a:bodyPr rtlCol="0" anchor="ctr"/>
-          <a:lstStyle/>
-          <a:p>
-            <a:pPr algn="ctr"/>
-            <a:r>
-              <a:rPr lang="en-US" altLang="zh-CN" dirty="0"/>
-              <a:t>Server</a:t>
-            </a:r>
-            <a:endParaRPr lang="zh-CN" altLang="en-US" dirty="0"/>
-          </a:p>
-        </p:txBody>
-      </p:sp>
-      <p:sp>
-        <p:nvSpPr>
-          <p:cNvPr id="17" name="矩形 16">
-            <a:extLst>
-              <a:ext uri="{FF2B5EF4-FFF2-40B4-BE49-F238E27FC236}">
-                <a16:creationId xmlns:a16="http://schemas.microsoft.com/office/drawing/2014/main" id="{7D1518EF-2408-4617-A04A-71C23FF3AD0E}"/>
-              </a:ext>
-            </a:extLst>
-          </p:cNvPr>
-          <p:cNvSpPr/>
-          <p:nvPr/>
-        </p:nvSpPr>
-        <p:spPr>
-          <a:xfrm>
-            <a:off x="5787818" y="4614346"/>
-            <a:ext cx="858537" cy="517645"/>
-          </a:xfrm>
-          <a:prstGeom prst="rect">
-            <a:avLst/>
-          </a:prstGeom>
-        </p:spPr>
-        <p:style>
-          <a:lnRef idx="2">
-            <a:schemeClr val="accent1">
-              <a:shade val="50000"/>
-            </a:schemeClr>
-          </a:lnRef>
-          <a:fillRef idx="1">
-            <a:schemeClr val="accent1"/>
-          </a:fillRef>
-          <a:effectRef idx="0">
-            <a:schemeClr val="accent1"/>
-          </a:effectRef>
-          <a:fontRef idx="minor">
-            <a:schemeClr val="lt1"/>
-          </a:fontRef>
-        </p:style>
-        <p:txBody>
-          <a:bodyPr rtlCol="0" anchor="ctr"/>
-          <a:lstStyle/>
-          <a:p>
-            <a:pPr algn="ctr"/>
-            <a:r>
-              <a:rPr lang="en-US" altLang="zh-CN" dirty="0"/>
-              <a:t>Server</a:t>
-            </a:r>
-            <a:endParaRPr lang="zh-CN" altLang="en-US" dirty="0"/>
-          </a:p>
-        </p:txBody>
-      </p:sp>
-      <p:sp>
-        <p:nvSpPr>
-          <p:cNvPr id="18" name="椭圆 17">
-            <a:extLst>
-              <a:ext uri="{FF2B5EF4-FFF2-40B4-BE49-F238E27FC236}">
-                <a16:creationId xmlns:a16="http://schemas.microsoft.com/office/drawing/2014/main" id="{3FE2C352-6B46-4A39-9F98-B57D7656C0E3}"/>
-              </a:ext>
-            </a:extLst>
-          </p:cNvPr>
-          <p:cNvSpPr/>
-          <p:nvPr/>
-        </p:nvSpPr>
-        <p:spPr>
-          <a:xfrm>
-            <a:off x="1875416" y="3901704"/>
-            <a:ext cx="1175727" cy="593889"/>
-          </a:xfrm>
-          <a:prstGeom prst="ellipse">
-            <a:avLst/>
-          </a:prstGeom>
-        </p:spPr>
-        <p:style>
-          <a:lnRef idx="2">
-            <a:schemeClr val="accent1">
-              <a:shade val="50000"/>
-            </a:schemeClr>
-          </a:lnRef>
-          <a:fillRef idx="1">
-            <a:schemeClr val="accent1"/>
-          </a:fillRef>
-          <a:effectRef idx="0">
-            <a:schemeClr val="accent1"/>
-          </a:effectRef>
-          <a:fontRef idx="minor">
-            <a:schemeClr val="lt1"/>
-          </a:fontRef>
-        </p:style>
-        <p:txBody>
-          <a:bodyPr rtlCol="0" anchor="ctr"/>
-          <a:lstStyle/>
-          <a:p>
-            <a:pPr algn="ctr"/>
-            <a:r>
-              <a:rPr lang="en-US" altLang="zh-CN" dirty="0"/>
-              <a:t>P4 switch</a:t>
-            </a:r>
-            <a:endParaRPr lang="zh-CN" altLang="en-US" dirty="0"/>
-          </a:p>
-        </p:txBody>
-      </p:sp>
-      <p:sp>
-        <p:nvSpPr>
-          <p:cNvPr id="19" name="椭圆 18">
-            <a:extLst>
-              <a:ext uri="{FF2B5EF4-FFF2-40B4-BE49-F238E27FC236}">
-                <a16:creationId xmlns:a16="http://schemas.microsoft.com/office/drawing/2014/main" id="{F43114ED-2AC2-4F70-88C3-96D0D51A17D7}"/>
-              </a:ext>
-            </a:extLst>
-          </p:cNvPr>
-          <p:cNvSpPr/>
-          <p:nvPr/>
-        </p:nvSpPr>
-        <p:spPr>
-          <a:xfrm>
-            <a:off x="2601147" y="4576224"/>
-            <a:ext cx="1147623" cy="593889"/>
-          </a:xfrm>
-          <a:prstGeom prst="ellipse">
-            <a:avLst/>
-          </a:prstGeom>
-        </p:spPr>
-        <p:style>
-          <a:lnRef idx="2">
-            <a:schemeClr val="accent1">
-              <a:shade val="50000"/>
-            </a:schemeClr>
-          </a:lnRef>
-          <a:fillRef idx="1">
-            <a:schemeClr val="accent1"/>
-          </a:fillRef>
-          <a:effectRef idx="0">
-            <a:schemeClr val="accent1"/>
-          </a:effectRef>
-          <a:fontRef idx="minor">
-            <a:schemeClr val="lt1"/>
-          </a:fontRef>
-        </p:style>
-        <p:txBody>
-          <a:bodyPr rtlCol="0" anchor="ctr"/>
-          <a:lstStyle/>
-          <a:p>
-            <a:pPr algn="ctr"/>
-            <a:r>
-              <a:rPr lang="en-US" altLang="zh-CN" dirty="0"/>
-              <a:t>P4 switch</a:t>
-            </a:r>
-            <a:endParaRPr lang="zh-CN" altLang="en-US" dirty="0"/>
-          </a:p>
-        </p:txBody>
-      </p:sp>
-      <p:sp>
-        <p:nvSpPr>
-          <p:cNvPr id="20" name="椭圆 19">
-            <a:extLst>
-              <a:ext uri="{FF2B5EF4-FFF2-40B4-BE49-F238E27FC236}">
-                <a16:creationId xmlns:a16="http://schemas.microsoft.com/office/drawing/2014/main" id="{B7E86C8A-4C1D-43E1-A19D-5B64370640B2}"/>
-              </a:ext>
-            </a:extLst>
-          </p:cNvPr>
-          <p:cNvSpPr/>
-          <p:nvPr/>
-        </p:nvSpPr>
-        <p:spPr>
-          <a:xfrm>
-            <a:off x="1148486" y="4583792"/>
-            <a:ext cx="1147623" cy="593889"/>
-          </a:xfrm>
-          <a:prstGeom prst="ellipse">
-            <a:avLst/>
-          </a:prstGeom>
-        </p:spPr>
-        <p:style>
-          <a:lnRef idx="2">
-            <a:schemeClr val="accent1">
-              <a:shade val="50000"/>
-            </a:schemeClr>
-          </a:lnRef>
-          <a:fillRef idx="1">
-            <a:schemeClr val="accent1"/>
-          </a:fillRef>
-          <a:effectRef idx="0">
-            <a:schemeClr val="accent1"/>
-          </a:effectRef>
-          <a:fontRef idx="minor">
-            <a:schemeClr val="lt1"/>
-          </a:fontRef>
-        </p:style>
-        <p:txBody>
-          <a:bodyPr rtlCol="0" anchor="ctr"/>
-          <a:lstStyle/>
-          <a:p>
-            <a:pPr algn="ctr"/>
-            <a:r>
-              <a:rPr lang="en-US" altLang="zh-CN" dirty="0"/>
-              <a:t>P4 switch</a:t>
+              <a:t>Simulator Controller</a:t>
             </a:r>
             <a:endParaRPr lang="zh-CN" altLang="en-US" dirty="0"/>
           </a:p>
@@ -7394,28 +7247,29 @@
       </p:sp>
       <p:cxnSp>
         <p:nvCxnSpPr>
-          <p:cNvPr id="21" name="直接连接符 20">
-            <a:extLst>
-              <a:ext uri="{FF2B5EF4-FFF2-40B4-BE49-F238E27FC236}">
-                <a16:creationId xmlns:a16="http://schemas.microsoft.com/office/drawing/2014/main" id="{8AE54842-5EC2-4C2D-B51D-939E8BA2E664}"/>
+          <p:cNvPr id="34" name="直接连接符 33">
+            <a:extLst>
+              <a:ext uri="{FF2B5EF4-FFF2-40B4-BE49-F238E27FC236}">
+                <a16:creationId xmlns:a16="http://schemas.microsoft.com/office/drawing/2014/main" id="{F8EE1E51-DCCC-4945-BC20-5126F78ABB4D}"/>
               </a:ext>
             </a:extLst>
           </p:cNvPr>
           <p:cNvCxnSpPr>
             <a:cxnSpLocks/>
-            <a:stCxn id="10" idx="2"/>
-            <a:endCxn id="17" idx="0"/>
+            <a:stCxn id="46" idx="2"/>
+            <a:endCxn id="44" idx="0"/>
           </p:cNvCxnSpPr>
           <p:nvPr/>
         </p:nvCxnSpPr>
         <p:spPr>
-          <a:xfrm>
-            <a:off x="4718542" y="2719855"/>
-            <a:ext cx="1498545" cy="1894491"/>
+          <a:xfrm flipH="1">
+            <a:off x="4638893" y="2966637"/>
+            <a:ext cx="225" cy="765505"/>
           </a:xfrm>
           <a:prstGeom prst="line">
             <a:avLst/>
           </a:prstGeom>
+          <a:ln w="38100"/>
         </p:spPr>
         <p:style>
           <a:lnRef idx="1">
@@ -7432,30 +7286,89 @@
           </a:fontRef>
         </p:style>
       </p:cxnSp>
+      <p:sp>
+        <p:nvSpPr>
+          <p:cNvPr id="40" name="矩形 39">
+            <a:extLst>
+              <a:ext uri="{FF2B5EF4-FFF2-40B4-BE49-F238E27FC236}">
+                <a16:creationId xmlns:a16="http://schemas.microsoft.com/office/drawing/2014/main" id="{C2021D09-F249-47FE-87EE-ADED5720AE42}"/>
+              </a:ext>
+            </a:extLst>
+          </p:cNvPr>
+          <p:cNvSpPr/>
+          <p:nvPr/>
+        </p:nvSpPr>
+        <p:spPr>
+          <a:xfrm>
+            <a:off x="9325018" y="4317401"/>
+            <a:ext cx="858537" cy="517645"/>
+          </a:xfrm>
+          <a:prstGeom prst="rect">
+            <a:avLst/>
+          </a:prstGeom>
+          <a:noFill/>
+          <a:ln w="76200"/>
+        </p:spPr>
+        <p:style>
+          <a:lnRef idx="2">
+            <a:schemeClr val="accent3"/>
+          </a:lnRef>
+          <a:fillRef idx="1">
+            <a:schemeClr val="lt1"/>
+          </a:fillRef>
+          <a:effectRef idx="0">
+            <a:schemeClr val="accent3"/>
+          </a:effectRef>
+          <a:fontRef idx="minor">
+            <a:schemeClr val="dk1"/>
+          </a:fontRef>
+        </p:style>
+        <p:txBody>
+          <a:bodyPr rtlCol="0" anchor="ctr"/>
+          <a:lstStyle/>
+          <a:p>
+            <a:pPr algn="ctr"/>
+            <a:r>
+              <a:rPr lang="en-US" altLang="zh-CN" dirty="0">
+                <a:solidFill>
+                  <a:schemeClr val="dk1"/>
+                </a:solidFill>
+              </a:rPr>
+              <a:t>CLI</a:t>
+            </a:r>
+            <a:endParaRPr lang="zh-CN" altLang="en-US" dirty="0">
+              <a:solidFill>
+                <a:schemeClr val="dk1"/>
+              </a:solidFill>
+            </a:endParaRPr>
+          </a:p>
+        </p:txBody>
+      </p:sp>
       <p:cxnSp>
         <p:nvCxnSpPr>
-          <p:cNvPr id="22" name="直接连接符 21">
-            <a:extLst>
-              <a:ext uri="{FF2B5EF4-FFF2-40B4-BE49-F238E27FC236}">
-                <a16:creationId xmlns:a16="http://schemas.microsoft.com/office/drawing/2014/main" id="{A2D6F664-C765-4F2A-974C-F8AE77B3FA5B}"/>
+          <p:cNvPr id="42" name="直接连接符 41">
+            <a:extLst>
+              <a:ext uri="{FF2B5EF4-FFF2-40B4-BE49-F238E27FC236}">
+                <a16:creationId xmlns:a16="http://schemas.microsoft.com/office/drawing/2014/main" id="{35B52D52-3CE9-46E0-912E-3827E2455111}"/>
               </a:ext>
             </a:extLst>
           </p:cNvPr>
           <p:cNvCxnSpPr>
             <a:cxnSpLocks/>
-            <a:stCxn id="10" idx="2"/>
-            <a:endCxn id="16" idx="0"/>
+            <a:stCxn id="40" idx="1"/>
+            <a:endCxn id="44" idx="3"/>
           </p:cNvCxnSpPr>
           <p:nvPr/>
         </p:nvCxnSpPr>
         <p:spPr>
-          <a:xfrm>
-            <a:off x="4718542" y="2719855"/>
-            <a:ext cx="17587" cy="1894905"/>
+          <a:xfrm flipH="1">
+            <a:off x="8505575" y="4576224"/>
+            <a:ext cx="819443" cy="5698"/>
           </a:xfrm>
           <a:prstGeom prst="line">
             <a:avLst/>
           </a:prstGeom>
+          <a:ln w="38100"/>
         </p:spPr>
         <p:style>
           <a:lnRef idx="1">
@@ -7472,411 +7385,12 @@
           </a:fontRef>
         </p:style>
       </p:cxnSp>
-      <p:cxnSp>
-        <p:nvCxnSpPr>
-          <p:cNvPr id="23" name="直接连接符 22">
-            <a:extLst>
-              <a:ext uri="{FF2B5EF4-FFF2-40B4-BE49-F238E27FC236}">
-                <a16:creationId xmlns:a16="http://schemas.microsoft.com/office/drawing/2014/main" id="{20EF3628-801B-4415-9890-FD5F37058457}"/>
-              </a:ext>
-            </a:extLst>
-          </p:cNvPr>
-          <p:cNvCxnSpPr>
-            <a:cxnSpLocks/>
-            <a:stCxn id="11" idx="2"/>
-            <a:endCxn id="17" idx="0"/>
-          </p:cNvCxnSpPr>
-          <p:nvPr/>
-        </p:nvCxnSpPr>
-        <p:spPr>
-          <a:xfrm>
-            <a:off x="6207661" y="2718054"/>
-            <a:ext cx="9426" cy="1896292"/>
-          </a:xfrm>
-          <a:prstGeom prst="line">
-            <a:avLst/>
-          </a:prstGeom>
-        </p:spPr>
-        <p:style>
-          <a:lnRef idx="1">
-            <a:schemeClr val="accent1"/>
-          </a:lnRef>
-          <a:fillRef idx="0">
-            <a:schemeClr val="accent1"/>
-          </a:fillRef>
-          <a:effectRef idx="0">
-            <a:schemeClr val="accent1"/>
-          </a:effectRef>
-          <a:fontRef idx="minor">
-            <a:schemeClr val="tx1"/>
-          </a:fontRef>
-        </p:style>
-      </p:cxnSp>
-      <p:cxnSp>
-        <p:nvCxnSpPr>
-          <p:cNvPr id="24" name="直接连接符 23">
-            <a:extLst>
-              <a:ext uri="{FF2B5EF4-FFF2-40B4-BE49-F238E27FC236}">
-                <a16:creationId xmlns:a16="http://schemas.microsoft.com/office/drawing/2014/main" id="{D4392F5A-5756-4437-BDDF-AC03D18134A5}"/>
-              </a:ext>
-            </a:extLst>
-          </p:cNvPr>
-          <p:cNvCxnSpPr>
-            <a:cxnSpLocks/>
-            <a:stCxn id="13" idx="2"/>
-            <a:endCxn id="17" idx="0"/>
-          </p:cNvCxnSpPr>
-          <p:nvPr/>
-        </p:nvCxnSpPr>
-        <p:spPr>
-          <a:xfrm flipH="1">
-            <a:off x="6217087" y="2709662"/>
-            <a:ext cx="1469741" cy="1904684"/>
-          </a:xfrm>
-          <a:prstGeom prst="line">
-            <a:avLst/>
-          </a:prstGeom>
-        </p:spPr>
-        <p:style>
-          <a:lnRef idx="1">
-            <a:schemeClr val="accent1"/>
-          </a:lnRef>
-          <a:fillRef idx="0">
-            <a:schemeClr val="accent1"/>
-          </a:fillRef>
-          <a:effectRef idx="0">
-            <a:schemeClr val="accent1"/>
-          </a:effectRef>
-          <a:fontRef idx="minor">
-            <a:schemeClr val="tx1"/>
-          </a:fontRef>
-        </p:style>
-      </p:cxnSp>
-      <p:cxnSp>
-        <p:nvCxnSpPr>
-          <p:cNvPr id="25" name="直接连接符 24">
-            <a:extLst>
-              <a:ext uri="{FF2B5EF4-FFF2-40B4-BE49-F238E27FC236}">
-                <a16:creationId xmlns:a16="http://schemas.microsoft.com/office/drawing/2014/main" id="{2C132C6B-220F-4636-BAAB-EE41C7A3F2EF}"/>
-              </a:ext>
-            </a:extLst>
-          </p:cNvPr>
-          <p:cNvCxnSpPr>
-            <a:cxnSpLocks/>
-            <a:stCxn id="13" idx="2"/>
-            <a:endCxn id="16" idx="0"/>
-          </p:cNvCxnSpPr>
-          <p:nvPr/>
-        </p:nvCxnSpPr>
-        <p:spPr>
-          <a:xfrm flipH="1">
-            <a:off x="4736129" y="2709662"/>
-            <a:ext cx="2950699" cy="1905098"/>
-          </a:xfrm>
-          <a:prstGeom prst="line">
-            <a:avLst/>
-          </a:prstGeom>
-        </p:spPr>
-        <p:style>
-          <a:lnRef idx="1">
-            <a:schemeClr val="accent1"/>
-          </a:lnRef>
-          <a:fillRef idx="0">
-            <a:schemeClr val="accent1"/>
-          </a:fillRef>
-          <a:effectRef idx="0">
-            <a:schemeClr val="accent1"/>
-          </a:effectRef>
-          <a:fontRef idx="minor">
-            <a:schemeClr val="tx1"/>
-          </a:fontRef>
-        </p:style>
-      </p:cxnSp>
-      <p:cxnSp>
-        <p:nvCxnSpPr>
-          <p:cNvPr id="26" name="直接连接符 25">
-            <a:extLst>
-              <a:ext uri="{FF2B5EF4-FFF2-40B4-BE49-F238E27FC236}">
-                <a16:creationId xmlns:a16="http://schemas.microsoft.com/office/drawing/2014/main" id="{9605E7C3-79D2-430D-AF6E-044C25945450}"/>
-              </a:ext>
-            </a:extLst>
-          </p:cNvPr>
-          <p:cNvCxnSpPr>
-            <a:cxnSpLocks/>
-            <a:stCxn id="11" idx="2"/>
-            <a:endCxn id="16" idx="0"/>
-          </p:cNvCxnSpPr>
-          <p:nvPr/>
-        </p:nvCxnSpPr>
-        <p:spPr>
-          <a:xfrm flipH="1">
-            <a:off x="4736129" y="2718054"/>
-            <a:ext cx="1471532" cy="1896706"/>
-          </a:xfrm>
-          <a:prstGeom prst="line">
-            <a:avLst/>
-          </a:prstGeom>
-        </p:spPr>
-        <p:style>
-          <a:lnRef idx="1">
-            <a:schemeClr val="accent1"/>
-          </a:lnRef>
-          <a:fillRef idx="0">
-            <a:schemeClr val="accent1"/>
-          </a:fillRef>
-          <a:effectRef idx="0">
-            <a:schemeClr val="accent1"/>
-          </a:effectRef>
-          <a:fontRef idx="minor">
-            <a:schemeClr val="tx1"/>
-          </a:fontRef>
-        </p:style>
-      </p:cxnSp>
-      <p:cxnSp>
-        <p:nvCxnSpPr>
-          <p:cNvPr id="27" name="直接连接符 26">
-            <a:extLst>
-              <a:ext uri="{FF2B5EF4-FFF2-40B4-BE49-F238E27FC236}">
-                <a16:creationId xmlns:a16="http://schemas.microsoft.com/office/drawing/2014/main" id="{7AF874B8-9180-42F0-9C25-DC48A4844D04}"/>
-              </a:ext>
-            </a:extLst>
-          </p:cNvPr>
-          <p:cNvCxnSpPr>
-            <a:cxnSpLocks/>
-            <a:stCxn id="14" idx="2"/>
-            <a:endCxn id="16" idx="0"/>
-          </p:cNvCxnSpPr>
-          <p:nvPr/>
-        </p:nvCxnSpPr>
-        <p:spPr>
-          <a:xfrm>
-            <a:off x="3259271" y="2713755"/>
-            <a:ext cx="1476858" cy="1901005"/>
-          </a:xfrm>
-          <a:prstGeom prst="line">
-            <a:avLst/>
-          </a:prstGeom>
-        </p:spPr>
-        <p:style>
-          <a:lnRef idx="1">
-            <a:schemeClr val="accent1"/>
-          </a:lnRef>
-          <a:fillRef idx="0">
-            <a:schemeClr val="accent1"/>
-          </a:fillRef>
-          <a:effectRef idx="0">
-            <a:schemeClr val="accent1"/>
-          </a:effectRef>
-          <a:fontRef idx="minor">
-            <a:schemeClr val="tx1"/>
-          </a:fontRef>
-        </p:style>
-      </p:cxnSp>
-      <p:cxnSp>
-        <p:nvCxnSpPr>
-          <p:cNvPr id="28" name="直接连接符 27">
-            <a:extLst>
-              <a:ext uri="{FF2B5EF4-FFF2-40B4-BE49-F238E27FC236}">
-                <a16:creationId xmlns:a16="http://schemas.microsoft.com/office/drawing/2014/main" id="{3B53E72B-E173-4AA6-AA41-8D1195C581D3}"/>
-              </a:ext>
-            </a:extLst>
-          </p:cNvPr>
-          <p:cNvCxnSpPr>
-            <a:cxnSpLocks/>
-            <a:stCxn id="14" idx="2"/>
-            <a:endCxn id="17" idx="0"/>
-          </p:cNvCxnSpPr>
-          <p:nvPr/>
-        </p:nvCxnSpPr>
-        <p:spPr>
-          <a:xfrm>
-            <a:off x="3259271" y="2713755"/>
-            <a:ext cx="2957816" cy="1900591"/>
-          </a:xfrm>
-          <a:prstGeom prst="line">
-            <a:avLst/>
-          </a:prstGeom>
-        </p:spPr>
-        <p:style>
-          <a:lnRef idx="1">
-            <a:schemeClr val="accent1"/>
-          </a:lnRef>
-          <a:fillRef idx="0">
-            <a:schemeClr val="accent1"/>
-          </a:fillRef>
-          <a:effectRef idx="0">
-            <a:schemeClr val="accent1"/>
-          </a:effectRef>
-          <a:fontRef idx="minor">
-            <a:schemeClr val="tx1"/>
-          </a:fontRef>
-        </p:style>
-      </p:cxnSp>
-      <p:cxnSp>
-        <p:nvCxnSpPr>
-          <p:cNvPr id="29" name="直接连接符 28">
-            <a:extLst>
-              <a:ext uri="{FF2B5EF4-FFF2-40B4-BE49-F238E27FC236}">
-                <a16:creationId xmlns:a16="http://schemas.microsoft.com/office/drawing/2014/main" id="{7B39404F-D332-4B3D-9501-1817A0D1BC21}"/>
-              </a:ext>
-            </a:extLst>
-          </p:cNvPr>
-          <p:cNvCxnSpPr>
-            <a:cxnSpLocks/>
-            <a:stCxn id="8" idx="2"/>
-            <a:endCxn id="20" idx="0"/>
-          </p:cNvCxnSpPr>
-          <p:nvPr/>
-        </p:nvCxnSpPr>
-        <p:spPr>
-          <a:xfrm>
-            <a:off x="1656898" y="2702764"/>
-            <a:ext cx="65400" cy="1881028"/>
-          </a:xfrm>
-          <a:prstGeom prst="line">
-            <a:avLst/>
-          </a:prstGeom>
-        </p:spPr>
-        <p:style>
-          <a:lnRef idx="1">
-            <a:schemeClr val="accent1"/>
-          </a:lnRef>
-          <a:fillRef idx="0">
-            <a:schemeClr val="accent1"/>
-          </a:fillRef>
-          <a:effectRef idx="0">
-            <a:schemeClr val="accent1"/>
-          </a:effectRef>
-          <a:fontRef idx="minor">
-            <a:schemeClr val="tx1"/>
-          </a:fontRef>
-        </p:style>
-      </p:cxnSp>
-      <p:cxnSp>
-        <p:nvCxnSpPr>
-          <p:cNvPr id="30" name="直接连接符 29">
-            <a:extLst>
-              <a:ext uri="{FF2B5EF4-FFF2-40B4-BE49-F238E27FC236}">
-                <a16:creationId xmlns:a16="http://schemas.microsoft.com/office/drawing/2014/main" id="{BA9A8A09-32B8-4660-89AB-949DC1E8806B}"/>
-              </a:ext>
-            </a:extLst>
-          </p:cNvPr>
-          <p:cNvCxnSpPr>
-            <a:cxnSpLocks/>
-            <a:stCxn id="8" idx="2"/>
-            <a:endCxn id="18" idx="0"/>
-          </p:cNvCxnSpPr>
-          <p:nvPr/>
-        </p:nvCxnSpPr>
-        <p:spPr>
-          <a:xfrm>
-            <a:off x="1656898" y="2702764"/>
-            <a:ext cx="806382" cy="1198940"/>
-          </a:xfrm>
-          <a:prstGeom prst="line">
-            <a:avLst/>
-          </a:prstGeom>
-        </p:spPr>
-        <p:style>
-          <a:lnRef idx="1">
-            <a:schemeClr val="accent1"/>
-          </a:lnRef>
-          <a:fillRef idx="0">
-            <a:schemeClr val="accent1"/>
-          </a:fillRef>
-          <a:effectRef idx="0">
-            <a:schemeClr val="accent1"/>
-          </a:effectRef>
-          <a:fontRef idx="minor">
-            <a:schemeClr val="tx1"/>
-          </a:fontRef>
-        </p:style>
-      </p:cxnSp>
-      <p:cxnSp>
-        <p:nvCxnSpPr>
-          <p:cNvPr id="31" name="直接连接符 30">
-            <a:extLst>
-              <a:ext uri="{FF2B5EF4-FFF2-40B4-BE49-F238E27FC236}">
-                <a16:creationId xmlns:a16="http://schemas.microsoft.com/office/drawing/2014/main" id="{CC1D6105-2873-4FF2-B083-135EE3E673E6}"/>
-              </a:ext>
-            </a:extLst>
-          </p:cNvPr>
-          <p:cNvCxnSpPr>
-            <a:cxnSpLocks/>
-            <a:stCxn id="8" idx="2"/>
-            <a:endCxn id="19" idx="2"/>
-          </p:cNvCxnSpPr>
-          <p:nvPr/>
-        </p:nvCxnSpPr>
-        <p:spPr>
-          <a:xfrm>
-            <a:off x="1656898" y="2702764"/>
-            <a:ext cx="944249" cy="2170405"/>
-          </a:xfrm>
-          <a:prstGeom prst="line">
-            <a:avLst/>
-          </a:prstGeom>
-        </p:spPr>
-        <p:style>
-          <a:lnRef idx="1">
-            <a:schemeClr val="accent1"/>
-          </a:lnRef>
-          <a:fillRef idx="0">
-            <a:schemeClr val="accent1"/>
-          </a:fillRef>
-          <a:effectRef idx="0">
-            <a:schemeClr val="accent1"/>
-          </a:effectRef>
-          <a:fontRef idx="minor">
-            <a:schemeClr val="tx1"/>
-          </a:fontRef>
-        </p:style>
-      </p:cxnSp>
-      <p:cxnSp>
-        <p:nvCxnSpPr>
-          <p:cNvPr id="32" name="直接连接符 31">
-            <a:extLst>
-              <a:ext uri="{FF2B5EF4-FFF2-40B4-BE49-F238E27FC236}">
-                <a16:creationId xmlns:a16="http://schemas.microsoft.com/office/drawing/2014/main" id="{4ED428C2-5D0A-4862-91AA-7139BE86D7CB}"/>
-              </a:ext>
-            </a:extLst>
-          </p:cNvPr>
-          <p:cNvCxnSpPr>
-            <a:stCxn id="19" idx="6"/>
-            <a:endCxn id="16" idx="1"/>
-          </p:cNvCxnSpPr>
-          <p:nvPr/>
-        </p:nvCxnSpPr>
-        <p:spPr>
-          <a:xfrm>
-            <a:off x="3748770" y="4873169"/>
-            <a:ext cx="558090" cy="414"/>
-          </a:xfrm>
-          <a:prstGeom prst="line">
-            <a:avLst/>
-          </a:prstGeom>
-        </p:spPr>
-        <p:style>
-          <a:lnRef idx="1">
-            <a:schemeClr val="accent1"/>
-          </a:lnRef>
-          <a:fillRef idx="0">
-            <a:schemeClr val="accent1"/>
-          </a:fillRef>
-          <a:effectRef idx="0">
-            <a:schemeClr val="accent1"/>
-          </a:effectRef>
-          <a:fontRef idx="minor">
-            <a:schemeClr val="tx1"/>
-          </a:fontRef>
-        </p:style>
-      </p:cxnSp>
-      <p:sp>
-        <p:nvSpPr>
-          <p:cNvPr id="44" name="矩形 43">
-            <a:extLst>
-              <a:ext uri="{FF2B5EF4-FFF2-40B4-BE49-F238E27FC236}">
-                <a16:creationId xmlns:a16="http://schemas.microsoft.com/office/drawing/2014/main" id="{7429C4EE-8883-4E6C-B2FE-FF189E2E7125}"/>
+      <p:sp>
+        <p:nvSpPr>
+          <p:cNvPr id="46" name="矩形 45">
+            <a:extLst>
+              <a:ext uri="{FF2B5EF4-FFF2-40B4-BE49-F238E27FC236}">
+                <a16:creationId xmlns:a16="http://schemas.microsoft.com/office/drawing/2014/main" id="{CFD5129E-2B11-4504-B4F0-8673853EBDF1}"/>
               </a:ext>
             </a:extLst>
           </p:cNvPr>
@@ -7885,8 +7399,8 @@
         </p:nvSpPr>
         <p:spPr>
           <a:xfrm>
-            <a:off x="772211" y="3732142"/>
-            <a:ext cx="7733364" cy="1699559"/>
+            <a:off x="772436" y="1979121"/>
+            <a:ext cx="7733364" cy="987516"/>
           </a:xfrm>
           <a:prstGeom prst="rect">
             <a:avLst/>
@@ -7919,47 +7433,44 @@
       </p:sp>
       <p:sp>
         <p:nvSpPr>
-          <p:cNvPr id="45" name="矩形 44">
-            <a:extLst>
-              <a:ext uri="{FF2B5EF4-FFF2-40B4-BE49-F238E27FC236}">
-                <a16:creationId xmlns:a16="http://schemas.microsoft.com/office/drawing/2014/main" id="{8330C77E-9B83-41F3-A91C-C4388EB54DBD}"/>
-              </a:ext>
-            </a:extLst>
-          </p:cNvPr>
-          <p:cNvSpPr/>
+          <p:cNvPr id="53" name="文本框 52">
+            <a:extLst>
+              <a:ext uri="{FF2B5EF4-FFF2-40B4-BE49-F238E27FC236}">
+                <a16:creationId xmlns:a16="http://schemas.microsoft.com/office/drawing/2014/main" id="{64533566-AF5B-4AD6-849E-29248992141D}"/>
+              </a:ext>
+            </a:extLst>
+          </p:cNvPr>
+          <p:cNvSpPr txBox="1"/>
           <p:nvPr/>
         </p:nvSpPr>
         <p:spPr>
           <a:xfrm>
-            <a:off x="752619" y="1979628"/>
-            <a:ext cx="7733364" cy="987516"/>
+            <a:off x="8720438" y="2257695"/>
+            <a:ext cx="1912998" cy="369332"/>
           </a:xfrm>
           <a:prstGeom prst="rect">
             <a:avLst/>
           </a:prstGeom>
           <a:noFill/>
-          <a:ln w="76200"/>
-        </p:spPr>
-        <p:style>
-          <a:lnRef idx="2">
-            <a:schemeClr val="accent3"/>
-          </a:lnRef>
-          <a:fillRef idx="1">
-            <a:schemeClr val="lt1"/>
-          </a:fillRef>
-          <a:effectRef idx="0">
-            <a:schemeClr val="accent3"/>
-          </a:effectRef>
-          <a:fontRef idx="minor">
-            <a:schemeClr val="dk1"/>
-          </a:fontRef>
-        </p:style>
-        <p:txBody>
-          <a:bodyPr rtlCol="0" anchor="ctr"/>
-          <a:lstStyle/>
-          <a:p>
-            <a:pPr algn="ctr"/>
-            <a:endParaRPr lang="zh-CN" altLang="en-US" dirty="0"/>
+        </p:spPr>
+        <p:txBody>
+          <a:bodyPr wrap="square" rtlCol="0">
+            <a:spAutoFit/>
+          </a:bodyPr>
+          <a:lstStyle/>
+          <a:p>
+            <a:r>
+              <a:rPr lang="en-US" altLang="zh-CN" b="1" dirty="0"/>
+              <a:t>Controller</a:t>
+            </a:r>
+            <a:r>
+              <a:rPr lang="zh-CN" altLang="en-US" b="1" dirty="0"/>
+              <a:t> </a:t>
+            </a:r>
+            <a:r>
+              <a:rPr lang="en-US" altLang="zh-CN" b="1" dirty="0"/>
+              <a:t>Stub</a:t>
+            </a:r>
           </a:p>
         </p:txBody>
       </p:sp>
@@ -7968,7 +7479,7 @@
           <p:cNvPr id="3" name="文本框 2">
             <a:extLst>
               <a:ext uri="{FF2B5EF4-FFF2-40B4-BE49-F238E27FC236}">
-                <a16:creationId xmlns:a16="http://schemas.microsoft.com/office/drawing/2014/main" id="{EA87F80E-4869-4B55-88FD-D100D984FC6B}"/>
+                <a16:creationId xmlns:a16="http://schemas.microsoft.com/office/drawing/2014/main" id="{349BB80B-FC24-4A23-AAC9-3B6572BBBC52}"/>
               </a:ext>
             </a:extLst>
           </p:cNvPr>
@@ -7977,8 +7488,8 @@
         </p:nvSpPr>
         <p:spPr>
           <a:xfrm>
-            <a:off x="8720438" y="2257695"/>
-            <a:ext cx="1912998" cy="369332"/>
+            <a:off x="5325838" y="2340618"/>
+            <a:ext cx="2412830" cy="369332"/>
           </a:xfrm>
           <a:prstGeom prst="rect">
             <a:avLst/>
@@ -7993,23 +7504,16 @@
           <a:p>
             <a:r>
               <a:rPr lang="en-US" altLang="zh-CN" b="1" dirty="0"/>
-              <a:t>Controller</a:t>
-            </a:r>
-            <a:r>
-              <a:rPr lang="zh-CN" altLang="en-US" b="1" dirty="0"/>
-              <a:t> </a:t>
-            </a:r>
-            <a:r>
-              <a:rPr lang="en-US" altLang="zh-CN" b="1" dirty="0"/>
-              <a:t>Stub</a:t>
-            </a:r>
+              <a:t>SIMULATOR_QUEUE</a:t>
+            </a:r>
+            <a:endParaRPr lang="zh-CN" altLang="en-US" b="1" dirty="0"/>
           </a:p>
         </p:txBody>
       </p:sp>
     </p:spTree>
     <p:extLst>
       <p:ext uri="{BB962C8B-B14F-4D97-AF65-F5344CB8AC3E}">
-        <p14:creationId xmlns:p14="http://schemas.microsoft.com/office/powerpoint/2010/main" val="1919997260"/>
+        <p14:creationId xmlns:p14="http://schemas.microsoft.com/office/powerpoint/2010/main" val="107737809"/>
       </p:ext>
     </p:extLst>
   </p:cSld>
@@ -8041,7 +7545,7 @@
           <p:cNvPr id="2" name="标题 1">
             <a:extLst>
               <a:ext uri="{FF2B5EF4-FFF2-40B4-BE49-F238E27FC236}">
-                <a16:creationId xmlns:a16="http://schemas.microsoft.com/office/drawing/2014/main" id="{5C1DA6A9-3BE8-49B1-B60F-440D5A6F4C9F}"/>
+                <a16:creationId xmlns:a16="http://schemas.microsoft.com/office/drawing/2014/main" id="{6E740AF9-6402-4D89-9336-859629ABC5B2}"/>
               </a:ext>
             </a:extLst>
           </p:cNvPr>
@@ -8052,685 +7556,65 @@
             <p:ph type="title"/>
           </p:nvPr>
         </p:nvSpPr>
-        <p:spPr>
-          <a:xfrm>
-            <a:off x="838200" y="233149"/>
-            <a:ext cx="10515600" cy="1325563"/>
-          </a:xfrm>
-        </p:spPr>
+        <p:spPr/>
         <p:txBody>
           <a:bodyPr/>
           <a:lstStyle/>
           <a:p>
             <a:r>
               <a:rPr lang="zh-CN" altLang="en-US" dirty="0"/>
-              <a:t>模拟器结构</a:t>
-            </a:r>
-          </a:p>
-        </p:txBody>
-      </p:sp>
-      <p:sp>
-        <p:nvSpPr>
-          <p:cNvPr id="15" name="云形 14">
-            <a:extLst>
-              <a:ext uri="{FF2B5EF4-FFF2-40B4-BE49-F238E27FC236}">
-                <a16:creationId xmlns:a16="http://schemas.microsoft.com/office/drawing/2014/main" id="{42C74518-12EC-40D2-916D-44DFFCADC7B6}"/>
-              </a:ext>
-            </a:extLst>
-          </p:cNvPr>
-          <p:cNvSpPr/>
-          <p:nvPr/>
-        </p:nvSpPr>
-        <p:spPr>
-          <a:xfrm>
-            <a:off x="1131677" y="3956717"/>
-            <a:ext cx="2782318" cy="1132766"/>
-          </a:xfrm>
-          <a:prstGeom prst="cloud">
-            <a:avLst/>
-          </a:prstGeom>
-        </p:spPr>
-        <p:style>
-          <a:lnRef idx="2">
-            <a:schemeClr val="dk1"/>
-          </a:lnRef>
-          <a:fillRef idx="1">
-            <a:schemeClr val="lt1"/>
-          </a:fillRef>
-          <a:effectRef idx="0">
-            <a:schemeClr val="dk1"/>
-          </a:effectRef>
-          <a:fontRef idx="minor">
-            <a:schemeClr val="dk1"/>
-          </a:fontRef>
-        </p:style>
-        <p:txBody>
-          <a:bodyPr rtlCol="0" anchor="ctr"/>
-          <a:lstStyle/>
-          <a:p>
-            <a:pPr algn="ctr"/>
-            <a:endParaRPr lang="zh-CN" altLang="en-US"/>
-          </a:p>
-        </p:txBody>
-      </p:sp>
-      <p:sp>
-        <p:nvSpPr>
-          <p:cNvPr id="16" name="矩形 15">
-            <a:extLst>
-              <a:ext uri="{FF2B5EF4-FFF2-40B4-BE49-F238E27FC236}">
-                <a16:creationId xmlns:a16="http://schemas.microsoft.com/office/drawing/2014/main" id="{3D58024B-8758-43E7-ACD5-B01ECEBFEFF9}"/>
-              </a:ext>
-            </a:extLst>
-          </p:cNvPr>
-          <p:cNvSpPr/>
-          <p:nvPr/>
-        </p:nvSpPr>
-        <p:spPr>
-          <a:xfrm>
-            <a:off x="4306860" y="4614760"/>
-            <a:ext cx="858537" cy="517645"/>
-          </a:xfrm>
-          <a:prstGeom prst="rect">
-            <a:avLst/>
-          </a:prstGeom>
-        </p:spPr>
-        <p:style>
-          <a:lnRef idx="2">
-            <a:schemeClr val="accent1">
-              <a:shade val="50000"/>
-            </a:schemeClr>
-          </a:lnRef>
-          <a:fillRef idx="1">
-            <a:schemeClr val="accent1"/>
-          </a:fillRef>
-          <a:effectRef idx="0">
-            <a:schemeClr val="accent1"/>
-          </a:effectRef>
-          <a:fontRef idx="minor">
-            <a:schemeClr val="lt1"/>
-          </a:fontRef>
-        </p:style>
-        <p:txBody>
-          <a:bodyPr rtlCol="0" anchor="ctr"/>
-          <a:lstStyle/>
-          <a:p>
-            <a:pPr algn="ctr"/>
-            <a:r>
-              <a:rPr lang="en-US" altLang="zh-CN" dirty="0"/>
-              <a:t>Server</a:t>
+              <a:t>功能</a:t>
+            </a:r>
+          </a:p>
+        </p:txBody>
+      </p:sp>
+      <p:sp>
+        <p:nvSpPr>
+          <p:cNvPr id="3" name="内容占位符 2">
+            <a:extLst>
+              <a:ext uri="{FF2B5EF4-FFF2-40B4-BE49-F238E27FC236}">
+                <a16:creationId xmlns:a16="http://schemas.microsoft.com/office/drawing/2014/main" id="{CCC05A77-7AB0-445C-9093-006B6BE87E81}"/>
+              </a:ext>
+            </a:extLst>
+          </p:cNvPr>
+          <p:cNvSpPr>
+            <a:spLocks noGrp="1"/>
+          </p:cNvSpPr>
+          <p:nvPr>
+            <p:ph idx="1"/>
+          </p:nvPr>
+        </p:nvSpPr>
+        <p:spPr/>
+        <p:txBody>
+          <a:bodyPr/>
+          <a:lstStyle/>
+          <a:p>
+            <a:r>
+              <a:rPr lang="zh-CN" altLang="en-US" dirty="0"/>
+              <a:t>模拟数据中心网络</a:t>
+            </a:r>
+            <a:endParaRPr lang="en-US" altLang="zh-CN" dirty="0"/>
+          </a:p>
+          <a:p>
+            <a:r>
+              <a:rPr lang="zh-CN" altLang="en-US" dirty="0"/>
+              <a:t>模拟流量变化，模拟故障</a:t>
+            </a:r>
+            <a:endParaRPr lang="en-US" altLang="zh-CN" dirty="0"/>
+          </a:p>
+          <a:p>
+            <a:r>
+              <a:rPr lang="en-US" altLang="zh-CN" dirty="0" err="1"/>
+              <a:t>networkx</a:t>
             </a:r>
             <a:endParaRPr lang="zh-CN" altLang="en-US" dirty="0"/>
-          </a:p>
-        </p:txBody>
-      </p:sp>
-      <p:sp>
-        <p:nvSpPr>
-          <p:cNvPr id="17" name="矩形 16">
-            <a:extLst>
-              <a:ext uri="{FF2B5EF4-FFF2-40B4-BE49-F238E27FC236}">
-                <a16:creationId xmlns:a16="http://schemas.microsoft.com/office/drawing/2014/main" id="{7D1518EF-2408-4617-A04A-71C23FF3AD0E}"/>
-              </a:ext>
-            </a:extLst>
-          </p:cNvPr>
-          <p:cNvSpPr/>
-          <p:nvPr/>
-        </p:nvSpPr>
-        <p:spPr>
-          <a:xfrm>
-            <a:off x="5787818" y="4614346"/>
-            <a:ext cx="858537" cy="517645"/>
-          </a:xfrm>
-          <a:prstGeom prst="rect">
-            <a:avLst/>
-          </a:prstGeom>
-        </p:spPr>
-        <p:style>
-          <a:lnRef idx="2">
-            <a:schemeClr val="accent1">
-              <a:shade val="50000"/>
-            </a:schemeClr>
-          </a:lnRef>
-          <a:fillRef idx="1">
-            <a:schemeClr val="accent1"/>
-          </a:fillRef>
-          <a:effectRef idx="0">
-            <a:schemeClr val="accent1"/>
-          </a:effectRef>
-          <a:fontRef idx="minor">
-            <a:schemeClr val="lt1"/>
-          </a:fontRef>
-        </p:style>
-        <p:txBody>
-          <a:bodyPr rtlCol="0" anchor="ctr"/>
-          <a:lstStyle/>
-          <a:p>
-            <a:pPr algn="ctr"/>
-            <a:r>
-              <a:rPr lang="en-US" altLang="zh-CN" dirty="0"/>
-              <a:t>Server</a:t>
-            </a:r>
-            <a:endParaRPr lang="zh-CN" altLang="en-US" dirty="0"/>
-          </a:p>
-        </p:txBody>
-      </p:sp>
-      <p:sp>
-        <p:nvSpPr>
-          <p:cNvPr id="18" name="椭圆 17">
-            <a:extLst>
-              <a:ext uri="{FF2B5EF4-FFF2-40B4-BE49-F238E27FC236}">
-                <a16:creationId xmlns:a16="http://schemas.microsoft.com/office/drawing/2014/main" id="{3FE2C352-6B46-4A39-9F98-B57D7656C0E3}"/>
-              </a:ext>
-            </a:extLst>
-          </p:cNvPr>
-          <p:cNvSpPr/>
-          <p:nvPr/>
-        </p:nvSpPr>
-        <p:spPr>
-          <a:xfrm>
-            <a:off x="1875416" y="3901704"/>
-            <a:ext cx="1175727" cy="593889"/>
-          </a:xfrm>
-          <a:prstGeom prst="ellipse">
-            <a:avLst/>
-          </a:prstGeom>
-        </p:spPr>
-        <p:style>
-          <a:lnRef idx="2">
-            <a:schemeClr val="accent1">
-              <a:shade val="50000"/>
-            </a:schemeClr>
-          </a:lnRef>
-          <a:fillRef idx="1">
-            <a:schemeClr val="accent1"/>
-          </a:fillRef>
-          <a:effectRef idx="0">
-            <a:schemeClr val="accent1"/>
-          </a:effectRef>
-          <a:fontRef idx="minor">
-            <a:schemeClr val="lt1"/>
-          </a:fontRef>
-        </p:style>
-        <p:txBody>
-          <a:bodyPr rtlCol="0" anchor="ctr"/>
-          <a:lstStyle/>
-          <a:p>
-            <a:pPr algn="ctr"/>
-            <a:r>
-              <a:rPr lang="en-US" altLang="zh-CN" dirty="0"/>
-              <a:t>P4 switch</a:t>
-            </a:r>
-            <a:endParaRPr lang="zh-CN" altLang="en-US" dirty="0"/>
-          </a:p>
-        </p:txBody>
-      </p:sp>
-      <p:sp>
-        <p:nvSpPr>
-          <p:cNvPr id="19" name="椭圆 18">
-            <a:extLst>
-              <a:ext uri="{FF2B5EF4-FFF2-40B4-BE49-F238E27FC236}">
-                <a16:creationId xmlns:a16="http://schemas.microsoft.com/office/drawing/2014/main" id="{F43114ED-2AC2-4F70-88C3-96D0D51A17D7}"/>
-              </a:ext>
-            </a:extLst>
-          </p:cNvPr>
-          <p:cNvSpPr/>
-          <p:nvPr/>
-        </p:nvSpPr>
-        <p:spPr>
-          <a:xfrm>
-            <a:off x="2601147" y="4576224"/>
-            <a:ext cx="1147623" cy="593889"/>
-          </a:xfrm>
-          <a:prstGeom prst="ellipse">
-            <a:avLst/>
-          </a:prstGeom>
-        </p:spPr>
-        <p:style>
-          <a:lnRef idx="2">
-            <a:schemeClr val="accent1">
-              <a:shade val="50000"/>
-            </a:schemeClr>
-          </a:lnRef>
-          <a:fillRef idx="1">
-            <a:schemeClr val="accent1"/>
-          </a:fillRef>
-          <a:effectRef idx="0">
-            <a:schemeClr val="accent1"/>
-          </a:effectRef>
-          <a:fontRef idx="minor">
-            <a:schemeClr val="lt1"/>
-          </a:fontRef>
-        </p:style>
-        <p:txBody>
-          <a:bodyPr rtlCol="0" anchor="ctr"/>
-          <a:lstStyle/>
-          <a:p>
-            <a:pPr algn="ctr"/>
-            <a:r>
-              <a:rPr lang="en-US" altLang="zh-CN" dirty="0"/>
-              <a:t>P4 switch</a:t>
-            </a:r>
-            <a:endParaRPr lang="zh-CN" altLang="en-US" dirty="0"/>
-          </a:p>
-        </p:txBody>
-      </p:sp>
-      <p:sp>
-        <p:nvSpPr>
-          <p:cNvPr id="20" name="椭圆 19">
-            <a:extLst>
-              <a:ext uri="{FF2B5EF4-FFF2-40B4-BE49-F238E27FC236}">
-                <a16:creationId xmlns:a16="http://schemas.microsoft.com/office/drawing/2014/main" id="{B7E86C8A-4C1D-43E1-A19D-5B64370640B2}"/>
-              </a:ext>
-            </a:extLst>
-          </p:cNvPr>
-          <p:cNvSpPr/>
-          <p:nvPr/>
-        </p:nvSpPr>
-        <p:spPr>
-          <a:xfrm>
-            <a:off x="1148486" y="4583792"/>
-            <a:ext cx="1147623" cy="593889"/>
-          </a:xfrm>
-          <a:prstGeom prst="ellipse">
-            <a:avLst/>
-          </a:prstGeom>
-        </p:spPr>
-        <p:style>
-          <a:lnRef idx="2">
-            <a:schemeClr val="accent1">
-              <a:shade val="50000"/>
-            </a:schemeClr>
-          </a:lnRef>
-          <a:fillRef idx="1">
-            <a:schemeClr val="accent1"/>
-          </a:fillRef>
-          <a:effectRef idx="0">
-            <a:schemeClr val="accent1"/>
-          </a:effectRef>
-          <a:fontRef idx="minor">
-            <a:schemeClr val="lt1"/>
-          </a:fontRef>
-        </p:style>
-        <p:txBody>
-          <a:bodyPr rtlCol="0" anchor="ctr"/>
-          <a:lstStyle/>
-          <a:p>
-            <a:pPr algn="ctr"/>
-            <a:r>
-              <a:rPr lang="en-US" altLang="zh-CN" dirty="0"/>
-              <a:t>P4 switch</a:t>
-            </a:r>
-            <a:endParaRPr lang="zh-CN" altLang="en-US" dirty="0"/>
-          </a:p>
-        </p:txBody>
-      </p:sp>
-      <p:cxnSp>
-        <p:nvCxnSpPr>
-          <p:cNvPr id="32" name="直接连接符 31">
-            <a:extLst>
-              <a:ext uri="{FF2B5EF4-FFF2-40B4-BE49-F238E27FC236}">
-                <a16:creationId xmlns:a16="http://schemas.microsoft.com/office/drawing/2014/main" id="{4ED428C2-5D0A-4862-91AA-7139BE86D7CB}"/>
-              </a:ext>
-            </a:extLst>
-          </p:cNvPr>
-          <p:cNvCxnSpPr>
-            <a:stCxn id="19" idx="6"/>
-            <a:endCxn id="16" idx="1"/>
-          </p:cNvCxnSpPr>
-          <p:nvPr/>
-        </p:nvCxnSpPr>
-        <p:spPr>
-          <a:xfrm>
-            <a:off x="3748770" y="4873169"/>
-            <a:ext cx="558090" cy="414"/>
-          </a:xfrm>
-          <a:prstGeom prst="line">
-            <a:avLst/>
-          </a:prstGeom>
-        </p:spPr>
-        <p:style>
-          <a:lnRef idx="1">
-            <a:schemeClr val="accent1"/>
-          </a:lnRef>
-          <a:fillRef idx="0">
-            <a:schemeClr val="accent1"/>
-          </a:fillRef>
-          <a:effectRef idx="0">
-            <a:schemeClr val="accent1"/>
-          </a:effectRef>
-          <a:fontRef idx="minor">
-            <a:schemeClr val="tx1"/>
-          </a:fontRef>
-        </p:style>
-      </p:cxnSp>
-      <p:sp>
-        <p:nvSpPr>
-          <p:cNvPr id="44" name="矩形 43">
-            <a:extLst>
-              <a:ext uri="{FF2B5EF4-FFF2-40B4-BE49-F238E27FC236}">
-                <a16:creationId xmlns:a16="http://schemas.microsoft.com/office/drawing/2014/main" id="{7429C4EE-8883-4E6C-B2FE-FF189E2E7125}"/>
-              </a:ext>
-            </a:extLst>
-          </p:cNvPr>
-          <p:cNvSpPr/>
-          <p:nvPr/>
-        </p:nvSpPr>
-        <p:spPr>
-          <a:xfrm>
-            <a:off x="772211" y="3732142"/>
-            <a:ext cx="7733364" cy="1699559"/>
-          </a:xfrm>
-          <a:prstGeom prst="rect">
-            <a:avLst/>
-          </a:prstGeom>
-          <a:noFill/>
-          <a:ln w="76200"/>
-        </p:spPr>
-        <p:style>
-          <a:lnRef idx="2">
-            <a:schemeClr val="accent3"/>
-          </a:lnRef>
-          <a:fillRef idx="1">
-            <a:schemeClr val="lt1"/>
-          </a:fillRef>
-          <a:effectRef idx="0">
-            <a:schemeClr val="accent3"/>
-          </a:effectRef>
-          <a:fontRef idx="minor">
-            <a:schemeClr val="dk1"/>
-          </a:fontRef>
-        </p:style>
-        <p:txBody>
-          <a:bodyPr rtlCol="0" anchor="ctr"/>
-          <a:lstStyle/>
-          <a:p>
-            <a:pPr algn="ctr"/>
-            <a:endParaRPr lang="zh-CN" altLang="en-US" dirty="0"/>
-          </a:p>
-        </p:txBody>
-      </p:sp>
-      <p:sp>
-        <p:nvSpPr>
-          <p:cNvPr id="33" name="矩形 32">
-            <a:extLst>
-              <a:ext uri="{FF2B5EF4-FFF2-40B4-BE49-F238E27FC236}">
-                <a16:creationId xmlns:a16="http://schemas.microsoft.com/office/drawing/2014/main" id="{2BF5BDC4-7A73-4607-92A3-6CA5AC84D3E6}"/>
-              </a:ext>
-            </a:extLst>
-          </p:cNvPr>
-          <p:cNvSpPr/>
-          <p:nvPr/>
-        </p:nvSpPr>
-        <p:spPr>
-          <a:xfrm>
-            <a:off x="3989881" y="2253342"/>
-            <a:ext cx="1298023" cy="471686"/>
-          </a:xfrm>
-          <a:prstGeom prst="rect">
-            <a:avLst/>
-          </a:prstGeom>
-        </p:spPr>
-        <p:style>
-          <a:lnRef idx="2">
-            <a:schemeClr val="accent6">
-              <a:shade val="50000"/>
-            </a:schemeClr>
-          </a:lnRef>
-          <a:fillRef idx="1">
-            <a:schemeClr val="accent6"/>
-          </a:fillRef>
-          <a:effectRef idx="0">
-            <a:schemeClr val="accent6"/>
-          </a:effectRef>
-          <a:fontRef idx="minor">
-            <a:schemeClr val="lt1"/>
-          </a:fontRef>
-        </p:style>
-        <p:txBody>
-          <a:bodyPr rtlCol="0" anchor="ctr"/>
-          <a:lstStyle/>
-          <a:p>
-            <a:pPr algn="ctr"/>
-            <a:r>
-              <a:rPr lang="en-US" altLang="zh-CN" dirty="0"/>
-              <a:t>Simulator Controller</a:t>
-            </a:r>
-            <a:endParaRPr lang="zh-CN" altLang="en-US" dirty="0"/>
-          </a:p>
-        </p:txBody>
-      </p:sp>
-      <p:cxnSp>
-        <p:nvCxnSpPr>
-          <p:cNvPr id="34" name="直接连接符 33">
-            <a:extLst>
-              <a:ext uri="{FF2B5EF4-FFF2-40B4-BE49-F238E27FC236}">
-                <a16:creationId xmlns:a16="http://schemas.microsoft.com/office/drawing/2014/main" id="{F8EE1E51-DCCC-4945-BC20-5126F78ABB4D}"/>
-              </a:ext>
-            </a:extLst>
-          </p:cNvPr>
-          <p:cNvCxnSpPr>
-            <a:cxnSpLocks/>
-            <a:stCxn id="46" idx="2"/>
-            <a:endCxn id="44" idx="0"/>
-          </p:cNvCxnSpPr>
-          <p:nvPr/>
-        </p:nvCxnSpPr>
-        <p:spPr>
-          <a:xfrm>
-            <a:off x="4619301" y="2967144"/>
-            <a:ext cx="19592" cy="764998"/>
-          </a:xfrm>
-          <a:prstGeom prst="line">
-            <a:avLst/>
-          </a:prstGeom>
-          <a:ln w="38100"/>
-        </p:spPr>
-        <p:style>
-          <a:lnRef idx="1">
-            <a:schemeClr val="accent1"/>
-          </a:lnRef>
-          <a:fillRef idx="0">
-            <a:schemeClr val="accent1"/>
-          </a:fillRef>
-          <a:effectRef idx="0">
-            <a:schemeClr val="accent1"/>
-          </a:effectRef>
-          <a:fontRef idx="minor">
-            <a:schemeClr val="tx1"/>
-          </a:fontRef>
-        </p:style>
-      </p:cxnSp>
-      <p:sp>
-        <p:nvSpPr>
-          <p:cNvPr id="40" name="矩形 39">
-            <a:extLst>
-              <a:ext uri="{FF2B5EF4-FFF2-40B4-BE49-F238E27FC236}">
-                <a16:creationId xmlns:a16="http://schemas.microsoft.com/office/drawing/2014/main" id="{C2021D09-F249-47FE-87EE-ADED5720AE42}"/>
-              </a:ext>
-            </a:extLst>
-          </p:cNvPr>
-          <p:cNvSpPr/>
-          <p:nvPr/>
-        </p:nvSpPr>
-        <p:spPr>
-          <a:xfrm>
-            <a:off x="9325018" y="4317401"/>
-            <a:ext cx="858537" cy="517645"/>
-          </a:xfrm>
-          <a:prstGeom prst="rect">
-            <a:avLst/>
-          </a:prstGeom>
-          <a:noFill/>
-          <a:ln w="76200"/>
-        </p:spPr>
-        <p:style>
-          <a:lnRef idx="2">
-            <a:schemeClr val="accent3"/>
-          </a:lnRef>
-          <a:fillRef idx="1">
-            <a:schemeClr val="lt1"/>
-          </a:fillRef>
-          <a:effectRef idx="0">
-            <a:schemeClr val="accent3"/>
-          </a:effectRef>
-          <a:fontRef idx="minor">
-            <a:schemeClr val="dk1"/>
-          </a:fontRef>
-        </p:style>
-        <p:txBody>
-          <a:bodyPr rtlCol="0" anchor="ctr"/>
-          <a:lstStyle/>
-          <a:p>
-            <a:pPr algn="ctr"/>
-            <a:r>
-              <a:rPr lang="en-US" altLang="zh-CN" dirty="0">
-                <a:solidFill>
-                  <a:schemeClr val="dk1"/>
-                </a:solidFill>
-              </a:rPr>
-              <a:t>CLI</a:t>
-            </a:r>
-            <a:endParaRPr lang="zh-CN" altLang="en-US" dirty="0">
-              <a:solidFill>
-                <a:schemeClr val="dk1"/>
-              </a:solidFill>
-            </a:endParaRPr>
-          </a:p>
-        </p:txBody>
-      </p:sp>
-      <p:cxnSp>
-        <p:nvCxnSpPr>
-          <p:cNvPr id="42" name="直接连接符 41">
-            <a:extLst>
-              <a:ext uri="{FF2B5EF4-FFF2-40B4-BE49-F238E27FC236}">
-                <a16:creationId xmlns:a16="http://schemas.microsoft.com/office/drawing/2014/main" id="{35B52D52-3CE9-46E0-912E-3827E2455111}"/>
-              </a:ext>
-            </a:extLst>
-          </p:cNvPr>
-          <p:cNvCxnSpPr>
-            <a:cxnSpLocks/>
-            <a:stCxn id="40" idx="1"/>
-            <a:endCxn id="44" idx="3"/>
-          </p:cNvCxnSpPr>
-          <p:nvPr/>
-        </p:nvCxnSpPr>
-        <p:spPr>
-          <a:xfrm flipH="1">
-            <a:off x="8505575" y="4576224"/>
-            <a:ext cx="819443" cy="5698"/>
-          </a:xfrm>
-          <a:prstGeom prst="line">
-            <a:avLst/>
-          </a:prstGeom>
-          <a:ln w="38100"/>
-        </p:spPr>
-        <p:style>
-          <a:lnRef idx="1">
-            <a:schemeClr val="accent1"/>
-          </a:lnRef>
-          <a:fillRef idx="0">
-            <a:schemeClr val="accent1"/>
-          </a:fillRef>
-          <a:effectRef idx="0">
-            <a:schemeClr val="accent1"/>
-          </a:effectRef>
-          <a:fontRef idx="minor">
-            <a:schemeClr val="tx1"/>
-          </a:fontRef>
-        </p:style>
-      </p:cxnSp>
-      <p:sp>
-        <p:nvSpPr>
-          <p:cNvPr id="46" name="矩形 45">
-            <a:extLst>
-              <a:ext uri="{FF2B5EF4-FFF2-40B4-BE49-F238E27FC236}">
-                <a16:creationId xmlns:a16="http://schemas.microsoft.com/office/drawing/2014/main" id="{CFD5129E-2B11-4504-B4F0-8673853EBDF1}"/>
-              </a:ext>
-            </a:extLst>
-          </p:cNvPr>
-          <p:cNvSpPr/>
-          <p:nvPr/>
-        </p:nvSpPr>
-        <p:spPr>
-          <a:xfrm>
-            <a:off x="752619" y="1979628"/>
-            <a:ext cx="7733364" cy="987516"/>
-          </a:xfrm>
-          <a:prstGeom prst="rect">
-            <a:avLst/>
-          </a:prstGeom>
-          <a:noFill/>
-          <a:ln w="76200"/>
-        </p:spPr>
-        <p:style>
-          <a:lnRef idx="2">
-            <a:schemeClr val="accent3"/>
-          </a:lnRef>
-          <a:fillRef idx="1">
-            <a:schemeClr val="lt1"/>
-          </a:fillRef>
-          <a:effectRef idx="0">
-            <a:schemeClr val="accent3"/>
-          </a:effectRef>
-          <a:fontRef idx="minor">
-            <a:schemeClr val="dk1"/>
-          </a:fontRef>
-        </p:style>
-        <p:txBody>
-          <a:bodyPr rtlCol="0" anchor="ctr"/>
-          <a:lstStyle/>
-          <a:p>
-            <a:pPr algn="ctr"/>
-            <a:endParaRPr lang="zh-CN" altLang="en-US" dirty="0"/>
-          </a:p>
-        </p:txBody>
-      </p:sp>
-      <p:sp>
-        <p:nvSpPr>
-          <p:cNvPr id="53" name="文本框 52">
-            <a:extLst>
-              <a:ext uri="{FF2B5EF4-FFF2-40B4-BE49-F238E27FC236}">
-                <a16:creationId xmlns:a16="http://schemas.microsoft.com/office/drawing/2014/main" id="{64533566-AF5B-4AD6-849E-29248992141D}"/>
-              </a:ext>
-            </a:extLst>
-          </p:cNvPr>
-          <p:cNvSpPr txBox="1"/>
-          <p:nvPr/>
-        </p:nvSpPr>
-        <p:spPr>
-          <a:xfrm>
-            <a:off x="8720438" y="2257695"/>
-            <a:ext cx="1912998" cy="369332"/>
-          </a:xfrm>
-          <a:prstGeom prst="rect">
-            <a:avLst/>
-          </a:prstGeom>
-          <a:noFill/>
-        </p:spPr>
-        <p:txBody>
-          <a:bodyPr wrap="square" rtlCol="0">
-            <a:spAutoFit/>
-          </a:bodyPr>
-          <a:lstStyle/>
-          <a:p>
-            <a:r>
-              <a:rPr lang="en-US" altLang="zh-CN" b="1" dirty="0"/>
-              <a:t>Controller</a:t>
-            </a:r>
-            <a:r>
-              <a:rPr lang="zh-CN" altLang="en-US" b="1" dirty="0"/>
-              <a:t> </a:t>
-            </a:r>
-            <a:r>
-              <a:rPr lang="en-US" altLang="zh-CN" b="1" dirty="0"/>
-              <a:t>Stub</a:t>
-            </a:r>
           </a:p>
         </p:txBody>
       </p:sp>
     </p:spTree>
     <p:extLst>
       <p:ext uri="{BB962C8B-B14F-4D97-AF65-F5344CB8AC3E}">
-        <p14:creationId xmlns:p14="http://schemas.microsoft.com/office/powerpoint/2010/main" val="107737809"/>
+        <p14:creationId xmlns:p14="http://schemas.microsoft.com/office/powerpoint/2010/main" val="1313675749"/>
       </p:ext>
     </p:extLst>
   </p:cSld>
@@ -8762,7 +7646,7 @@
           <p:cNvPr id="2" name="标题 1">
             <a:extLst>
               <a:ext uri="{FF2B5EF4-FFF2-40B4-BE49-F238E27FC236}">
-                <a16:creationId xmlns:a16="http://schemas.microsoft.com/office/drawing/2014/main" id="{6E740AF9-6402-4D89-9336-859629ABC5B2}"/>
+                <a16:creationId xmlns:a16="http://schemas.microsoft.com/office/drawing/2014/main" id="{3B40BD9A-C055-48E6-9E48-FAD222DBD202}"/>
               </a:ext>
             </a:extLst>
           </p:cNvPr>
@@ -8779,8 +7663,8 @@
           <a:lstStyle/>
           <a:p>
             <a:r>
-              <a:rPr lang="zh-CN" altLang="en-US" dirty="0"/>
-              <a:t>功能</a:t>
+              <a:rPr lang="en-US" altLang="zh-CN" b="1" dirty="0"/>
+              <a:t>CLI Interface</a:t>
             </a:r>
           </a:p>
         </p:txBody>
@@ -8790,7 +7674,7 @@
           <p:cNvPr id="3" name="内容占位符 2">
             <a:extLst>
               <a:ext uri="{FF2B5EF4-FFF2-40B4-BE49-F238E27FC236}">
-                <a16:creationId xmlns:a16="http://schemas.microsoft.com/office/drawing/2014/main" id="{CCC05A77-7AB0-445C-9093-006B6BE87E81}"/>
+                <a16:creationId xmlns:a16="http://schemas.microsoft.com/office/drawing/2014/main" id="{7E1388CC-5B62-4E58-A428-0293D8B7ED8A}"/>
               </a:ext>
             </a:extLst>
           </p:cNvPr>
@@ -8803,35 +7687,131 @@
         </p:nvSpPr>
         <p:spPr/>
         <p:txBody>
-          <a:bodyPr/>
+          <a:bodyPr>
+            <a:normAutofit/>
+          </a:bodyPr>
           <a:lstStyle/>
           <a:p>
             <a:r>
               <a:rPr lang="zh-CN" altLang="en-US" dirty="0"/>
-              <a:t>模拟数据中心网络</a:t>
+              <a:t>登录</a:t>
+            </a:r>
+            <a:r>
+              <a:rPr lang="en-US" altLang="zh-CN" dirty="0" err="1"/>
+              <a:t>sam</a:t>
+            </a:r>
+            <a:r>
+              <a:rPr lang="en-US" altLang="zh-CN" dirty="0"/>
+              <a:t> simulator</a:t>
+            </a:r>
+          </a:p>
+          <a:p>
+            <a:pPr lvl="1"/>
+            <a:r>
+              <a:rPr lang="en-US" altLang="zh-CN" dirty="0"/>
+              <a:t>python </a:t>
+            </a:r>
+            <a:r>
+              <a:rPr lang="en-US" altLang="zh-CN" dirty="0" err="1"/>
+              <a:t>samSim</a:t>
             </a:r>
             <a:endParaRPr lang="en-US" altLang="zh-CN" dirty="0"/>
           </a:p>
           <a:p>
             <a:r>
               <a:rPr lang="zh-CN" altLang="en-US" dirty="0"/>
-              <a:t>模拟流量变化，模拟故障</a:t>
+              <a:t>设置模拟数据中心参数</a:t>
             </a:r>
             <a:endParaRPr lang="en-US" altLang="zh-CN" dirty="0"/>
           </a:p>
           <a:p>
-            <a:r>
-              <a:rPr lang="en-US" altLang="zh-CN" dirty="0" err="1"/>
-              <a:t>networkx</a:t>
-            </a:r>
-            <a:endParaRPr lang="zh-CN" altLang="en-US" dirty="0"/>
+            <a:pPr lvl="1"/>
+            <a:r>
+              <a:rPr lang="en-US" altLang="zh-CN" dirty="0"/>
+              <a:t>&gt; add –topo ./fat-tree-k=32.pickle</a:t>
+            </a:r>
+          </a:p>
+          <a:p>
+            <a:pPr lvl="1"/>
+            <a:r>
+              <a:rPr lang="en-US" altLang="zh-CN" dirty="0"/>
+              <a:t>&gt; reset</a:t>
+            </a:r>
+          </a:p>
+          <a:p>
+            <a:r>
+              <a:rPr lang="zh-CN" altLang="en-US" dirty="0"/>
+              <a:t>模拟故障</a:t>
+            </a:r>
+            <a:endParaRPr lang="en-US" altLang="zh-CN" dirty="0"/>
+          </a:p>
+          <a:p>
+            <a:pPr lvl="1"/>
+            <a:r>
+              <a:rPr lang="en-US" altLang="zh-CN" dirty="0"/>
+              <a:t>&gt; switch 3 down	# 1-10000</a:t>
+            </a:r>
+            <a:r>
+              <a:rPr lang="zh-CN" altLang="en-US" dirty="0"/>
+              <a:t>是交换机</a:t>
+            </a:r>
+            <a:r>
+              <a:rPr lang="en-US" altLang="zh-CN" dirty="0"/>
+              <a:t>id</a:t>
+            </a:r>
+          </a:p>
+          <a:p>
+            <a:pPr lvl="1"/>
+            <a:r>
+              <a:rPr lang="en-US" altLang="zh-CN" dirty="0"/>
+              <a:t>&gt; server 10005 down	# 10001</a:t>
+            </a:r>
+            <a:r>
+              <a:rPr lang="zh-CN" altLang="en-US" dirty="0"/>
+              <a:t>以上是服务器</a:t>
+            </a:r>
+            <a:r>
+              <a:rPr lang="en-US" altLang="zh-CN" dirty="0"/>
+              <a:t>id</a:t>
+            </a:r>
+          </a:p>
+          <a:p>
+            <a:pPr lvl="1"/>
+            <a:r>
+              <a:rPr lang="en-US" altLang="zh-CN" dirty="0"/>
+              <a:t>&gt; link 3 10005 down	# </a:t>
+            </a:r>
+            <a:r>
+              <a:rPr lang="zh-CN" altLang="en-US" dirty="0"/>
+              <a:t>连接交换机</a:t>
+            </a:r>
+            <a:r>
+              <a:rPr lang="en-US" altLang="zh-CN" dirty="0"/>
+              <a:t>3</a:t>
+            </a:r>
+            <a:r>
+              <a:rPr lang="zh-CN" altLang="en-US" dirty="0"/>
+              <a:t>和服务器</a:t>
+            </a:r>
+            <a:r>
+              <a:rPr lang="en-US" altLang="zh-CN" dirty="0"/>
+              <a:t>10001</a:t>
+            </a:r>
+            <a:r>
+              <a:rPr lang="zh-CN" altLang="en-US" dirty="0"/>
+              <a:t>的链路</a:t>
+            </a:r>
+            <a:endParaRPr lang="en-US" altLang="zh-CN" dirty="0"/>
+          </a:p>
+          <a:p>
+            <a:endParaRPr lang="en-US" altLang="zh-CN" dirty="0"/>
           </a:p>
         </p:txBody>
       </p:sp>
     </p:spTree>
     <p:extLst>
       <p:ext uri="{BB962C8B-B14F-4D97-AF65-F5344CB8AC3E}">
-        <p14:creationId xmlns:p14="http://schemas.microsoft.com/office/powerpoint/2010/main" val="1313675749"/>
+        <p14:creationId xmlns:p14="http://schemas.microsoft.com/office/powerpoint/2010/main" val="746324582"/>
       </p:ext>
     </p:extLst>
   </p:cSld>
@@ -8904,77 +7884,30 @@
         </p:nvSpPr>
         <p:spPr/>
         <p:txBody>
-          <a:bodyPr/>
+          <a:bodyPr>
+            <a:normAutofit/>
+          </a:bodyPr>
           <a:lstStyle/>
           <a:p>
             <a:r>
               <a:rPr lang="zh-CN" altLang="en-US" dirty="0"/>
-              <a:t>登录</a:t>
+              <a:t>产生流量</a:t>
+            </a:r>
+            <a:endParaRPr lang="en-US" altLang="zh-CN" dirty="0"/>
+          </a:p>
+          <a:p>
+            <a:pPr lvl="1"/>
+            <a:r>
+              <a:rPr lang="en-US" altLang="zh-CN" dirty="0"/>
+              <a:t>&gt; add/del –traffic t1 </a:t>
             </a:r>
             <a:r>
               <a:rPr lang="en-US" altLang="zh-CN" dirty="0" err="1"/>
-              <a:t>sam</a:t>
+              <a:t>sfci</a:t>
             </a:r>
             <a:r>
               <a:rPr lang="en-US" altLang="zh-CN" dirty="0"/>
-              <a:t> simulator</a:t>
-            </a:r>
-          </a:p>
-          <a:p>
-            <a:pPr lvl="1"/>
-            <a:r>
-              <a:rPr lang="en-US" altLang="zh-CN" dirty="0"/>
-              <a:t>python </a:t>
-            </a:r>
-            <a:r>
-              <a:rPr lang="en-US" altLang="zh-CN" dirty="0" err="1"/>
-              <a:t>samSim</a:t>
-            </a:r>
-            <a:endParaRPr lang="en-US" altLang="zh-CN" dirty="0"/>
-          </a:p>
-          <a:p>
-            <a:r>
-              <a:rPr lang="zh-CN" altLang="en-US" dirty="0"/>
-              <a:t>设置模拟数据中心参数</a:t>
-            </a:r>
-            <a:endParaRPr lang="en-US" altLang="zh-CN" dirty="0"/>
-          </a:p>
-          <a:p>
-            <a:pPr lvl="1"/>
-            <a:r>
-              <a:rPr lang="en-US" altLang="zh-CN" dirty="0"/>
-              <a:t>&gt; add/del -switch n1 </a:t>
-            </a:r>
-          </a:p>
-          <a:p>
-            <a:pPr lvl="1"/>
-            <a:r>
-              <a:rPr lang="en-US" altLang="zh-CN" dirty="0"/>
-              <a:t>&gt; add/del -server s1</a:t>
-            </a:r>
-          </a:p>
-          <a:p>
-            <a:pPr lvl="1"/>
-            <a:r>
-              <a:rPr lang="en-US" altLang="zh-CN" dirty="0"/>
-              <a:t>&gt; add/del -link n1 s1</a:t>
-            </a:r>
-          </a:p>
-          <a:p>
-            <a:r>
-              <a:rPr lang="zh-CN" altLang="en-US" dirty="0"/>
-              <a:t>部署</a:t>
-            </a:r>
-            <a:r>
-              <a:rPr lang="en-US" altLang="zh-CN" dirty="0"/>
-              <a:t>flow</a:t>
-            </a:r>
-          </a:p>
-          <a:p>
-            <a:pPr lvl="1"/>
-            <a:r>
-              <a:rPr lang="en-US" altLang="zh-CN" dirty="0"/>
-              <a:t>&gt; add/del -flow f1 -route s1 n1 n2 n3 s2 –</a:t>
+              <a:t> –</a:t>
             </a:r>
             <a:r>
               <a:rPr lang="en-US" altLang="zh-CN" dirty="0" err="1"/>
@@ -8982,7 +7915,7 @@
             </a:r>
             <a:r>
               <a:rPr lang="en-US" altLang="zh-CN" dirty="0"/>
-              <a:t> 10	# 10Mbps</a:t>
+              <a:t> 10 # 10Mbps</a:t>
             </a:r>
           </a:p>
           <a:p>
@@ -8993,27 +7926,128 @@
             </a:r>
             <a:r>
               <a:rPr lang="en-US" altLang="zh-CN" dirty="0" err="1"/>
-              <a:t>sfciFlow</a:t>
+              <a:t>defaultTrafficMatrix</a:t>
             </a:r>
             <a:r>
               <a:rPr lang="en-US" altLang="zh-CN" dirty="0"/>
-              <a:t> sf1 –route s1 n1 n2 n3 s2 n4 n5 s3 –</a:t>
+              <a:t> # </a:t>
+            </a:r>
+            <a:r>
+              <a:rPr lang="zh-CN" altLang="en-US" dirty="0"/>
+              <a:t>给模拟器中所有的</a:t>
             </a:r>
             <a:r>
               <a:rPr lang="en-US" altLang="zh-CN" dirty="0" err="1"/>
-              <a:t>trafficRate</a:t>
+              <a:t>sfci</a:t>
+            </a:r>
+            <a:r>
+              <a:rPr lang="zh-CN" altLang="en-US" dirty="0"/>
+              <a:t>生成随机的服从</a:t>
             </a:r>
             <a:r>
               <a:rPr lang="en-US" altLang="zh-CN" dirty="0"/>
-              <a:t> 10</a:t>
-            </a:r>
+              <a:t>[10, 100]Mbps</a:t>
+            </a:r>
+            <a:r>
+              <a:rPr lang="zh-CN" altLang="en-US" dirty="0"/>
+              <a:t>均匀分布的流量</a:t>
+            </a:r>
+            <a:endParaRPr lang="en-US" altLang="zh-CN" dirty="0"/>
+          </a:p>
+          <a:p>
+            <a:r>
+              <a:rPr lang="zh-CN" altLang="en-US" dirty="0"/>
+              <a:t>模拟流量变化</a:t>
+            </a:r>
+            <a:endParaRPr lang="en-US" altLang="zh-CN" dirty="0"/>
+          </a:p>
+          <a:p>
+            <a:pPr lvl="1"/>
+            <a:r>
+              <a:rPr lang="en-US" altLang="zh-CN" dirty="0"/>
+              <a:t>&gt; t1 –</a:t>
+            </a:r>
+            <a:r>
+              <a:rPr lang="en-US" altLang="zh-CN" dirty="0" err="1"/>
+              <a:t>trafficPattern</a:t>
+            </a:r>
+            <a:r>
+              <a:rPr lang="en-US" altLang="zh-CN" dirty="0"/>
+              <a:t> constant –value 100.0 # </a:t>
+            </a:r>
+            <a:r>
+              <a:rPr lang="zh-CN" altLang="en-US" dirty="0"/>
+              <a:t>将</a:t>
+            </a:r>
+            <a:r>
+              <a:rPr lang="en-US" altLang="zh-CN" dirty="0"/>
+              <a:t>traffic t1</a:t>
+            </a:r>
+            <a:r>
+              <a:rPr lang="zh-CN" altLang="en-US" dirty="0"/>
+              <a:t>的</a:t>
+            </a:r>
+            <a:r>
+              <a:rPr lang="en-US" altLang="zh-CN" dirty="0"/>
+              <a:t>traffic</a:t>
+            </a:r>
+            <a:r>
+              <a:rPr lang="zh-CN" altLang="en-US" dirty="0"/>
+              <a:t>设置为常数</a:t>
+            </a:r>
+            <a:r>
+              <a:rPr lang="en-US" altLang="zh-CN" dirty="0"/>
+              <a:t>100Mbps</a:t>
+            </a:r>
+          </a:p>
+          <a:p>
+            <a:pPr lvl="1"/>
+            <a:r>
+              <a:rPr lang="en-US" altLang="zh-CN" dirty="0"/>
+              <a:t>&gt; t1 –</a:t>
+            </a:r>
+            <a:r>
+              <a:rPr lang="en-US" altLang="zh-CN" dirty="0" err="1"/>
+              <a:t>trafficPattern</a:t>
+            </a:r>
+            <a:r>
+              <a:rPr lang="en-US" altLang="zh-CN" dirty="0"/>
+              <a:t> uniform –min 10 –max 100 # </a:t>
+            </a:r>
+            <a:r>
+              <a:rPr lang="zh-CN" altLang="en-US" dirty="0"/>
+              <a:t>将</a:t>
+            </a:r>
+            <a:r>
+              <a:rPr lang="en-US" altLang="zh-CN" dirty="0"/>
+              <a:t>traffic t1</a:t>
+            </a:r>
+            <a:r>
+              <a:rPr lang="zh-CN" altLang="en-US" dirty="0"/>
+              <a:t>的</a:t>
+            </a:r>
+            <a:r>
+              <a:rPr lang="en-US" altLang="zh-CN" dirty="0"/>
+              <a:t>traffic rate</a:t>
+            </a:r>
+            <a:r>
+              <a:rPr lang="zh-CN" altLang="en-US" dirty="0"/>
+              <a:t>设置为一个符合均匀分布的随机变量</a:t>
+            </a:r>
+            <a:r>
+              <a:rPr lang="en-US" altLang="zh-CN" dirty="0"/>
+              <a:t>U(10, 100)</a:t>
+            </a:r>
+          </a:p>
+          <a:p>
+            <a:endParaRPr lang="en-US" altLang="zh-CN" dirty="0"/>
           </a:p>
         </p:txBody>
       </p:sp>
     </p:spTree>
     <p:extLst>
       <p:ext uri="{BB962C8B-B14F-4D97-AF65-F5344CB8AC3E}">
-        <p14:creationId xmlns:p14="http://schemas.microsoft.com/office/powerpoint/2010/main" val="746324582"/>
+        <p14:creationId xmlns:p14="http://schemas.microsoft.com/office/powerpoint/2010/main" val="1830027387"/>
       </p:ext>
     </p:extLst>
   </p:cSld>
@@ -9045,7 +8079,7 @@
           <p:cNvPr id="2" name="标题 1">
             <a:extLst>
               <a:ext uri="{FF2B5EF4-FFF2-40B4-BE49-F238E27FC236}">
-                <a16:creationId xmlns:a16="http://schemas.microsoft.com/office/drawing/2014/main" id="{3B40BD9A-C055-48E6-9E48-FAD222DBD202}"/>
+                <a16:creationId xmlns:a16="http://schemas.microsoft.com/office/drawing/2014/main" id="{22ECAA12-1603-4A42-995F-916DA238257A}"/>
               </a:ext>
             </a:extLst>
           </p:cNvPr>
@@ -9063,8 +8097,9 @@
           <a:p>
             <a:r>
               <a:rPr lang="en-US" altLang="zh-CN" b="1" dirty="0"/>
-              <a:t>CLI Interface</a:t>
-            </a:r>
+              <a:t>Performance Model</a:t>
+            </a:r>
+            <a:endParaRPr lang="zh-CN" altLang="en-US" b="1" dirty="0"/>
           </a:p>
         </p:txBody>
       </p:sp>
@@ -9073,7 +8108,7 @@
           <p:cNvPr id="3" name="内容占位符 2">
             <a:extLst>
               <a:ext uri="{FF2B5EF4-FFF2-40B4-BE49-F238E27FC236}">
-                <a16:creationId xmlns:a16="http://schemas.microsoft.com/office/drawing/2014/main" id="{7E1388CC-5B62-4E58-A428-0293D8B7ED8A}"/>
+                <a16:creationId xmlns:a16="http://schemas.microsoft.com/office/drawing/2014/main" id="{7318DE40-B363-4AC5-9DD9-90C22D713EA6}"/>
               </a:ext>
             </a:extLst>
           </p:cNvPr>
@@ -9091,7 +8126,7 @@
           <a:p>
             <a:r>
               <a:rPr lang="zh-CN" altLang="en-US" dirty="0"/>
-              <a:t>模拟故障</a:t>
+              <a:t>性能干扰模型</a:t>
             </a:r>
             <a:endParaRPr lang="en-US" altLang="zh-CN" dirty="0"/>
           </a:p>
@@ -9099,51 +8134,31 @@
             <a:pPr lvl="1"/>
             <a:r>
               <a:rPr lang="en-US" altLang="zh-CN" dirty="0"/>
-              <a:t>&gt; switch n1 down</a:t>
-            </a:r>
-          </a:p>
-          <a:p>
-            <a:pPr lvl="1"/>
+              <a:t>VNFI</a:t>
+            </a:r>
+            <a:r>
+              <a:rPr lang="zh-CN" altLang="en-US" dirty="0"/>
+              <a:t>吞吐量下降比率 </a:t>
+            </a:r>
             <a:r>
               <a:rPr lang="en-US" altLang="zh-CN" dirty="0"/>
-              <a:t>&gt; server s1 down</a:t>
-            </a:r>
-          </a:p>
-          <a:p>
-            <a:pPr lvl="1"/>
+              <a:t>= f(</a:t>
+            </a:r>
+            <a:r>
+              <a:rPr lang="zh-CN" altLang="en-US" dirty="0"/>
+              <a:t>服务器型号，已经放置的</a:t>
+            </a:r>
             <a:r>
               <a:rPr lang="en-US" altLang="zh-CN" dirty="0"/>
-              <a:t>&gt; link n1 s1 down</a:t>
-            </a:r>
-          </a:p>
-          <a:p>
+              <a:t>VNFI</a:t>
+            </a:r>
             <a:r>
               <a:rPr lang="zh-CN" altLang="en-US" dirty="0"/>
-              <a:t>模拟流量变化</a:t>
-            </a:r>
-            <a:endParaRPr lang="en-US" altLang="zh-CN" dirty="0"/>
-          </a:p>
-          <a:p>
-            <a:pPr lvl="1"/>
+              <a:t>集合，每个</a:t>
+            </a:r>
             <a:r>
               <a:rPr lang="en-US" altLang="zh-CN" dirty="0"/>
-              <a:t>&gt; f1 –</a:t>
-            </a:r>
-            <a:r>
-              <a:rPr lang="en-US" altLang="zh-CN" dirty="0" err="1"/>
-              <a:t>trafficPattern</a:t>
-            </a:r>
-            <a:r>
-              <a:rPr lang="en-US" altLang="zh-CN" dirty="0"/>
-              <a:t> constant –value 100.0 # </a:t>
-            </a:r>
-            <a:r>
-              <a:rPr lang="zh-CN" altLang="en-US" dirty="0"/>
-              <a:t>将</a:t>
-            </a:r>
-            <a:r>
-              <a:rPr lang="en-US" altLang="zh-CN" dirty="0"/>
-              <a:t>flow f1</a:t>
+              <a:t>VNFI</a:t>
             </a:r>
             <a:r>
               <a:rPr lang="zh-CN" altLang="en-US" dirty="0"/>
@@ -9151,38 +8166,18 @@
             </a:r>
             <a:r>
               <a:rPr lang="en-US" altLang="zh-CN" dirty="0"/>
-              <a:t>traffic</a:t>
-            </a:r>
+              <a:t>system-level metrics)</a:t>
+            </a:r>
+          </a:p>
+          <a:p>
+            <a:pPr lvl="1"/>
             <a:r>
               <a:rPr lang="zh-CN" altLang="en-US" dirty="0"/>
-              <a:t>设置为常数</a:t>
+              <a:t>每个</a:t>
             </a:r>
             <a:r>
               <a:rPr lang="en-US" altLang="zh-CN" dirty="0"/>
-              <a:t>100Mbps</a:t>
-            </a:r>
-          </a:p>
-          <a:p>
-            <a:pPr lvl="1"/>
-            <a:r>
-              <a:rPr lang="en-US" altLang="zh-CN" dirty="0"/>
-              <a:t>&gt; f1 –</a:t>
-            </a:r>
-            <a:r>
-              <a:rPr lang="en-US" altLang="zh-CN" dirty="0" err="1"/>
-              <a:t>trafficPattern</a:t>
-            </a:r>
-            <a:r>
-              <a:rPr lang="en-US" altLang="zh-CN" dirty="0"/>
-              <a:t> uniform –min 10 –max 100 # </a:t>
-            </a:r>
-            <a:r>
-              <a:rPr lang="zh-CN" altLang="en-US" dirty="0"/>
-              <a:t>将</a:t>
-            </a:r>
-            <a:r>
-              <a:rPr lang="en-US" altLang="zh-CN" dirty="0"/>
-              <a:t>flow f1</a:t>
+              <a:t>VNFI</a:t>
             </a:r>
             <a:r>
               <a:rPr lang="zh-CN" altLang="en-US" dirty="0"/>
@@ -9190,15 +8185,15 @@
             </a:r>
             <a:r>
               <a:rPr lang="en-US" altLang="zh-CN" dirty="0"/>
-              <a:t>traffic rate</a:t>
+              <a:t>system-level metrics = g(VNFI</a:t>
             </a:r>
             <a:r>
               <a:rPr lang="zh-CN" altLang="en-US" dirty="0"/>
-              <a:t>设置为一个符合均匀分布的随机变量</a:t>
+              <a:t>资源分配，流量特征</a:t>
             </a:r>
             <a:r>
               <a:rPr lang="en-US" altLang="zh-CN" dirty="0"/>
-              <a:t>U(10, 100)</a:t>
+              <a:t>)</a:t>
             </a:r>
           </a:p>
         </p:txBody>
@@ -9206,7 +8201,114 @@
     </p:spTree>
     <p:extLst>
       <p:ext uri="{BB962C8B-B14F-4D97-AF65-F5344CB8AC3E}">
-        <p14:creationId xmlns:p14="http://schemas.microsoft.com/office/powerpoint/2010/main" val="4042980045"/>
+        <p14:creationId xmlns:p14="http://schemas.microsoft.com/office/powerpoint/2010/main" val="178912076"/>
+      </p:ext>
+    </p:extLst>
+  </p:cSld>
+  <p:clrMapOvr>
+    <a:masterClrMapping/>
+  </p:clrMapOvr>
+</p:sld>
+</file>
+
+<file path=ppt/slides/slide9.xml><?xml version="1.0" encoding="utf-8"?>
+<p:sld xmlns:a="http://schemas.openxmlformats.org/drawingml/2006/main" xmlns:r="http://schemas.openxmlformats.org/officeDocument/2006/relationships" xmlns:p="http://schemas.openxmlformats.org/presentationml/2006/main">
+  <p:cSld>
+    <p:spTree>
+      <p:nvGrpSpPr>
+        <p:cNvPr id="1" name=""/>
+        <p:cNvGrpSpPr/>
+        <p:nvPr/>
+      </p:nvGrpSpPr>
+      <p:grpSpPr>
+        <a:xfrm>
+          <a:off x="0" y="0"/>
+          <a:ext cx="0" cy="0"/>
+          <a:chOff x="0" y="0"/>
+          <a:chExt cx="0" cy="0"/>
+        </a:xfrm>
+      </p:grpSpPr>
+      <p:sp>
+        <p:nvSpPr>
+          <p:cNvPr id="2" name="标题 1">
+            <a:extLst>
+              <a:ext uri="{FF2B5EF4-FFF2-40B4-BE49-F238E27FC236}">
+                <a16:creationId xmlns:a16="http://schemas.microsoft.com/office/drawing/2014/main" id="{5883B4BA-9B48-40EF-BB5F-43351298C27C}"/>
+              </a:ext>
+            </a:extLst>
+          </p:cNvPr>
+          <p:cNvSpPr>
+            <a:spLocks noGrp="1"/>
+          </p:cNvSpPr>
+          <p:nvPr>
+            <p:ph type="title"/>
+          </p:nvPr>
+        </p:nvSpPr>
+        <p:spPr/>
+        <p:txBody>
+          <a:bodyPr/>
+          <a:lstStyle/>
+          <a:p>
+            <a:r>
+              <a:rPr lang="en-US" altLang="zh-CN" b="1" dirty="0"/>
+              <a:t>Performance Model</a:t>
+            </a:r>
+            <a:endParaRPr lang="zh-CN" altLang="en-US" dirty="0"/>
+          </a:p>
+        </p:txBody>
+      </p:sp>
+      <p:sp>
+        <p:nvSpPr>
+          <p:cNvPr id="3" name="内容占位符 2">
+            <a:extLst>
+              <a:ext uri="{FF2B5EF4-FFF2-40B4-BE49-F238E27FC236}">
+                <a16:creationId xmlns:a16="http://schemas.microsoft.com/office/drawing/2014/main" id="{F9547A0D-9E04-4A4E-BA27-7E91BF9C7748}"/>
+              </a:ext>
+            </a:extLst>
+          </p:cNvPr>
+          <p:cNvSpPr>
+            <a:spLocks noGrp="1"/>
+          </p:cNvSpPr>
+          <p:nvPr>
+            <p:ph idx="1"/>
+          </p:nvPr>
+        </p:nvSpPr>
+        <p:spPr/>
+        <p:txBody>
+          <a:bodyPr/>
+          <a:lstStyle/>
+          <a:p>
+            <a:r>
+              <a:rPr lang="en-US" altLang="zh-CN" dirty="0"/>
+              <a:t>TODO</a:t>
+            </a:r>
+          </a:p>
+          <a:p>
+            <a:pPr lvl="1"/>
+            <a:r>
+              <a:rPr lang="en-US" altLang="zh-CN" dirty="0"/>
+              <a:t>SLOMO</a:t>
+            </a:r>
+            <a:r>
+              <a:rPr lang="zh-CN" altLang="en-US" dirty="0"/>
+              <a:t>测量系统</a:t>
+            </a:r>
+            <a:endParaRPr lang="en-US" altLang="zh-CN" dirty="0"/>
+          </a:p>
+          <a:p>
+            <a:pPr lvl="2"/>
+            <a:r>
+              <a:rPr lang="en-US" altLang="zh-CN" dirty="0" err="1"/>
+              <a:t>syn.click</a:t>
+            </a:r>
+            <a:endParaRPr lang="en-US" altLang="zh-CN" dirty="0"/>
+          </a:p>
+        </p:txBody>
+      </p:sp>
+    </p:spTree>
+    <p:extLst>
+      <p:ext uri="{BB962C8B-B14F-4D97-AF65-F5344CB8AC3E}">
+        <p14:creationId xmlns:p14="http://schemas.microsoft.com/office/powerpoint/2010/main" val="411928537"/>
       </p:ext>
     </p:extLst>
   </p:cSld>

--- a/doc/SoftwareDesign/Simulator/SimulatorDesign.pptx
+++ b/doc/SoftwareDesign/Simulator/SimulatorDesign.pptx
@@ -5,7 +5,7 @@
     <p:sldMasterId id="2147483648" r:id="rId1"/>
   </p:sldMasterIdLst>
   <p:notesMasterIdLst>
-    <p:notesMasterId r:id="rId11"/>
+    <p:notesMasterId r:id="rId9"/>
   </p:notesMasterIdLst>
   <p:sldIdLst>
     <p:sldId id="256" r:id="rId2"/>
@@ -15,8 +15,6 @@
     <p:sldId id="311" r:id="rId6"/>
     <p:sldId id="314" r:id="rId7"/>
     <p:sldId id="318" r:id="rId8"/>
-    <p:sldId id="316" r:id="rId9"/>
-    <p:sldId id="319" r:id="rId10"/>
   </p:sldIdLst>
   <p:sldSz cx="12192000" cy="6858000"/>
   <p:notesSz cx="6858000" cy="9144000"/>
@@ -205,7 +203,7 @@
           <a:p>
             <a:fld id="{F3D653B5-C80E-4E8A-A692-BF103216B5CE}" type="datetimeFigureOut">
               <a:rPr lang="zh-CN" altLang="en-US" smtClean="0"/>
-              <a:t>2021/03/02</a:t>
+              <a:t>2022/04/08</a:t>
             </a:fld>
             <a:endParaRPr lang="zh-CN" altLang="en-US"/>
           </a:p>
@@ -703,7 +701,7 @@
           <a:p>
             <a:fld id="{82174B9A-9B7F-455A-9A85-18BD6752911C}" type="datetimeFigureOut">
               <a:rPr lang="zh-CN" altLang="en-US" smtClean="0"/>
-              <a:t>2021/03/02</a:t>
+              <a:t>2022/04/08</a:t>
             </a:fld>
             <a:endParaRPr lang="zh-CN" altLang="en-US"/>
           </a:p>
@@ -901,7 +899,7 @@
           <a:p>
             <a:fld id="{82174B9A-9B7F-455A-9A85-18BD6752911C}" type="datetimeFigureOut">
               <a:rPr lang="zh-CN" altLang="en-US" smtClean="0"/>
-              <a:t>2021/03/02</a:t>
+              <a:t>2022/04/08</a:t>
             </a:fld>
             <a:endParaRPr lang="zh-CN" altLang="en-US"/>
           </a:p>
@@ -1109,7 +1107,7 @@
           <a:p>
             <a:fld id="{82174B9A-9B7F-455A-9A85-18BD6752911C}" type="datetimeFigureOut">
               <a:rPr lang="zh-CN" altLang="en-US" smtClean="0"/>
-              <a:t>2021/03/02</a:t>
+              <a:t>2022/04/08</a:t>
             </a:fld>
             <a:endParaRPr lang="zh-CN" altLang="en-US"/>
           </a:p>
@@ -1307,7 +1305,7 @@
           <a:p>
             <a:fld id="{82174B9A-9B7F-455A-9A85-18BD6752911C}" type="datetimeFigureOut">
               <a:rPr lang="zh-CN" altLang="en-US" smtClean="0"/>
-              <a:t>2021/03/02</a:t>
+              <a:t>2022/04/08</a:t>
             </a:fld>
             <a:endParaRPr lang="zh-CN" altLang="en-US"/>
           </a:p>
@@ -1582,7 +1580,7 @@
           <a:p>
             <a:fld id="{82174B9A-9B7F-455A-9A85-18BD6752911C}" type="datetimeFigureOut">
               <a:rPr lang="zh-CN" altLang="en-US" smtClean="0"/>
-              <a:t>2021/03/02</a:t>
+              <a:t>2022/04/08</a:t>
             </a:fld>
             <a:endParaRPr lang="zh-CN" altLang="en-US"/>
           </a:p>
@@ -1847,7 +1845,7 @@
           <a:p>
             <a:fld id="{82174B9A-9B7F-455A-9A85-18BD6752911C}" type="datetimeFigureOut">
               <a:rPr lang="zh-CN" altLang="en-US" smtClean="0"/>
-              <a:t>2021/03/02</a:t>
+              <a:t>2022/04/08</a:t>
             </a:fld>
             <a:endParaRPr lang="zh-CN" altLang="en-US"/>
           </a:p>
@@ -2259,7 +2257,7 @@
           <a:p>
             <a:fld id="{82174B9A-9B7F-455A-9A85-18BD6752911C}" type="datetimeFigureOut">
               <a:rPr lang="zh-CN" altLang="en-US" smtClean="0"/>
-              <a:t>2021/03/02</a:t>
+              <a:t>2022/04/08</a:t>
             </a:fld>
             <a:endParaRPr lang="zh-CN" altLang="en-US"/>
           </a:p>
@@ -2400,7 +2398,7 @@
           <a:p>
             <a:fld id="{82174B9A-9B7F-455A-9A85-18BD6752911C}" type="datetimeFigureOut">
               <a:rPr lang="zh-CN" altLang="en-US" smtClean="0"/>
-              <a:t>2021/03/02</a:t>
+              <a:t>2022/04/08</a:t>
             </a:fld>
             <a:endParaRPr lang="zh-CN" altLang="en-US"/>
           </a:p>
@@ -2513,7 +2511,7 @@
           <a:p>
             <a:fld id="{82174B9A-9B7F-455A-9A85-18BD6752911C}" type="datetimeFigureOut">
               <a:rPr lang="zh-CN" altLang="en-US" smtClean="0"/>
-              <a:t>2021/03/02</a:t>
+              <a:t>2022/04/08</a:t>
             </a:fld>
             <a:endParaRPr lang="zh-CN" altLang="en-US"/>
           </a:p>
@@ -2824,7 +2822,7 @@
           <a:p>
             <a:fld id="{82174B9A-9B7F-455A-9A85-18BD6752911C}" type="datetimeFigureOut">
               <a:rPr lang="zh-CN" altLang="en-US" smtClean="0"/>
-              <a:t>2021/03/02</a:t>
+              <a:t>2022/04/08</a:t>
             </a:fld>
             <a:endParaRPr lang="zh-CN" altLang="en-US"/>
           </a:p>
@@ -3112,7 +3110,7 @@
           <a:p>
             <a:fld id="{82174B9A-9B7F-455A-9A85-18BD6752911C}" type="datetimeFigureOut">
               <a:rPr lang="zh-CN" altLang="en-US" smtClean="0"/>
-              <a:t>2021/03/02</a:t>
+              <a:t>2022/04/08</a:t>
             </a:fld>
             <a:endParaRPr lang="zh-CN" altLang="en-US"/>
           </a:p>
@@ -3353,7 +3351,7 @@
           <a:p>
             <a:fld id="{82174B9A-9B7F-455A-9A85-18BD6752911C}" type="datetimeFigureOut">
               <a:rPr lang="zh-CN" altLang="en-US" smtClean="0"/>
-              <a:t>2021/03/02</a:t>
+              <a:t>2022/04/08</a:t>
             </a:fld>
             <a:endParaRPr lang="zh-CN" altLang="en-US"/>
           </a:p>
@@ -3908,7 +3906,9 @@
         </p:nvSpPr>
         <p:spPr/>
         <p:txBody>
-          <a:bodyPr/>
+          <a:bodyPr>
+            <a:normAutofit/>
+          </a:bodyPr>
           <a:lstStyle/>
           <a:p>
             <a:r>
@@ -3954,13 +3954,10 @@
             <a:endParaRPr lang="en-US" altLang="zh-CN" dirty="0"/>
           </a:p>
           <a:p>
-            <a:r>
-              <a:rPr lang="zh-CN" altLang="en-US" dirty="0"/>
-              <a:t>模拟</a:t>
-            </a:r>
+            <a:pPr lvl="1"/>
             <a:r>
               <a:rPr lang="en-US" altLang="zh-CN" dirty="0"/>
-              <a:t>VNF</a:t>
+              <a:t>VNF controller: VNF</a:t>
             </a:r>
             <a:r>
               <a:rPr lang="zh-CN" altLang="en-US" dirty="0"/>
@@ -3970,32 +3967,21 @@
               <a:rPr lang="en-US" altLang="zh-CN" dirty="0"/>
               <a:t>server</a:t>
             </a:r>
+          </a:p>
+          <a:p>
+            <a:pPr lvl="1"/>
+            <a:r>
+              <a:rPr lang="en-US" altLang="zh-CN" dirty="0"/>
+              <a:t>P4NF controller: VNF</a:t>
+            </a:r>
             <a:r>
               <a:rPr lang="zh-CN" altLang="en-US" dirty="0"/>
-              <a:t>和</a:t>
+              <a:t>部署到</a:t>
             </a:r>
             <a:r>
               <a:rPr lang="en-US" altLang="zh-CN" dirty="0"/>
               <a:t>P4 switch</a:t>
             </a:r>
-          </a:p>
-          <a:p>
-            <a:r>
-              <a:rPr lang="zh-CN" altLang="en-US" dirty="0"/>
-              <a:t>支持</a:t>
-            </a:r>
-            <a:r>
-              <a:rPr lang="en-US" altLang="zh-CN" dirty="0"/>
-              <a:t>SLOMO</a:t>
-            </a:r>
-            <a:r>
-              <a:rPr lang="zh-CN" altLang="en-US" dirty="0"/>
-              <a:t>性能干扰模型</a:t>
-            </a:r>
-            <a:endParaRPr lang="en-US" altLang="zh-CN" dirty="0"/>
-          </a:p>
-          <a:p>
-            <a:endParaRPr lang="zh-CN" altLang="en-US" dirty="0"/>
           </a:p>
         </p:txBody>
       </p:sp>
@@ -7903,7 +7889,7 @@
             </a:r>
             <a:r>
               <a:rPr lang="en-US" altLang="zh-CN" dirty="0" err="1"/>
-              <a:t>sfci</a:t>
+              <a:t>sfciID</a:t>
             </a:r>
             <a:r>
               <a:rPr lang="en-US" altLang="zh-CN" dirty="0"/>
@@ -7917,16 +7903,126 @@
               <a:rPr lang="en-US" altLang="zh-CN" dirty="0"/>
               <a:t> 10 # 10Mbps</a:t>
             </a:r>
+            <a:r>
+              <a:rPr lang="zh-CN" altLang="en-US" dirty="0"/>
+              <a:t>，</a:t>
+            </a:r>
+            <a:r>
+              <a:rPr lang="en-US" altLang="zh-CN" dirty="0"/>
+              <a:t>constant bit rate, t1</a:t>
+            </a:r>
+            <a:r>
+              <a:rPr lang="zh-CN" altLang="en-US" dirty="0"/>
+              <a:t>是</a:t>
+            </a:r>
+            <a:r>
+              <a:rPr lang="en-US" altLang="zh-CN" dirty="0" err="1"/>
+              <a:t>trafficID</a:t>
+            </a:r>
+            <a:endParaRPr lang="en-US" altLang="zh-CN" dirty="0"/>
+          </a:p>
+          <a:p>
+            <a:r>
+              <a:rPr lang="zh-CN" altLang="en-US" dirty="0"/>
+              <a:t>模拟流量变化</a:t>
+            </a:r>
+            <a:endParaRPr lang="en-US" altLang="zh-CN" dirty="0"/>
           </a:p>
           <a:p>
             <a:pPr lvl="1"/>
             <a:r>
               <a:rPr lang="en-US" altLang="zh-CN" dirty="0"/>
-              <a:t>&gt; add/del –</a:t>
+              <a:t>&gt; traffic t1 –</a:t>
             </a:r>
             <a:r>
               <a:rPr lang="en-US" altLang="zh-CN" dirty="0" err="1"/>
-              <a:t>defaultTrafficMatrix</a:t>
+              <a:t>trafficPattern</a:t>
+            </a:r>
+            <a:r>
+              <a:rPr lang="en-US" altLang="zh-CN" dirty="0"/>
+              <a:t>=constant –value 100.0 # </a:t>
+            </a:r>
+            <a:r>
+              <a:rPr lang="zh-CN" altLang="en-US" dirty="0"/>
+              <a:t>将</a:t>
+            </a:r>
+            <a:r>
+              <a:rPr lang="en-US" altLang="zh-CN" dirty="0"/>
+              <a:t>traffic t1</a:t>
+            </a:r>
+            <a:r>
+              <a:rPr lang="zh-CN" altLang="en-US" dirty="0"/>
+              <a:t>的</a:t>
+            </a:r>
+            <a:r>
+              <a:rPr lang="en-US" altLang="zh-CN" dirty="0"/>
+              <a:t>traffic</a:t>
+            </a:r>
+            <a:r>
+              <a:rPr lang="zh-CN" altLang="en-US" dirty="0"/>
+              <a:t>设置为常数</a:t>
+            </a:r>
+            <a:r>
+              <a:rPr lang="en-US" altLang="zh-CN" dirty="0"/>
+              <a:t>100Mbps</a:t>
+            </a:r>
+          </a:p>
+          <a:p>
+            <a:pPr lvl="1"/>
+            <a:r>
+              <a:rPr lang="en-US" altLang="zh-CN" dirty="0"/>
+              <a:t>&gt; traffic t1 –</a:t>
+            </a:r>
+            <a:r>
+              <a:rPr lang="en-US" altLang="zh-CN" dirty="0" err="1"/>
+              <a:t>trafficPattern</a:t>
+            </a:r>
+            <a:r>
+              <a:rPr lang="en-US" altLang="zh-CN" dirty="0"/>
+              <a:t>=uniform –min 10 –max 100 # </a:t>
+            </a:r>
+            <a:r>
+              <a:rPr lang="zh-CN" altLang="en-US" dirty="0"/>
+              <a:t>将</a:t>
+            </a:r>
+            <a:r>
+              <a:rPr lang="en-US" altLang="zh-CN" dirty="0"/>
+              <a:t>traffic t1</a:t>
+            </a:r>
+            <a:r>
+              <a:rPr lang="zh-CN" altLang="en-US" dirty="0"/>
+              <a:t>的</a:t>
+            </a:r>
+            <a:r>
+              <a:rPr lang="en-US" altLang="zh-CN" dirty="0"/>
+              <a:t>traffic rate</a:t>
+            </a:r>
+            <a:r>
+              <a:rPr lang="zh-CN" altLang="en-US" dirty="0"/>
+              <a:t>设置为一个符合均匀分布的随机变量</a:t>
+            </a:r>
+            <a:r>
+              <a:rPr lang="en-US" altLang="zh-CN" dirty="0"/>
+              <a:t>U(10, 100)</a:t>
+            </a:r>
+          </a:p>
+          <a:p>
+            <a:pPr lvl="1"/>
+            <a:r>
+              <a:rPr lang="en-US" altLang="zh-CN" dirty="0"/>
+              <a:t>&gt;traffic t1 –</a:t>
+            </a:r>
+            <a:r>
+              <a:rPr lang="en-US" altLang="zh-CN" dirty="0" err="1"/>
+              <a:t>trafficPattern</a:t>
+            </a:r>
+            <a:r>
+              <a:rPr lang="en-US" altLang="zh-CN" dirty="0"/>
+              <a:t>=</a:t>
+            </a:r>
+            <a:r>
+              <a:rPr lang="en-US" altLang="zh-CN" dirty="0" err="1"/>
+              <a:t>ddos</a:t>
             </a:r>
             <a:r>
               <a:rPr lang="en-US" altLang="zh-CN" dirty="0"/>
@@ -7934,49 +8030,6 @@
             </a:r>
             <a:r>
               <a:rPr lang="zh-CN" altLang="en-US" dirty="0"/>
-              <a:t>给模拟器中所有的</a:t>
-            </a:r>
-            <a:r>
-              <a:rPr lang="en-US" altLang="zh-CN" dirty="0" err="1"/>
-              <a:t>sfci</a:t>
-            </a:r>
-            <a:r>
-              <a:rPr lang="zh-CN" altLang="en-US" dirty="0"/>
-              <a:t>生成随机的服从</a:t>
-            </a:r>
-            <a:r>
-              <a:rPr lang="en-US" altLang="zh-CN" dirty="0"/>
-              <a:t>[10, 100]Mbps</a:t>
-            </a:r>
-            <a:r>
-              <a:rPr lang="zh-CN" altLang="en-US" dirty="0"/>
-              <a:t>均匀分布的流量</a:t>
-            </a:r>
-            <a:endParaRPr lang="en-US" altLang="zh-CN" dirty="0"/>
-          </a:p>
-          <a:p>
-            <a:r>
-              <a:rPr lang="zh-CN" altLang="en-US" dirty="0"/>
-              <a:t>模拟流量变化</a:t>
-            </a:r>
-            <a:endParaRPr lang="en-US" altLang="zh-CN" dirty="0"/>
-          </a:p>
-          <a:p>
-            <a:pPr lvl="1"/>
-            <a:r>
-              <a:rPr lang="en-US" altLang="zh-CN" dirty="0"/>
-              <a:t>&gt; t1 –</a:t>
-            </a:r>
-            <a:r>
-              <a:rPr lang="en-US" altLang="zh-CN" dirty="0" err="1"/>
-              <a:t>trafficPattern</a:t>
-            </a:r>
-            <a:r>
-              <a:rPr lang="en-US" altLang="zh-CN" dirty="0"/>
-              <a:t> constant –value 100.0 # </a:t>
-            </a:r>
-            <a:r>
-              <a:rPr lang="zh-CN" altLang="en-US" dirty="0"/>
               <a:t>将</a:t>
             </a:r>
             <a:r>
@@ -7989,57 +8042,20 @@
             </a:r>
             <a:r>
               <a:rPr lang="en-US" altLang="zh-CN" dirty="0"/>
-              <a:t>traffic</a:t>
+              <a:t>traffic rate</a:t>
             </a:r>
             <a:r>
               <a:rPr lang="zh-CN" altLang="en-US" dirty="0"/>
-              <a:t>设置为常数</a:t>
+              <a:t>设置为一个</a:t>
             </a:r>
             <a:r>
               <a:rPr lang="en-US" altLang="zh-CN" dirty="0"/>
-              <a:t>100Mbps</a:t>
-            </a:r>
-          </a:p>
-          <a:p>
-            <a:pPr lvl="1"/>
-            <a:r>
-              <a:rPr lang="en-US" altLang="zh-CN" dirty="0"/>
-              <a:t>&gt; t1 –</a:t>
-            </a:r>
-            <a:r>
-              <a:rPr lang="en-US" altLang="zh-CN" dirty="0" err="1"/>
-              <a:t>trafficPattern</a:t>
-            </a:r>
-            <a:r>
-              <a:rPr lang="en-US" altLang="zh-CN" dirty="0"/>
-              <a:t> uniform –min 10 –max 100 # </a:t>
+              <a:t>DDOS</a:t>
             </a:r>
             <a:r>
               <a:rPr lang="zh-CN" altLang="en-US" dirty="0"/>
-              <a:t>将</a:t>
-            </a:r>
-            <a:r>
-              <a:rPr lang="en-US" altLang="zh-CN" dirty="0"/>
-              <a:t>traffic t1</a:t>
-            </a:r>
-            <a:r>
-              <a:rPr lang="zh-CN" altLang="en-US" dirty="0"/>
-              <a:t>的</a:t>
-            </a:r>
-            <a:r>
-              <a:rPr lang="en-US" altLang="zh-CN" dirty="0"/>
-              <a:t>traffic rate</a:t>
-            </a:r>
-            <a:r>
-              <a:rPr lang="zh-CN" altLang="en-US" dirty="0"/>
-              <a:t>设置为一个符合均匀分布的随机变量</a:t>
-            </a:r>
-            <a:r>
-              <a:rPr lang="en-US" altLang="zh-CN" dirty="0"/>
-              <a:t>U(10, 100)</a:t>
-            </a:r>
-          </a:p>
-          <a:p>
+              <a:t>攻击流量</a:t>
+            </a:r>
             <a:endParaRPr lang="en-US" altLang="zh-CN" dirty="0"/>
           </a:p>
         </p:txBody>
@@ -8048,267 +8064,6 @@
     <p:extLst>
       <p:ext uri="{BB962C8B-B14F-4D97-AF65-F5344CB8AC3E}">
         <p14:creationId xmlns:p14="http://schemas.microsoft.com/office/powerpoint/2010/main" val="1830027387"/>
-      </p:ext>
-    </p:extLst>
-  </p:cSld>
-  <p:clrMapOvr>
-    <a:masterClrMapping/>
-  </p:clrMapOvr>
-</p:sld>
-</file>
-
-<file path=ppt/slides/slide8.xml><?xml version="1.0" encoding="utf-8"?>
-<p:sld xmlns:a="http://schemas.openxmlformats.org/drawingml/2006/main" xmlns:r="http://schemas.openxmlformats.org/officeDocument/2006/relationships" xmlns:p="http://schemas.openxmlformats.org/presentationml/2006/main">
-  <p:cSld>
-    <p:spTree>
-      <p:nvGrpSpPr>
-        <p:cNvPr id="1" name=""/>
-        <p:cNvGrpSpPr/>
-        <p:nvPr/>
-      </p:nvGrpSpPr>
-      <p:grpSpPr>
-        <a:xfrm>
-          <a:off x="0" y="0"/>
-          <a:ext cx="0" cy="0"/>
-          <a:chOff x="0" y="0"/>
-          <a:chExt cx="0" cy="0"/>
-        </a:xfrm>
-      </p:grpSpPr>
-      <p:sp>
-        <p:nvSpPr>
-          <p:cNvPr id="2" name="标题 1">
-            <a:extLst>
-              <a:ext uri="{FF2B5EF4-FFF2-40B4-BE49-F238E27FC236}">
-                <a16:creationId xmlns:a16="http://schemas.microsoft.com/office/drawing/2014/main" id="{22ECAA12-1603-4A42-995F-916DA238257A}"/>
-              </a:ext>
-            </a:extLst>
-          </p:cNvPr>
-          <p:cNvSpPr>
-            <a:spLocks noGrp="1"/>
-          </p:cNvSpPr>
-          <p:nvPr>
-            <p:ph type="title"/>
-          </p:nvPr>
-        </p:nvSpPr>
-        <p:spPr/>
-        <p:txBody>
-          <a:bodyPr/>
-          <a:lstStyle/>
-          <a:p>
-            <a:r>
-              <a:rPr lang="en-US" altLang="zh-CN" b="1" dirty="0"/>
-              <a:t>Performance Model</a:t>
-            </a:r>
-            <a:endParaRPr lang="zh-CN" altLang="en-US" b="1" dirty="0"/>
-          </a:p>
-        </p:txBody>
-      </p:sp>
-      <p:sp>
-        <p:nvSpPr>
-          <p:cNvPr id="3" name="内容占位符 2">
-            <a:extLst>
-              <a:ext uri="{FF2B5EF4-FFF2-40B4-BE49-F238E27FC236}">
-                <a16:creationId xmlns:a16="http://schemas.microsoft.com/office/drawing/2014/main" id="{7318DE40-B363-4AC5-9DD9-90C22D713EA6}"/>
-              </a:ext>
-            </a:extLst>
-          </p:cNvPr>
-          <p:cNvSpPr>
-            <a:spLocks noGrp="1"/>
-          </p:cNvSpPr>
-          <p:nvPr>
-            <p:ph idx="1"/>
-          </p:nvPr>
-        </p:nvSpPr>
-        <p:spPr/>
-        <p:txBody>
-          <a:bodyPr/>
-          <a:lstStyle/>
-          <a:p>
-            <a:r>
-              <a:rPr lang="zh-CN" altLang="en-US" dirty="0"/>
-              <a:t>性能干扰模型</a:t>
-            </a:r>
-            <a:endParaRPr lang="en-US" altLang="zh-CN" dirty="0"/>
-          </a:p>
-          <a:p>
-            <a:pPr lvl="1"/>
-            <a:r>
-              <a:rPr lang="en-US" altLang="zh-CN" dirty="0"/>
-              <a:t>VNFI</a:t>
-            </a:r>
-            <a:r>
-              <a:rPr lang="zh-CN" altLang="en-US" dirty="0"/>
-              <a:t>吞吐量下降比率 </a:t>
-            </a:r>
-            <a:r>
-              <a:rPr lang="en-US" altLang="zh-CN" dirty="0"/>
-              <a:t>= f(</a:t>
-            </a:r>
-            <a:r>
-              <a:rPr lang="zh-CN" altLang="en-US" dirty="0"/>
-              <a:t>服务器型号，已经放置的</a:t>
-            </a:r>
-            <a:r>
-              <a:rPr lang="en-US" altLang="zh-CN" dirty="0"/>
-              <a:t>VNFI</a:t>
-            </a:r>
-            <a:r>
-              <a:rPr lang="zh-CN" altLang="en-US" dirty="0"/>
-              <a:t>集合，每个</a:t>
-            </a:r>
-            <a:r>
-              <a:rPr lang="en-US" altLang="zh-CN" dirty="0"/>
-              <a:t>VNFI</a:t>
-            </a:r>
-            <a:r>
-              <a:rPr lang="zh-CN" altLang="en-US" dirty="0"/>
-              <a:t>的</a:t>
-            </a:r>
-            <a:r>
-              <a:rPr lang="en-US" altLang="zh-CN" dirty="0"/>
-              <a:t>system-level metrics)</a:t>
-            </a:r>
-          </a:p>
-          <a:p>
-            <a:pPr lvl="1"/>
-            <a:r>
-              <a:rPr lang="zh-CN" altLang="en-US" dirty="0"/>
-              <a:t>每个</a:t>
-            </a:r>
-            <a:r>
-              <a:rPr lang="en-US" altLang="zh-CN" dirty="0"/>
-              <a:t>VNFI</a:t>
-            </a:r>
-            <a:r>
-              <a:rPr lang="zh-CN" altLang="en-US" dirty="0"/>
-              <a:t>的</a:t>
-            </a:r>
-            <a:r>
-              <a:rPr lang="en-US" altLang="zh-CN" dirty="0"/>
-              <a:t>system-level metrics = g(VNFI</a:t>
-            </a:r>
-            <a:r>
-              <a:rPr lang="zh-CN" altLang="en-US" dirty="0"/>
-              <a:t>资源分配，流量特征</a:t>
-            </a:r>
-            <a:r>
-              <a:rPr lang="en-US" altLang="zh-CN" dirty="0"/>
-              <a:t>)</a:t>
-            </a:r>
-          </a:p>
-        </p:txBody>
-      </p:sp>
-    </p:spTree>
-    <p:extLst>
-      <p:ext uri="{BB962C8B-B14F-4D97-AF65-F5344CB8AC3E}">
-        <p14:creationId xmlns:p14="http://schemas.microsoft.com/office/powerpoint/2010/main" val="178912076"/>
-      </p:ext>
-    </p:extLst>
-  </p:cSld>
-  <p:clrMapOvr>
-    <a:masterClrMapping/>
-  </p:clrMapOvr>
-</p:sld>
-</file>
-
-<file path=ppt/slides/slide9.xml><?xml version="1.0" encoding="utf-8"?>
-<p:sld xmlns:a="http://schemas.openxmlformats.org/drawingml/2006/main" xmlns:r="http://schemas.openxmlformats.org/officeDocument/2006/relationships" xmlns:p="http://schemas.openxmlformats.org/presentationml/2006/main">
-  <p:cSld>
-    <p:spTree>
-      <p:nvGrpSpPr>
-        <p:cNvPr id="1" name=""/>
-        <p:cNvGrpSpPr/>
-        <p:nvPr/>
-      </p:nvGrpSpPr>
-      <p:grpSpPr>
-        <a:xfrm>
-          <a:off x="0" y="0"/>
-          <a:ext cx="0" cy="0"/>
-          <a:chOff x="0" y="0"/>
-          <a:chExt cx="0" cy="0"/>
-        </a:xfrm>
-      </p:grpSpPr>
-      <p:sp>
-        <p:nvSpPr>
-          <p:cNvPr id="2" name="标题 1">
-            <a:extLst>
-              <a:ext uri="{FF2B5EF4-FFF2-40B4-BE49-F238E27FC236}">
-                <a16:creationId xmlns:a16="http://schemas.microsoft.com/office/drawing/2014/main" id="{5883B4BA-9B48-40EF-BB5F-43351298C27C}"/>
-              </a:ext>
-            </a:extLst>
-          </p:cNvPr>
-          <p:cNvSpPr>
-            <a:spLocks noGrp="1"/>
-          </p:cNvSpPr>
-          <p:nvPr>
-            <p:ph type="title"/>
-          </p:nvPr>
-        </p:nvSpPr>
-        <p:spPr/>
-        <p:txBody>
-          <a:bodyPr/>
-          <a:lstStyle/>
-          <a:p>
-            <a:r>
-              <a:rPr lang="en-US" altLang="zh-CN" b="1" dirty="0"/>
-              <a:t>Performance Model</a:t>
-            </a:r>
-            <a:endParaRPr lang="zh-CN" altLang="en-US" dirty="0"/>
-          </a:p>
-        </p:txBody>
-      </p:sp>
-      <p:sp>
-        <p:nvSpPr>
-          <p:cNvPr id="3" name="内容占位符 2">
-            <a:extLst>
-              <a:ext uri="{FF2B5EF4-FFF2-40B4-BE49-F238E27FC236}">
-                <a16:creationId xmlns:a16="http://schemas.microsoft.com/office/drawing/2014/main" id="{F9547A0D-9E04-4A4E-BA27-7E91BF9C7748}"/>
-              </a:ext>
-            </a:extLst>
-          </p:cNvPr>
-          <p:cNvSpPr>
-            <a:spLocks noGrp="1"/>
-          </p:cNvSpPr>
-          <p:nvPr>
-            <p:ph idx="1"/>
-          </p:nvPr>
-        </p:nvSpPr>
-        <p:spPr/>
-        <p:txBody>
-          <a:bodyPr/>
-          <a:lstStyle/>
-          <a:p>
-            <a:r>
-              <a:rPr lang="en-US" altLang="zh-CN" dirty="0"/>
-              <a:t>TODO</a:t>
-            </a:r>
-          </a:p>
-          <a:p>
-            <a:pPr lvl="1"/>
-            <a:r>
-              <a:rPr lang="en-US" altLang="zh-CN" dirty="0"/>
-              <a:t>SLOMO</a:t>
-            </a:r>
-            <a:r>
-              <a:rPr lang="zh-CN" altLang="en-US" dirty="0"/>
-              <a:t>测量系统</a:t>
-            </a:r>
-            <a:endParaRPr lang="en-US" altLang="zh-CN" dirty="0"/>
-          </a:p>
-          <a:p>
-            <a:pPr lvl="2"/>
-            <a:r>
-              <a:rPr lang="en-US" altLang="zh-CN" dirty="0" err="1"/>
-              <a:t>syn.click</a:t>
-            </a:r>
-            <a:endParaRPr lang="en-US" altLang="zh-CN" dirty="0"/>
-          </a:p>
-        </p:txBody>
-      </p:sp>
-    </p:spTree>
-    <p:extLst>
-      <p:ext uri="{BB962C8B-B14F-4D97-AF65-F5344CB8AC3E}">
-        <p14:creationId xmlns:p14="http://schemas.microsoft.com/office/powerpoint/2010/main" val="411928537"/>
       </p:ext>
     </p:extLst>
   </p:cSld>

--- a/doc/SoftwareDesign/Simulator/SimulatorDesign.pptx
+++ b/doc/SoftwareDesign/Simulator/SimulatorDesign.pptx
@@ -5,7 +5,7 @@
     <p:sldMasterId id="2147483648" r:id="rId1"/>
   </p:sldMasterIdLst>
   <p:notesMasterIdLst>
-    <p:notesMasterId r:id="rId9"/>
+    <p:notesMasterId r:id="rId11"/>
   </p:notesMasterIdLst>
   <p:sldIdLst>
     <p:sldId id="256" r:id="rId2"/>
@@ -14,7 +14,9 @@
     <p:sldId id="313" r:id="rId5"/>
     <p:sldId id="311" r:id="rId6"/>
     <p:sldId id="314" r:id="rId7"/>
-    <p:sldId id="318" r:id="rId8"/>
+    <p:sldId id="320" r:id="rId8"/>
+    <p:sldId id="318" r:id="rId9"/>
+    <p:sldId id="319" r:id="rId10"/>
   </p:sldIdLst>
   <p:sldSz cx="12192000" cy="6858000"/>
   <p:notesSz cx="6858000" cy="9144000"/>
@@ -203,7 +205,7 @@
           <a:p>
             <a:fld id="{F3D653B5-C80E-4E8A-A692-BF103216B5CE}" type="datetimeFigureOut">
               <a:rPr lang="zh-CN" altLang="en-US" smtClean="0"/>
-              <a:t>2022/04/08</a:t>
+              <a:t>2022/08/28</a:t>
             </a:fld>
             <a:endParaRPr lang="zh-CN" altLang="en-US"/>
           </a:p>
@@ -701,7 +703,7 @@
           <a:p>
             <a:fld id="{82174B9A-9B7F-455A-9A85-18BD6752911C}" type="datetimeFigureOut">
               <a:rPr lang="zh-CN" altLang="en-US" smtClean="0"/>
-              <a:t>2022/04/08</a:t>
+              <a:t>2022/08/28</a:t>
             </a:fld>
             <a:endParaRPr lang="zh-CN" altLang="en-US"/>
           </a:p>
@@ -899,7 +901,7 @@
           <a:p>
             <a:fld id="{82174B9A-9B7F-455A-9A85-18BD6752911C}" type="datetimeFigureOut">
               <a:rPr lang="zh-CN" altLang="en-US" smtClean="0"/>
-              <a:t>2022/04/08</a:t>
+              <a:t>2022/08/28</a:t>
             </a:fld>
             <a:endParaRPr lang="zh-CN" altLang="en-US"/>
           </a:p>
@@ -1107,7 +1109,7 @@
           <a:p>
             <a:fld id="{82174B9A-9B7F-455A-9A85-18BD6752911C}" type="datetimeFigureOut">
               <a:rPr lang="zh-CN" altLang="en-US" smtClean="0"/>
-              <a:t>2022/04/08</a:t>
+              <a:t>2022/08/28</a:t>
             </a:fld>
             <a:endParaRPr lang="zh-CN" altLang="en-US"/>
           </a:p>
@@ -1305,7 +1307,7 @@
           <a:p>
             <a:fld id="{82174B9A-9B7F-455A-9A85-18BD6752911C}" type="datetimeFigureOut">
               <a:rPr lang="zh-CN" altLang="en-US" smtClean="0"/>
-              <a:t>2022/04/08</a:t>
+              <a:t>2022/08/28</a:t>
             </a:fld>
             <a:endParaRPr lang="zh-CN" altLang="en-US"/>
           </a:p>
@@ -1580,7 +1582,7 @@
           <a:p>
             <a:fld id="{82174B9A-9B7F-455A-9A85-18BD6752911C}" type="datetimeFigureOut">
               <a:rPr lang="zh-CN" altLang="en-US" smtClean="0"/>
-              <a:t>2022/04/08</a:t>
+              <a:t>2022/08/28</a:t>
             </a:fld>
             <a:endParaRPr lang="zh-CN" altLang="en-US"/>
           </a:p>
@@ -1845,7 +1847,7 @@
           <a:p>
             <a:fld id="{82174B9A-9B7F-455A-9A85-18BD6752911C}" type="datetimeFigureOut">
               <a:rPr lang="zh-CN" altLang="en-US" smtClean="0"/>
-              <a:t>2022/04/08</a:t>
+              <a:t>2022/08/28</a:t>
             </a:fld>
             <a:endParaRPr lang="zh-CN" altLang="en-US"/>
           </a:p>
@@ -2257,7 +2259,7 @@
           <a:p>
             <a:fld id="{82174B9A-9B7F-455A-9A85-18BD6752911C}" type="datetimeFigureOut">
               <a:rPr lang="zh-CN" altLang="en-US" smtClean="0"/>
-              <a:t>2022/04/08</a:t>
+              <a:t>2022/08/28</a:t>
             </a:fld>
             <a:endParaRPr lang="zh-CN" altLang="en-US"/>
           </a:p>
@@ -2398,7 +2400,7 @@
           <a:p>
             <a:fld id="{82174B9A-9B7F-455A-9A85-18BD6752911C}" type="datetimeFigureOut">
               <a:rPr lang="zh-CN" altLang="en-US" smtClean="0"/>
-              <a:t>2022/04/08</a:t>
+              <a:t>2022/08/28</a:t>
             </a:fld>
             <a:endParaRPr lang="zh-CN" altLang="en-US"/>
           </a:p>
@@ -2511,7 +2513,7 @@
           <a:p>
             <a:fld id="{82174B9A-9B7F-455A-9A85-18BD6752911C}" type="datetimeFigureOut">
               <a:rPr lang="zh-CN" altLang="en-US" smtClean="0"/>
-              <a:t>2022/04/08</a:t>
+              <a:t>2022/08/28</a:t>
             </a:fld>
             <a:endParaRPr lang="zh-CN" altLang="en-US"/>
           </a:p>
@@ -2822,7 +2824,7 @@
           <a:p>
             <a:fld id="{82174B9A-9B7F-455A-9A85-18BD6752911C}" type="datetimeFigureOut">
               <a:rPr lang="zh-CN" altLang="en-US" smtClean="0"/>
-              <a:t>2022/04/08</a:t>
+              <a:t>2022/08/28</a:t>
             </a:fld>
             <a:endParaRPr lang="zh-CN" altLang="en-US"/>
           </a:p>
@@ -3110,7 +3112,7 @@
           <a:p>
             <a:fld id="{82174B9A-9B7F-455A-9A85-18BD6752911C}" type="datetimeFigureOut">
               <a:rPr lang="zh-CN" altLang="en-US" smtClean="0"/>
-              <a:t>2022/04/08</a:t>
+              <a:t>2022/08/28</a:t>
             </a:fld>
             <a:endParaRPr lang="zh-CN" altLang="en-US"/>
           </a:p>
@@ -3351,7 +3353,7 @@
           <a:p>
             <a:fld id="{82174B9A-9B7F-455A-9A85-18BD6752911C}" type="datetimeFigureOut">
               <a:rPr lang="zh-CN" altLang="en-US" smtClean="0"/>
-              <a:t>2022/04/08</a:t>
+              <a:t>2022/08/28</a:t>
             </a:fld>
             <a:endParaRPr lang="zh-CN" altLang="en-US"/>
           </a:p>
@@ -7877,6 +7879,197 @@
           <a:p>
             <a:r>
               <a:rPr lang="zh-CN" altLang="en-US" dirty="0"/>
+              <a:t>模拟木马异常</a:t>
+            </a:r>
+            <a:endParaRPr lang="en-US" altLang="zh-CN" dirty="0"/>
+          </a:p>
+          <a:p>
+            <a:pPr lvl="1"/>
+            <a:r>
+              <a:rPr lang="en-US" altLang="zh-CN" dirty="0"/>
+              <a:t>&gt; server 10005 </a:t>
+            </a:r>
+            <a:r>
+              <a:rPr lang="en-US" altLang="zh-CN" dirty="0" err="1"/>
+              <a:t>cpu</a:t>
+            </a:r>
+            <a:r>
+              <a:rPr lang="en-US" altLang="zh-CN" dirty="0"/>
+              <a:t> consume x	# x </a:t>
+            </a:r>
+            <a:r>
+              <a:rPr lang="zh-CN" altLang="en-US" dirty="0"/>
+              <a:t>是</a:t>
+            </a:r>
+            <a:r>
+              <a:rPr lang="en-US" altLang="zh-CN" dirty="0"/>
+              <a:t>core</a:t>
+            </a:r>
+            <a:r>
+              <a:rPr lang="zh-CN" altLang="en-US" dirty="0"/>
+              <a:t>的数量；模拟木马消耗的</a:t>
+            </a:r>
+            <a:r>
+              <a:rPr lang="en-US" altLang="zh-CN" dirty="0"/>
+              <a:t>core</a:t>
+            </a:r>
+          </a:p>
+          <a:p>
+            <a:pPr lvl="1"/>
+            <a:r>
+              <a:rPr lang="en-US" altLang="zh-CN" dirty="0"/>
+              <a:t>&gt; server 10005 </a:t>
+            </a:r>
+            <a:r>
+              <a:rPr lang="en-US" altLang="zh-CN" dirty="0" err="1"/>
+              <a:t>cpu</a:t>
+            </a:r>
+            <a:r>
+              <a:rPr lang="en-US" altLang="zh-CN" dirty="0"/>
+              <a:t> release x		# x </a:t>
+            </a:r>
+            <a:r>
+              <a:rPr lang="zh-CN" altLang="en-US" dirty="0"/>
+              <a:t>是</a:t>
+            </a:r>
+            <a:r>
+              <a:rPr lang="en-US" altLang="zh-CN" dirty="0"/>
+              <a:t>core</a:t>
+            </a:r>
+            <a:r>
+              <a:rPr lang="zh-CN" altLang="en-US" dirty="0"/>
+              <a:t>的数量；释放被木马消耗的</a:t>
+            </a:r>
+            <a:r>
+              <a:rPr lang="en-US" altLang="zh-CN" dirty="0"/>
+              <a:t>core</a:t>
+            </a:r>
+          </a:p>
+          <a:p>
+            <a:pPr lvl="1"/>
+            <a:r>
+              <a:rPr lang="en-US" altLang="zh-CN" dirty="0"/>
+              <a:t>&gt; server 10005 mem consume x	# x </a:t>
+            </a:r>
+            <a:r>
+              <a:rPr lang="zh-CN" altLang="en-US" dirty="0"/>
+              <a:t>是内存使用量</a:t>
+            </a:r>
+            <a:r>
+              <a:rPr lang="en-US" altLang="zh-CN" dirty="0"/>
+              <a:t>GB</a:t>
+            </a:r>
+            <a:r>
+              <a:rPr lang="zh-CN" altLang="en-US" dirty="0"/>
+              <a:t>；模拟木马消耗的内存</a:t>
+            </a:r>
+            <a:endParaRPr lang="en-US" altLang="zh-CN" dirty="0"/>
+          </a:p>
+          <a:p>
+            <a:pPr lvl="1"/>
+            <a:r>
+              <a:rPr lang="en-US" altLang="zh-CN" dirty="0"/>
+              <a:t>&gt; server 10005 mem release x	# x </a:t>
+            </a:r>
+            <a:r>
+              <a:rPr lang="zh-CN" altLang="en-US" dirty="0"/>
+              <a:t>是内存使用量</a:t>
+            </a:r>
+            <a:r>
+              <a:rPr lang="en-US" altLang="zh-CN" dirty="0"/>
+              <a:t>GB</a:t>
+            </a:r>
+            <a:r>
+              <a:rPr lang="zh-CN" altLang="en-US" dirty="0"/>
+              <a:t>；释放被木马消耗的内存</a:t>
+            </a:r>
+            <a:endParaRPr lang="en-US" altLang="zh-CN" dirty="0"/>
+          </a:p>
+        </p:txBody>
+      </p:sp>
+    </p:spTree>
+    <p:extLst>
+      <p:ext uri="{BB962C8B-B14F-4D97-AF65-F5344CB8AC3E}">
+        <p14:creationId xmlns:p14="http://schemas.microsoft.com/office/powerpoint/2010/main" val="4093076685"/>
+      </p:ext>
+    </p:extLst>
+  </p:cSld>
+  <p:clrMapOvr>
+    <a:masterClrMapping/>
+  </p:clrMapOvr>
+</p:sld>
+</file>
+
+<file path=ppt/slides/slide8.xml><?xml version="1.0" encoding="utf-8"?>
+<p:sld xmlns:a="http://schemas.openxmlformats.org/drawingml/2006/main" xmlns:r="http://schemas.openxmlformats.org/officeDocument/2006/relationships" xmlns:p="http://schemas.openxmlformats.org/presentationml/2006/main">
+  <p:cSld>
+    <p:spTree>
+      <p:nvGrpSpPr>
+        <p:cNvPr id="1" name=""/>
+        <p:cNvGrpSpPr/>
+        <p:nvPr/>
+      </p:nvGrpSpPr>
+      <p:grpSpPr>
+        <a:xfrm>
+          <a:off x="0" y="0"/>
+          <a:ext cx="0" cy="0"/>
+          <a:chOff x="0" y="0"/>
+          <a:chExt cx="0" cy="0"/>
+        </a:xfrm>
+      </p:grpSpPr>
+      <p:sp>
+        <p:nvSpPr>
+          <p:cNvPr id="2" name="标题 1">
+            <a:extLst>
+              <a:ext uri="{FF2B5EF4-FFF2-40B4-BE49-F238E27FC236}">
+                <a16:creationId xmlns:a16="http://schemas.microsoft.com/office/drawing/2014/main" id="{3B40BD9A-C055-48E6-9E48-FAD222DBD202}"/>
+              </a:ext>
+            </a:extLst>
+          </p:cNvPr>
+          <p:cNvSpPr>
+            <a:spLocks noGrp="1"/>
+          </p:cNvSpPr>
+          <p:nvPr>
+            <p:ph type="title"/>
+          </p:nvPr>
+        </p:nvSpPr>
+        <p:spPr/>
+        <p:txBody>
+          <a:bodyPr/>
+          <a:lstStyle/>
+          <a:p>
+            <a:r>
+              <a:rPr lang="en-US" altLang="zh-CN" b="1" dirty="0"/>
+              <a:t>CLI Interface</a:t>
+            </a:r>
+          </a:p>
+        </p:txBody>
+      </p:sp>
+      <p:sp>
+        <p:nvSpPr>
+          <p:cNvPr id="3" name="内容占位符 2">
+            <a:extLst>
+              <a:ext uri="{FF2B5EF4-FFF2-40B4-BE49-F238E27FC236}">
+                <a16:creationId xmlns:a16="http://schemas.microsoft.com/office/drawing/2014/main" id="{7E1388CC-5B62-4E58-A428-0293D8B7ED8A}"/>
+              </a:ext>
+            </a:extLst>
+          </p:cNvPr>
+          <p:cNvSpPr>
+            <a:spLocks noGrp="1"/>
+          </p:cNvSpPr>
+          <p:nvPr>
+            <p:ph idx="1"/>
+          </p:nvPr>
+        </p:nvSpPr>
+        <p:spPr/>
+        <p:txBody>
+          <a:bodyPr>
+            <a:normAutofit/>
+          </a:bodyPr>
+          <a:lstStyle/>
+          <a:p>
+            <a:r>
+              <a:rPr lang="zh-CN" altLang="en-US" dirty="0"/>
               <a:t>产生流量</a:t>
             </a:r>
             <a:endParaRPr lang="en-US" altLang="zh-CN" dirty="0"/>
@@ -7885,7 +8078,15 @@
             <a:pPr lvl="1"/>
             <a:r>
               <a:rPr lang="en-US" altLang="zh-CN" dirty="0"/>
-              <a:t>&gt; add/del –traffic t1 </a:t>
+              <a:t>&gt; add/del –traffic t1 –</a:t>
+            </a:r>
+            <a:r>
+              <a:rPr lang="en-US" altLang="zh-CN" dirty="0" err="1"/>
+              <a:t>sfci</a:t>
+            </a:r>
+            <a:r>
+              <a:rPr lang="en-US" altLang="zh-CN" dirty="0"/>
+              <a:t> </a:t>
             </a:r>
             <a:r>
               <a:rPr lang="en-US" altLang="zh-CN" dirty="0" err="1"/>
@@ -7901,7 +8102,7 @@
             </a:r>
             <a:r>
               <a:rPr lang="en-US" altLang="zh-CN" dirty="0"/>
-              <a:t> 10 # 10Mbps</a:t>
+              <a:t> 10 	# 10Mbps</a:t>
             </a:r>
             <a:r>
               <a:rPr lang="zh-CN" altLang="en-US" dirty="0"/>
@@ -7922,37 +8123,93 @@
             <a:endParaRPr lang="en-US" altLang="zh-CN" dirty="0"/>
           </a:p>
           <a:p>
+            <a:pPr lvl="1"/>
+            <a:r>
+              <a:rPr lang="en-US" altLang="zh-CN" dirty="0"/>
+              <a:t>&gt; add/del –traffic t2 –</a:t>
+            </a:r>
+            <a:r>
+              <a:rPr lang="en-US" altLang="zh-CN" dirty="0" err="1"/>
+              <a:t>sfc</a:t>
+            </a:r>
+            <a:r>
+              <a:rPr lang="en-US" altLang="zh-CN" dirty="0"/>
+              <a:t> </a:t>
+            </a:r>
+            <a:r>
+              <a:rPr lang="en-US" altLang="zh-CN" dirty="0" err="1"/>
+              <a:t>sfcUUID</a:t>
+            </a:r>
+            <a:r>
+              <a:rPr lang="en-US" altLang="zh-CN" dirty="0"/>
+              <a:t> –</a:t>
+            </a:r>
+            <a:r>
+              <a:rPr lang="en-US" altLang="zh-CN" dirty="0" err="1"/>
+              <a:t>trafficRate</a:t>
+            </a:r>
+            <a:r>
+              <a:rPr lang="en-US" altLang="zh-CN"/>
+              <a:t> 	# </a:t>
+            </a:r>
+            <a:r>
+              <a:rPr lang="en-US" altLang="zh-CN" dirty="0"/>
+              <a:t>10Mbps, constant bitrate, t2</a:t>
+            </a:r>
             <a:r>
               <a:rPr lang="zh-CN" altLang="en-US" dirty="0"/>
-              <a:t>模拟流量变化</a:t>
-            </a:r>
-            <a:endParaRPr lang="en-US" altLang="zh-CN" dirty="0"/>
-          </a:p>
-          <a:p>
-            <a:pPr lvl="1"/>
+              <a:t>是</a:t>
+            </a:r>
+            <a:r>
+              <a:rPr lang="en-US" altLang="zh-CN" dirty="0" err="1"/>
+              <a:t>trafficID</a:t>
+            </a:r>
             <a:r>
               <a:rPr lang="en-US" altLang="zh-CN" dirty="0"/>
-              <a:t>&gt; traffic t1 –</a:t>
+              <a:t>, </a:t>
+            </a:r>
+            <a:r>
+              <a:rPr lang="zh-CN" altLang="en-US" dirty="0"/>
+              <a:t>该</a:t>
             </a:r>
             <a:r>
               <a:rPr lang="en-US" altLang="zh-CN" dirty="0" err="1"/>
-              <a:t>trafficPattern</a:t>
+              <a:t>sfc</a:t>
+            </a:r>
+            <a:r>
+              <a:rPr lang="zh-CN" altLang="en-US" dirty="0"/>
+              <a:t>对应的所有</a:t>
+            </a:r>
+            <a:r>
+              <a:rPr lang="en-US" altLang="zh-CN" dirty="0" err="1"/>
+              <a:t>sfci</a:t>
+            </a:r>
+            <a:r>
+              <a:rPr lang="zh-CN" altLang="en-US" dirty="0"/>
+              <a:t>均匀分配总流量</a:t>
             </a:r>
             <a:r>
               <a:rPr lang="en-US" altLang="zh-CN" dirty="0"/>
-              <a:t>=constant –value 100.0 # </a:t>
+              <a:t>t2</a:t>
+            </a:r>
+          </a:p>
+          <a:p>
+            <a:pPr lvl="2"/>
+            <a:r>
+              <a:rPr lang="en-US" altLang="zh-CN" dirty="0"/>
+              <a:t>PS</a:t>
             </a:r>
             <a:r>
               <a:rPr lang="zh-CN" altLang="en-US" dirty="0"/>
-              <a:t>将</a:t>
-            </a:r>
-            <a:r>
-              <a:rPr lang="en-US" altLang="zh-CN" dirty="0"/>
-              <a:t>traffic t1</a:t>
+              <a:t>：一个</a:t>
+            </a:r>
+            <a:r>
+              <a:rPr lang="en-US" altLang="zh-CN" dirty="0" err="1"/>
+              <a:t>sfci</a:t>
             </a:r>
             <a:r>
               <a:rPr lang="zh-CN" altLang="en-US" dirty="0"/>
-              <a:t>的</a:t>
+              <a:t>可以有很多个</a:t>
             </a:r>
             <a:r>
               <a:rPr lang="en-US" altLang="zh-CN" dirty="0"/>
@@ -7960,101 +8217,7 @@
             </a:r>
             <a:r>
               <a:rPr lang="zh-CN" altLang="en-US" dirty="0"/>
-              <a:t>设置为常数</a:t>
-            </a:r>
-            <a:r>
-              <a:rPr lang="en-US" altLang="zh-CN" dirty="0"/>
-              <a:t>100Mbps</a:t>
-            </a:r>
-          </a:p>
-          <a:p>
-            <a:pPr lvl="1"/>
-            <a:r>
-              <a:rPr lang="en-US" altLang="zh-CN" dirty="0"/>
-              <a:t>&gt; traffic t1 –</a:t>
-            </a:r>
-            <a:r>
-              <a:rPr lang="en-US" altLang="zh-CN" dirty="0" err="1"/>
-              <a:t>trafficPattern</a:t>
-            </a:r>
-            <a:r>
-              <a:rPr lang="en-US" altLang="zh-CN" dirty="0"/>
-              <a:t>=uniform –min 10 –max 100 # </a:t>
-            </a:r>
-            <a:r>
-              <a:rPr lang="zh-CN" altLang="en-US" dirty="0"/>
-              <a:t>将</a:t>
-            </a:r>
-            <a:r>
-              <a:rPr lang="en-US" altLang="zh-CN" dirty="0"/>
-              <a:t>traffic t1</a:t>
-            </a:r>
-            <a:r>
-              <a:rPr lang="zh-CN" altLang="en-US" dirty="0"/>
-              <a:t>的</a:t>
-            </a:r>
-            <a:r>
-              <a:rPr lang="en-US" altLang="zh-CN" dirty="0"/>
-              <a:t>traffic rate</a:t>
-            </a:r>
-            <a:r>
-              <a:rPr lang="zh-CN" altLang="en-US" dirty="0"/>
-              <a:t>设置为一个符合均匀分布的随机变量</a:t>
-            </a:r>
-            <a:r>
-              <a:rPr lang="en-US" altLang="zh-CN" dirty="0"/>
-              <a:t>U(10, 100)</a:t>
-            </a:r>
-          </a:p>
-          <a:p>
-            <a:pPr lvl="1"/>
-            <a:r>
-              <a:rPr lang="en-US" altLang="zh-CN" dirty="0"/>
-              <a:t>&gt;traffic t1 –</a:t>
-            </a:r>
-            <a:r>
-              <a:rPr lang="en-US" altLang="zh-CN" dirty="0" err="1"/>
-              <a:t>trafficPattern</a:t>
-            </a:r>
-            <a:r>
-              <a:rPr lang="en-US" altLang="zh-CN" dirty="0"/>
-              <a:t>=</a:t>
-            </a:r>
-            <a:r>
-              <a:rPr lang="en-US" altLang="zh-CN" dirty="0" err="1"/>
-              <a:t>ddos</a:t>
-            </a:r>
-            <a:r>
-              <a:rPr lang="en-US" altLang="zh-CN" dirty="0"/>
-              <a:t> # </a:t>
-            </a:r>
-            <a:r>
-              <a:rPr lang="zh-CN" altLang="en-US" dirty="0"/>
-              <a:t>将</a:t>
-            </a:r>
-            <a:r>
-              <a:rPr lang="en-US" altLang="zh-CN" dirty="0"/>
-              <a:t>traffic t1</a:t>
-            </a:r>
-            <a:r>
-              <a:rPr lang="zh-CN" altLang="en-US" dirty="0"/>
-              <a:t>的</a:t>
-            </a:r>
-            <a:r>
-              <a:rPr lang="en-US" altLang="zh-CN" dirty="0"/>
-              <a:t>traffic rate</a:t>
-            </a:r>
-            <a:r>
-              <a:rPr lang="zh-CN" altLang="en-US" dirty="0"/>
-              <a:t>设置为一个</a:t>
-            </a:r>
-            <a:r>
-              <a:rPr lang="en-US" altLang="zh-CN" dirty="0"/>
-              <a:t>DDOS</a:t>
-            </a:r>
-            <a:r>
-              <a:rPr lang="zh-CN" altLang="en-US" dirty="0"/>
-              <a:t>攻击流量</a:t>
+              <a:t>（可叠加）</a:t>
             </a:r>
             <a:endParaRPr lang="en-US" altLang="zh-CN" dirty="0"/>
           </a:p>
@@ -8064,6 +8227,313 @@
     <p:extLst>
       <p:ext uri="{BB962C8B-B14F-4D97-AF65-F5344CB8AC3E}">
         <p14:creationId xmlns:p14="http://schemas.microsoft.com/office/powerpoint/2010/main" val="1830027387"/>
+      </p:ext>
+    </p:extLst>
+  </p:cSld>
+  <p:clrMapOvr>
+    <a:masterClrMapping/>
+  </p:clrMapOvr>
+</p:sld>
+</file>
+
+<file path=ppt/slides/slide9.xml><?xml version="1.0" encoding="utf-8"?>
+<p:sld xmlns:a="http://schemas.openxmlformats.org/drawingml/2006/main" xmlns:r="http://schemas.openxmlformats.org/officeDocument/2006/relationships" xmlns:p="http://schemas.openxmlformats.org/presentationml/2006/main">
+  <p:cSld>
+    <p:spTree>
+      <p:nvGrpSpPr>
+        <p:cNvPr id="1" name=""/>
+        <p:cNvGrpSpPr/>
+        <p:nvPr/>
+      </p:nvGrpSpPr>
+      <p:grpSpPr>
+        <a:xfrm>
+          <a:off x="0" y="0"/>
+          <a:ext cx="0" cy="0"/>
+          <a:chOff x="0" y="0"/>
+          <a:chExt cx="0" cy="0"/>
+        </a:xfrm>
+      </p:grpSpPr>
+      <p:sp>
+        <p:nvSpPr>
+          <p:cNvPr id="2" name="标题 1">
+            <a:extLst>
+              <a:ext uri="{FF2B5EF4-FFF2-40B4-BE49-F238E27FC236}">
+                <a16:creationId xmlns:a16="http://schemas.microsoft.com/office/drawing/2014/main" id="{3B40BD9A-C055-48E6-9E48-FAD222DBD202}"/>
+              </a:ext>
+            </a:extLst>
+          </p:cNvPr>
+          <p:cNvSpPr>
+            <a:spLocks noGrp="1"/>
+          </p:cNvSpPr>
+          <p:nvPr>
+            <p:ph type="title"/>
+          </p:nvPr>
+        </p:nvSpPr>
+        <p:spPr/>
+        <p:txBody>
+          <a:bodyPr/>
+          <a:lstStyle/>
+          <a:p>
+            <a:r>
+              <a:rPr lang="en-US" altLang="zh-CN" b="1" dirty="0"/>
+              <a:t>CLI Interface</a:t>
+            </a:r>
+          </a:p>
+        </p:txBody>
+      </p:sp>
+      <p:sp>
+        <p:nvSpPr>
+          <p:cNvPr id="3" name="内容占位符 2">
+            <a:extLst>
+              <a:ext uri="{FF2B5EF4-FFF2-40B4-BE49-F238E27FC236}">
+                <a16:creationId xmlns:a16="http://schemas.microsoft.com/office/drawing/2014/main" id="{7E1388CC-5B62-4E58-A428-0293D8B7ED8A}"/>
+              </a:ext>
+            </a:extLst>
+          </p:cNvPr>
+          <p:cNvSpPr>
+            <a:spLocks noGrp="1"/>
+          </p:cNvSpPr>
+          <p:nvPr>
+            <p:ph idx="1"/>
+          </p:nvPr>
+        </p:nvSpPr>
+        <p:spPr/>
+        <p:txBody>
+          <a:bodyPr>
+            <a:normAutofit/>
+          </a:bodyPr>
+          <a:lstStyle/>
+          <a:p>
+            <a:r>
+              <a:rPr lang="zh-CN" altLang="en-US" dirty="0"/>
+              <a:t>模拟流量变化</a:t>
+            </a:r>
+            <a:endParaRPr lang="en-US" altLang="zh-CN" dirty="0"/>
+          </a:p>
+          <a:p>
+            <a:pPr lvl="1"/>
+            <a:r>
+              <a:rPr lang="en-US" altLang="zh-CN" dirty="0"/>
+              <a:t>&gt; traffic t1 –</a:t>
+            </a:r>
+            <a:r>
+              <a:rPr lang="en-US" altLang="zh-CN" dirty="0" err="1"/>
+              <a:t>trafficPattern</a:t>
+            </a:r>
+            <a:r>
+              <a:rPr lang="en-US" altLang="zh-CN" dirty="0"/>
+              <a:t>=constant –value 100.0 # </a:t>
+            </a:r>
+            <a:r>
+              <a:rPr lang="zh-CN" altLang="en-US" dirty="0"/>
+              <a:t>将</a:t>
+            </a:r>
+            <a:r>
+              <a:rPr lang="en-US" altLang="zh-CN" dirty="0"/>
+              <a:t>traffic t1</a:t>
+            </a:r>
+            <a:r>
+              <a:rPr lang="zh-CN" altLang="en-US" dirty="0"/>
+              <a:t>的</a:t>
+            </a:r>
+            <a:r>
+              <a:rPr lang="en-US" altLang="zh-CN" dirty="0"/>
+              <a:t>traffic</a:t>
+            </a:r>
+            <a:r>
+              <a:rPr lang="zh-CN" altLang="en-US" dirty="0"/>
+              <a:t>设置为常数</a:t>
+            </a:r>
+            <a:r>
+              <a:rPr lang="en-US" altLang="zh-CN" dirty="0"/>
+              <a:t>100Mbps</a:t>
+            </a:r>
+          </a:p>
+          <a:p>
+            <a:pPr lvl="1"/>
+            <a:r>
+              <a:rPr lang="en-US" altLang="zh-CN" dirty="0"/>
+              <a:t>&gt; traffic t1 –</a:t>
+            </a:r>
+            <a:r>
+              <a:rPr lang="en-US" altLang="zh-CN" dirty="0" err="1"/>
+              <a:t>trafficPattern</a:t>
+            </a:r>
+            <a:r>
+              <a:rPr lang="en-US" altLang="zh-CN" dirty="0"/>
+              <a:t>=uniform –min 10 –max 100 # </a:t>
+            </a:r>
+            <a:r>
+              <a:rPr lang="zh-CN" altLang="en-US" dirty="0"/>
+              <a:t>将</a:t>
+            </a:r>
+            <a:r>
+              <a:rPr lang="en-US" altLang="zh-CN" dirty="0"/>
+              <a:t>traffic t1</a:t>
+            </a:r>
+            <a:r>
+              <a:rPr lang="zh-CN" altLang="en-US" dirty="0"/>
+              <a:t>的</a:t>
+            </a:r>
+            <a:r>
+              <a:rPr lang="en-US" altLang="zh-CN" dirty="0"/>
+              <a:t>traffic rate</a:t>
+            </a:r>
+            <a:r>
+              <a:rPr lang="zh-CN" altLang="en-US" dirty="0"/>
+              <a:t>设置为一个符合均匀分布的随机变量</a:t>
+            </a:r>
+            <a:r>
+              <a:rPr lang="en-US" altLang="zh-CN" dirty="0"/>
+              <a:t>U(10, 100)</a:t>
+            </a:r>
+          </a:p>
+          <a:p>
+            <a:pPr lvl="1"/>
+            <a:r>
+              <a:rPr lang="en-US" altLang="zh-CN" dirty="0"/>
+              <a:t>&gt; traffic t1 –</a:t>
+            </a:r>
+            <a:r>
+              <a:rPr lang="en-US" altLang="zh-CN" dirty="0" err="1"/>
+              <a:t>trafficPattern</a:t>
+            </a:r>
+            <a:r>
+              <a:rPr lang="en-US" altLang="zh-CN" dirty="0"/>
+              <a:t>=exponent –lambda 100 # </a:t>
+            </a:r>
+            <a:r>
+              <a:rPr lang="zh-CN" altLang="en-US" dirty="0"/>
+              <a:t>将</a:t>
+            </a:r>
+            <a:r>
+              <a:rPr lang="en-US" altLang="zh-CN" dirty="0"/>
+              <a:t>traffic t1</a:t>
+            </a:r>
+            <a:r>
+              <a:rPr lang="zh-CN" altLang="en-US" dirty="0"/>
+              <a:t>的</a:t>
+            </a:r>
+            <a:r>
+              <a:rPr lang="en-US" altLang="zh-CN" dirty="0"/>
+              <a:t>traffic rate</a:t>
+            </a:r>
+            <a:r>
+              <a:rPr lang="zh-CN" altLang="en-US" dirty="0"/>
+              <a:t>设置为一个符合指数分布的随机变量</a:t>
+            </a:r>
+            <a:endParaRPr lang="en-US" altLang="zh-CN" dirty="0"/>
+          </a:p>
+          <a:p>
+            <a:pPr lvl="1"/>
+            <a:r>
+              <a:rPr lang="en-US" altLang="zh-CN" dirty="0"/>
+              <a:t>&gt;traffic t1 –</a:t>
+            </a:r>
+            <a:r>
+              <a:rPr lang="en-US" altLang="zh-CN" dirty="0" err="1"/>
+              <a:t>trafficPattern</a:t>
+            </a:r>
+            <a:r>
+              <a:rPr lang="en-US" altLang="zh-CN" dirty="0"/>
+              <a:t>=</a:t>
+            </a:r>
+            <a:r>
+              <a:rPr lang="en-US" altLang="zh-CN" dirty="0" err="1"/>
+              <a:t>dnsAmplifyDDoS</a:t>
+            </a:r>
+            <a:r>
+              <a:rPr lang="en-US" altLang="zh-CN" dirty="0"/>
+              <a:t> # </a:t>
+            </a:r>
+            <a:r>
+              <a:rPr lang="zh-CN" altLang="en-US" dirty="0"/>
+              <a:t>将</a:t>
+            </a:r>
+            <a:r>
+              <a:rPr lang="en-US" altLang="zh-CN" dirty="0"/>
+              <a:t>traffic t1</a:t>
+            </a:r>
+            <a:r>
+              <a:rPr lang="zh-CN" altLang="en-US" dirty="0"/>
+              <a:t>的</a:t>
+            </a:r>
+            <a:r>
+              <a:rPr lang="en-US" altLang="zh-CN" dirty="0"/>
+              <a:t>traffic rate</a:t>
+            </a:r>
+            <a:r>
+              <a:rPr lang="zh-CN" altLang="en-US" dirty="0"/>
+              <a:t>设置为一个</a:t>
+            </a:r>
+            <a:r>
+              <a:rPr lang="en-US" altLang="zh-CN" dirty="0"/>
+              <a:t>DDOS</a:t>
+            </a:r>
+            <a:r>
+              <a:rPr lang="zh-CN" altLang="en-US" dirty="0"/>
+              <a:t>攻击流量</a:t>
+            </a:r>
+            <a:endParaRPr lang="en-US" altLang="zh-CN" dirty="0"/>
+          </a:p>
+          <a:p>
+            <a:pPr lvl="1"/>
+            <a:r>
+              <a:rPr lang="en-US" altLang="zh-CN" dirty="0"/>
+              <a:t>&gt;traffic t1 –</a:t>
+            </a:r>
+            <a:r>
+              <a:rPr lang="en-US" altLang="zh-CN" dirty="0" err="1"/>
+              <a:t>trafficPattern</a:t>
+            </a:r>
+            <a:r>
+              <a:rPr lang="en-US" altLang="zh-CN" dirty="0"/>
+              <a:t>=</a:t>
+            </a:r>
+            <a:r>
+              <a:rPr lang="en-US" altLang="zh-CN" dirty="0" err="1"/>
+              <a:t>synFloodingDDoS</a:t>
+            </a:r>
+            <a:r>
+              <a:rPr lang="en-US" altLang="zh-CN" dirty="0"/>
+              <a:t> # </a:t>
+            </a:r>
+            <a:r>
+              <a:rPr lang="zh-CN" altLang="en-US" dirty="0"/>
+              <a:t>将</a:t>
+            </a:r>
+            <a:r>
+              <a:rPr lang="en-US" altLang="zh-CN" dirty="0"/>
+              <a:t>traffic t1</a:t>
+            </a:r>
+            <a:r>
+              <a:rPr lang="zh-CN" altLang="en-US" dirty="0"/>
+              <a:t>的</a:t>
+            </a:r>
+            <a:r>
+              <a:rPr lang="en-US" altLang="zh-CN" dirty="0"/>
+              <a:t>traffic rate</a:t>
+            </a:r>
+            <a:r>
+              <a:rPr lang="zh-CN" altLang="en-US" dirty="0"/>
+              <a:t>设置为一个</a:t>
+            </a:r>
+            <a:r>
+              <a:rPr lang="en-US" altLang="zh-CN" dirty="0"/>
+              <a:t>DDOS</a:t>
+            </a:r>
+            <a:r>
+              <a:rPr lang="zh-CN" altLang="en-US" dirty="0"/>
+              <a:t>攻击流量</a:t>
+            </a:r>
+            <a:endParaRPr lang="en-US" altLang="zh-CN" dirty="0"/>
+          </a:p>
+        </p:txBody>
+      </p:sp>
+    </p:spTree>
+    <p:extLst>
+      <p:ext uri="{BB962C8B-B14F-4D97-AF65-F5344CB8AC3E}">
+        <p14:creationId xmlns:p14="http://schemas.microsoft.com/office/powerpoint/2010/main" val="2155767689"/>
       </p:ext>
     </p:extLst>
   </p:cSld>
